--- a/학습자료/학습 정리.pptx
+++ b/학습자료/학습 정리.pptx
@@ -27,6 +27,9 @@
     <p:sldId id="275" r:id="rId21"/>
     <p:sldId id="276" r:id="rId22"/>
     <p:sldId id="277" r:id="rId23"/>
+    <p:sldId id="278" r:id="rId24"/>
+    <p:sldId id="279" r:id="rId25"/>
+    <p:sldId id="280" r:id="rId26"/>
   </p:sldIdLst>
   <p:sldSz cx="12192000" cy="6858000"/>
   <p:notesSz cx="6858000" cy="9144000"/>
@@ -280,7 +283,7 @@
           <a:p>
             <a:fld id="{0C572C61-C509-4714-B304-DEF8ECAB5EC0}" type="datetimeFigureOut">
               <a:rPr lang="ko-KR" altLang="en-US" smtClean="0"/>
-              <a:t>2020-12-13</a:t>
+              <a:t>2020-12-18</a:t>
             </a:fld>
             <a:endParaRPr lang="ko-KR" altLang="en-US"/>
           </a:p>
@@ -478,7 +481,7 @@
           <a:p>
             <a:fld id="{0C572C61-C509-4714-B304-DEF8ECAB5EC0}" type="datetimeFigureOut">
               <a:rPr lang="ko-KR" altLang="en-US" smtClean="0"/>
-              <a:t>2020-12-13</a:t>
+              <a:t>2020-12-18</a:t>
             </a:fld>
             <a:endParaRPr lang="ko-KR" altLang="en-US"/>
           </a:p>
@@ -686,7 +689,7 @@
           <a:p>
             <a:fld id="{0C572C61-C509-4714-B304-DEF8ECAB5EC0}" type="datetimeFigureOut">
               <a:rPr lang="ko-KR" altLang="en-US" smtClean="0"/>
-              <a:t>2020-12-13</a:t>
+              <a:t>2020-12-18</a:t>
             </a:fld>
             <a:endParaRPr lang="ko-KR" altLang="en-US"/>
           </a:p>
@@ -884,7 +887,7 @@
           <a:p>
             <a:fld id="{0C572C61-C509-4714-B304-DEF8ECAB5EC0}" type="datetimeFigureOut">
               <a:rPr lang="ko-KR" altLang="en-US" smtClean="0"/>
-              <a:t>2020-12-13</a:t>
+              <a:t>2020-12-18</a:t>
             </a:fld>
             <a:endParaRPr lang="ko-KR" altLang="en-US"/>
           </a:p>
@@ -1159,7 +1162,7 @@
           <a:p>
             <a:fld id="{0C572C61-C509-4714-B304-DEF8ECAB5EC0}" type="datetimeFigureOut">
               <a:rPr lang="ko-KR" altLang="en-US" smtClean="0"/>
-              <a:t>2020-12-13</a:t>
+              <a:t>2020-12-18</a:t>
             </a:fld>
             <a:endParaRPr lang="ko-KR" altLang="en-US"/>
           </a:p>
@@ -1424,7 +1427,7 @@
           <a:p>
             <a:fld id="{0C572C61-C509-4714-B304-DEF8ECAB5EC0}" type="datetimeFigureOut">
               <a:rPr lang="ko-KR" altLang="en-US" smtClean="0"/>
-              <a:t>2020-12-13</a:t>
+              <a:t>2020-12-18</a:t>
             </a:fld>
             <a:endParaRPr lang="ko-KR" altLang="en-US"/>
           </a:p>
@@ -1836,7 +1839,7 @@
           <a:p>
             <a:fld id="{0C572C61-C509-4714-B304-DEF8ECAB5EC0}" type="datetimeFigureOut">
               <a:rPr lang="ko-KR" altLang="en-US" smtClean="0"/>
-              <a:t>2020-12-13</a:t>
+              <a:t>2020-12-18</a:t>
             </a:fld>
             <a:endParaRPr lang="ko-KR" altLang="en-US"/>
           </a:p>
@@ -1977,7 +1980,7 @@
           <a:p>
             <a:fld id="{0C572C61-C509-4714-B304-DEF8ECAB5EC0}" type="datetimeFigureOut">
               <a:rPr lang="ko-KR" altLang="en-US" smtClean="0"/>
-              <a:t>2020-12-13</a:t>
+              <a:t>2020-12-18</a:t>
             </a:fld>
             <a:endParaRPr lang="ko-KR" altLang="en-US"/>
           </a:p>
@@ -2090,7 +2093,7 @@
           <a:p>
             <a:fld id="{0C572C61-C509-4714-B304-DEF8ECAB5EC0}" type="datetimeFigureOut">
               <a:rPr lang="ko-KR" altLang="en-US" smtClean="0"/>
-              <a:t>2020-12-13</a:t>
+              <a:t>2020-12-18</a:t>
             </a:fld>
             <a:endParaRPr lang="ko-KR" altLang="en-US"/>
           </a:p>
@@ -2401,7 +2404,7 @@
           <a:p>
             <a:fld id="{0C572C61-C509-4714-B304-DEF8ECAB5EC0}" type="datetimeFigureOut">
               <a:rPr lang="ko-KR" altLang="en-US" smtClean="0"/>
-              <a:t>2020-12-13</a:t>
+              <a:t>2020-12-18</a:t>
             </a:fld>
             <a:endParaRPr lang="ko-KR" altLang="en-US"/>
           </a:p>
@@ -2689,7 +2692,7 @@
           <a:p>
             <a:fld id="{0C572C61-C509-4714-B304-DEF8ECAB5EC0}" type="datetimeFigureOut">
               <a:rPr lang="ko-KR" altLang="en-US" smtClean="0"/>
-              <a:t>2020-12-13</a:t>
+              <a:t>2020-12-18</a:t>
             </a:fld>
             <a:endParaRPr lang="ko-KR" altLang="en-US"/>
           </a:p>
@@ -2930,7 +2933,7 @@
           <a:p>
             <a:fld id="{0C572C61-C509-4714-B304-DEF8ECAB5EC0}" type="datetimeFigureOut">
               <a:rPr lang="ko-KR" altLang="en-US" smtClean="0"/>
-              <a:t>2020-12-13</a:t>
+              <a:t>2020-12-18</a:t>
             </a:fld>
             <a:endParaRPr lang="ko-KR" altLang="en-US"/>
           </a:p>
@@ -14310,7 +14313,7 @@
         </p:blipFill>
         <p:spPr>
           <a:xfrm>
-            <a:off x="2084839" y="5733277"/>
+            <a:off x="2261302" y="5637024"/>
             <a:ext cx="6988823" cy="4347952"/>
           </a:xfrm>
           <a:prstGeom prst="rect">
@@ -14369,7 +14372,19 @@
           <a:bodyPr/>
           <a:lstStyle/>
           <a:p>
-            <a:endParaRPr lang="ko-KR" altLang="en-US"/>
+            <a:r>
+              <a:rPr lang="en-US" altLang="ko-KR" dirty="0"/>
+              <a:t>List,</a:t>
+            </a:r>
+            <a:r>
+              <a:rPr lang="ko-KR" altLang="en-US" dirty="0"/>
+              <a:t> </a:t>
+            </a:r>
+            <a:r>
+              <a:rPr lang="en-US" altLang="ko-KR" dirty="0"/>
+              <a:t>Set, Map</a:t>
+            </a:r>
+            <a:endParaRPr lang="ko-KR" altLang="en-US" dirty="0"/>
           </a:p>
         </p:txBody>
       </p:sp>
@@ -14391,10 +14406,165 @@
         </p:nvSpPr>
         <p:spPr/>
         <p:txBody>
-          <a:bodyPr/>
+          <a:bodyPr>
+            <a:normAutofit fontScale="92500" lnSpcReduction="20000"/>
+          </a:bodyPr>
           <a:lstStyle/>
           <a:p>
-            <a:endParaRPr lang="ko-KR" altLang="en-US"/>
+            <a:r>
+              <a:rPr lang="en-US" altLang="ko-KR" dirty="0"/>
+              <a:t>List // </a:t>
+            </a:r>
+            <a:r>
+              <a:rPr lang="ko-KR" altLang="en-US" dirty="0"/>
+              <a:t>길이가 변경되는 배열</a:t>
+            </a:r>
+            <a:endParaRPr lang="en-US" altLang="ko-KR" dirty="0"/>
+          </a:p>
+          <a:p>
+            <a:r>
+              <a:rPr lang="en-US" altLang="ko-KR" dirty="0"/>
+              <a:t>- add, iterator, size</a:t>
+            </a:r>
+            <a:r>
+              <a:rPr lang="ko-KR" altLang="en-US" dirty="0"/>
+              <a:t> 사용가능</a:t>
+            </a:r>
+            <a:endParaRPr lang="en-US" altLang="ko-KR" dirty="0"/>
+          </a:p>
+          <a:p>
+            <a:r>
+              <a:rPr lang="en-US" altLang="ko-KR" dirty="0"/>
+              <a:t>- </a:t>
+            </a:r>
+            <a:r>
+              <a:rPr lang="ko-KR" altLang="en-US" dirty="0"/>
+              <a:t>중복자료 허용</a:t>
+            </a:r>
+            <a:endParaRPr lang="en-US" altLang="ko-KR" dirty="0"/>
+          </a:p>
+          <a:p>
+            <a:r>
+              <a:rPr lang="en-US" altLang="ko-KR" dirty="0"/>
+              <a:t>Set // </a:t>
+            </a:r>
+            <a:r>
+              <a:rPr lang="ko-KR" altLang="en-US" dirty="0"/>
+              <a:t>집합의 개념</a:t>
+            </a:r>
+            <a:endParaRPr lang="en-US" altLang="ko-KR" dirty="0"/>
+          </a:p>
+          <a:p>
+            <a:r>
+              <a:rPr lang="en-US" altLang="ko-KR" dirty="0"/>
+              <a:t>- </a:t>
+            </a:r>
+            <a:r>
+              <a:rPr lang="ko-KR" altLang="en-US" dirty="0"/>
+              <a:t>중복자료 </a:t>
+            </a:r>
+            <a:r>
+              <a:rPr lang="ko-KR" altLang="en-US" dirty="0" err="1"/>
+              <a:t>허용안함</a:t>
+            </a:r>
+            <a:endParaRPr lang="en-US" altLang="ko-KR" dirty="0"/>
+          </a:p>
+          <a:p>
+            <a:r>
+              <a:rPr lang="en-US" altLang="ko-KR" dirty="0"/>
+              <a:t>Map</a:t>
+            </a:r>
+          </a:p>
+          <a:p>
+            <a:r>
+              <a:rPr lang="en-US" altLang="ko-KR" dirty="0"/>
+              <a:t>- </a:t>
+            </a:r>
+            <a:r>
+              <a:rPr lang="ko-KR" altLang="en-US" dirty="0"/>
+              <a:t>키</a:t>
+            </a:r>
+            <a:r>
+              <a:rPr lang="en-US" altLang="ko-KR" dirty="0"/>
+              <a:t>, </a:t>
+            </a:r>
+            <a:r>
+              <a:rPr lang="ko-KR" altLang="en-US" dirty="0"/>
+              <a:t>값 쌍으로 구성</a:t>
+            </a:r>
+            <a:endParaRPr lang="en-US" altLang="ko-KR" dirty="0"/>
+          </a:p>
+          <a:p>
+            <a:r>
+              <a:rPr lang="en-US" altLang="ko-KR" dirty="0"/>
+              <a:t>- </a:t>
+            </a:r>
+            <a:r>
+              <a:rPr lang="ko-KR" altLang="en-US" dirty="0"/>
+              <a:t>키는 중복 허용 안되지만 값은 중복이 허용</a:t>
+            </a:r>
+            <a:endParaRPr lang="en-US" altLang="ko-KR" dirty="0"/>
+          </a:p>
+          <a:p>
+            <a:r>
+              <a:rPr lang="en-US" altLang="ko-KR" dirty="0"/>
+              <a:t>- </a:t>
+            </a:r>
+            <a:r>
+              <a:rPr lang="ko-KR" altLang="en-US" dirty="0"/>
+              <a:t>데이터를 </a:t>
+            </a:r>
+            <a:r>
+              <a:rPr lang="ko-KR" altLang="en-US" dirty="0" err="1"/>
+              <a:t>넣을때</a:t>
+            </a:r>
+            <a:r>
+              <a:rPr lang="ko-KR" altLang="en-US" dirty="0"/>
+              <a:t> </a:t>
+            </a:r>
+            <a:r>
+              <a:rPr lang="en-US" altLang="ko-KR" dirty="0"/>
+              <a:t>put </a:t>
+            </a:r>
+            <a:r>
+              <a:rPr lang="ko-KR" altLang="en-US" dirty="0"/>
+              <a:t>사용</a:t>
+            </a:r>
+            <a:endParaRPr lang="en-US" altLang="ko-KR" dirty="0"/>
+          </a:p>
+          <a:p>
+            <a:r>
+              <a:rPr lang="en-US" altLang="ko-KR" dirty="0"/>
+              <a:t>- </a:t>
+            </a:r>
+            <a:r>
+              <a:rPr lang="en-US" altLang="ko-KR" dirty="0" err="1"/>
+              <a:t>KeySet</a:t>
+            </a:r>
+            <a:r>
+              <a:rPr lang="ko-KR" altLang="en-US" dirty="0"/>
+              <a:t>을 통해 </a:t>
+            </a:r>
+            <a:r>
+              <a:rPr lang="ko-KR" altLang="en-US" dirty="0" err="1"/>
+              <a:t>키값을</a:t>
+            </a:r>
+            <a:r>
+              <a:rPr lang="ko-KR" altLang="en-US" dirty="0"/>
+              <a:t> 모두 </a:t>
+            </a:r>
+            <a:r>
+              <a:rPr lang="en-US" altLang="ko-KR" dirty="0"/>
+              <a:t>Set </a:t>
+            </a:r>
+            <a:r>
+              <a:rPr lang="ko-KR" altLang="en-US" dirty="0"/>
+              <a:t>자료형으로 꺼낼 수 있음</a:t>
+            </a:r>
+            <a:r>
+              <a:rPr lang="en-US" altLang="ko-KR" dirty="0"/>
+              <a:t>.</a:t>
+            </a:r>
           </a:p>
         </p:txBody>
       </p:sp>
@@ -14402,6 +14572,3009 @@
     <p:extLst>
       <p:ext uri="{BB962C8B-B14F-4D97-AF65-F5344CB8AC3E}">
         <p14:creationId xmlns:p14="http://schemas.microsoft.com/office/powerpoint/2010/main" val="413102261"/>
+      </p:ext>
+    </p:extLst>
+  </p:cSld>
+  <p:clrMapOvr>
+    <a:masterClrMapping/>
+  </p:clrMapOvr>
+</p:sld>
+</file>
+
+<file path=ppt/slides/slide23.xml><?xml version="1.0" encoding="utf-8"?>
+<p:sld xmlns:a="http://schemas.openxmlformats.org/drawingml/2006/main" xmlns:r="http://schemas.openxmlformats.org/officeDocument/2006/relationships" xmlns:p="http://schemas.openxmlformats.org/presentationml/2006/main">
+  <p:cSld>
+    <p:spTree>
+      <p:nvGrpSpPr>
+        <p:cNvPr id="1" name=""/>
+        <p:cNvGrpSpPr/>
+        <p:nvPr/>
+      </p:nvGrpSpPr>
+      <p:grpSpPr>
+        <a:xfrm>
+          <a:off x="0" y="0"/>
+          <a:ext cx="0" cy="0"/>
+          <a:chOff x="0" y="0"/>
+          <a:chExt cx="0" cy="0"/>
+        </a:xfrm>
+      </p:grpSpPr>
+      <p:sp>
+        <p:nvSpPr>
+          <p:cNvPr id="2" name="제목 1">
+            <a:extLst>
+              <a:ext uri="{FF2B5EF4-FFF2-40B4-BE49-F238E27FC236}">
+                <a16:creationId xmlns:a16="http://schemas.microsoft.com/office/drawing/2014/main" id="{FC251B8B-8E1E-44B0-B08D-8B033A70810B}"/>
+              </a:ext>
+            </a:extLst>
+          </p:cNvPr>
+          <p:cNvSpPr>
+            <a:spLocks noGrp="1"/>
+          </p:cNvSpPr>
+          <p:nvPr>
+            <p:ph type="title"/>
+          </p:nvPr>
+        </p:nvSpPr>
+        <p:spPr/>
+        <p:txBody>
+          <a:bodyPr/>
+          <a:lstStyle/>
+          <a:p>
+            <a:r>
+              <a:rPr lang="en-US" altLang="ko-KR" dirty="0"/>
+              <a:t>Date, </a:t>
+            </a:r>
+            <a:r>
+              <a:rPr lang="en-US" altLang="ko-KR" dirty="0" err="1"/>
+              <a:t>Calender</a:t>
+            </a:r>
+            <a:r>
+              <a:rPr lang="en-US" altLang="ko-KR" dirty="0"/>
+              <a:t>, Time</a:t>
+            </a:r>
+            <a:endParaRPr lang="ko-KR" altLang="en-US" dirty="0"/>
+          </a:p>
+        </p:txBody>
+      </p:sp>
+      <p:sp>
+        <p:nvSpPr>
+          <p:cNvPr id="3" name="내용 개체 틀 2">
+            <a:extLst>
+              <a:ext uri="{FF2B5EF4-FFF2-40B4-BE49-F238E27FC236}">
+                <a16:creationId xmlns:a16="http://schemas.microsoft.com/office/drawing/2014/main" id="{BA74F4B8-1C29-47EC-8F16-D29552382CB8}"/>
+              </a:ext>
+            </a:extLst>
+          </p:cNvPr>
+          <p:cNvSpPr>
+            <a:spLocks noGrp="1"/>
+          </p:cNvSpPr>
+          <p:nvPr>
+            <p:ph idx="1"/>
+          </p:nvPr>
+        </p:nvSpPr>
+        <p:spPr/>
+        <p:txBody>
+          <a:bodyPr/>
+          <a:lstStyle/>
+          <a:p>
+            <a:r>
+              <a:rPr lang="en-US" altLang="ko-KR" dirty="0"/>
+              <a:t>Date</a:t>
+            </a:r>
+          </a:p>
+          <a:p>
+            <a:r>
+              <a:rPr lang="en-US" altLang="ko-KR" dirty="0"/>
+              <a:t>- </a:t>
+            </a:r>
+            <a:r>
+              <a:rPr lang="ko-KR" altLang="en-US" dirty="0"/>
+              <a:t>자바 </a:t>
+            </a:r>
+            <a:r>
+              <a:rPr lang="en-US" altLang="ko-KR" dirty="0"/>
+              <a:t>1.0 </a:t>
+            </a:r>
+            <a:r>
+              <a:rPr lang="ko-KR" altLang="en-US" dirty="0"/>
+              <a:t>부터</a:t>
+            </a:r>
+            <a:r>
+              <a:rPr lang="en-US" altLang="ko-KR" dirty="0"/>
+              <a:t> </a:t>
+            </a:r>
+            <a:r>
+              <a:rPr lang="ko-KR" altLang="en-US" dirty="0"/>
+              <a:t>있었음 </a:t>
+            </a:r>
+            <a:r>
+              <a:rPr lang="en-US" altLang="ko-KR" dirty="0"/>
+              <a:t>//</a:t>
+            </a:r>
+            <a:r>
+              <a:rPr lang="ko-KR" altLang="en-US" dirty="0"/>
+              <a:t> 지역시간 고려안하고 설계</a:t>
+            </a:r>
+            <a:endParaRPr lang="en-US" altLang="ko-KR" dirty="0"/>
+          </a:p>
+          <a:p>
+            <a:r>
+              <a:rPr lang="en-US" altLang="ko-KR" dirty="0" err="1"/>
+              <a:t>Calender</a:t>
+            </a:r>
+            <a:endParaRPr lang="en-US" altLang="ko-KR" dirty="0"/>
+          </a:p>
+          <a:p>
+            <a:r>
+              <a:rPr lang="en-US" altLang="ko-KR" dirty="0"/>
+              <a:t>- </a:t>
+            </a:r>
+            <a:r>
+              <a:rPr lang="ko-KR" altLang="en-US" dirty="0"/>
+              <a:t>자바 </a:t>
+            </a:r>
+            <a:r>
+              <a:rPr lang="en-US" altLang="ko-KR" dirty="0"/>
+              <a:t>1.1 </a:t>
+            </a:r>
+            <a:r>
+              <a:rPr lang="ko-KR" altLang="en-US" dirty="0"/>
+              <a:t>지역시간 고려하고 설계</a:t>
+            </a:r>
+            <a:endParaRPr lang="en-US" altLang="ko-KR" dirty="0"/>
+          </a:p>
+          <a:p>
+            <a:r>
+              <a:rPr lang="en-US" altLang="ko-KR" dirty="0"/>
+              <a:t>- </a:t>
+            </a:r>
+            <a:r>
+              <a:rPr lang="en-US" altLang="ko-KR" dirty="0" err="1"/>
+              <a:t>Calender</a:t>
+            </a:r>
+            <a:r>
+              <a:rPr lang="ko-KR" altLang="en-US" dirty="0"/>
+              <a:t>에서 월은 현재 월에서 </a:t>
+            </a:r>
+            <a:r>
+              <a:rPr lang="en-US" altLang="ko-KR" dirty="0"/>
+              <a:t>– 1 </a:t>
+            </a:r>
+            <a:r>
+              <a:rPr lang="ko-KR" altLang="en-US" dirty="0"/>
+              <a:t>된 상태로 표시한다</a:t>
+            </a:r>
+            <a:r>
+              <a:rPr lang="en-US" altLang="ko-KR" dirty="0"/>
+              <a:t>.</a:t>
+            </a:r>
+          </a:p>
+          <a:p>
+            <a:r>
+              <a:rPr lang="en-US" altLang="ko-KR" dirty="0"/>
+              <a:t>Time</a:t>
+            </a:r>
+          </a:p>
+          <a:p>
+            <a:r>
+              <a:rPr lang="en-US" altLang="ko-KR" dirty="0"/>
+              <a:t>- </a:t>
+            </a:r>
+            <a:r>
+              <a:rPr lang="ko-KR" altLang="en-US" dirty="0"/>
+              <a:t>자바 </a:t>
+            </a:r>
+            <a:r>
+              <a:rPr lang="en-US" altLang="ko-KR" dirty="0"/>
+              <a:t>SE 8 </a:t>
+            </a:r>
+            <a:r>
+              <a:rPr lang="ko-KR" altLang="en-US" dirty="0"/>
+              <a:t>부터 지원</a:t>
+            </a:r>
+            <a:endParaRPr lang="en-US" altLang="ko-KR" dirty="0"/>
+          </a:p>
+          <a:p>
+            <a:r>
+              <a:rPr lang="en-US" altLang="ko-KR" dirty="0" err="1"/>
+              <a:t>LocalDateTime</a:t>
+            </a:r>
+            <a:r>
+              <a:rPr lang="en-US" altLang="ko-KR" dirty="0"/>
+              <a:t>, </a:t>
+            </a:r>
+            <a:r>
+              <a:rPr lang="en-US" altLang="ko-KR" dirty="0" err="1"/>
+              <a:t>LocalDate</a:t>
+            </a:r>
+            <a:r>
+              <a:rPr lang="en-US" altLang="ko-KR" dirty="0"/>
+              <a:t>, </a:t>
+            </a:r>
+            <a:r>
+              <a:rPr lang="en-US" altLang="ko-KR" dirty="0" err="1"/>
+              <a:t>LocalTime</a:t>
+            </a:r>
+            <a:r>
+              <a:rPr lang="en-US" altLang="ko-KR" dirty="0"/>
+              <a:t> </a:t>
+            </a:r>
+            <a:r>
+              <a:rPr lang="ko-KR" altLang="en-US" dirty="0"/>
+              <a:t>클래스 등이 있다</a:t>
+            </a:r>
+            <a:r>
+              <a:rPr lang="en-US" altLang="ko-KR" dirty="0"/>
+              <a:t>.</a:t>
+            </a:r>
+            <a:endParaRPr lang="ko-KR" altLang="en-US" dirty="0"/>
+          </a:p>
+        </p:txBody>
+      </p:sp>
+    </p:spTree>
+    <p:extLst>
+      <p:ext uri="{BB962C8B-B14F-4D97-AF65-F5344CB8AC3E}">
+        <p14:creationId xmlns:p14="http://schemas.microsoft.com/office/powerpoint/2010/main" val="3238267849"/>
+      </p:ext>
+    </p:extLst>
+  </p:cSld>
+  <p:clrMapOvr>
+    <a:masterClrMapping/>
+  </p:clrMapOvr>
+</p:sld>
+</file>
+
+<file path=ppt/slides/slide24.xml><?xml version="1.0" encoding="utf-8"?>
+<p:sld xmlns:a="http://schemas.openxmlformats.org/drawingml/2006/main" xmlns:r="http://schemas.openxmlformats.org/officeDocument/2006/relationships" xmlns:p="http://schemas.openxmlformats.org/presentationml/2006/main">
+  <p:cSld>
+    <p:spTree>
+      <p:nvGrpSpPr>
+        <p:cNvPr id="1" name=""/>
+        <p:cNvGrpSpPr/>
+        <p:nvPr/>
+      </p:nvGrpSpPr>
+      <p:grpSpPr>
+        <a:xfrm>
+          <a:off x="0" y="0"/>
+          <a:ext cx="0" cy="0"/>
+          <a:chOff x="0" y="0"/>
+          <a:chExt cx="0" cy="0"/>
+        </a:xfrm>
+      </p:grpSpPr>
+      <p:sp>
+        <p:nvSpPr>
+          <p:cNvPr id="2" name="제목 1">
+            <a:extLst>
+              <a:ext uri="{FF2B5EF4-FFF2-40B4-BE49-F238E27FC236}">
+                <a16:creationId xmlns:a16="http://schemas.microsoft.com/office/drawing/2014/main" id="{CF9CC485-51B5-4389-82AD-F2308E119A71}"/>
+              </a:ext>
+            </a:extLst>
+          </p:cNvPr>
+          <p:cNvSpPr>
+            <a:spLocks noGrp="1"/>
+          </p:cNvSpPr>
+          <p:nvPr>
+            <p:ph type="title"/>
+          </p:nvPr>
+        </p:nvSpPr>
+        <p:spPr/>
+        <p:txBody>
+          <a:bodyPr/>
+          <a:lstStyle/>
+          <a:p>
+            <a:r>
+              <a:rPr lang="en-US" altLang="ko-KR" dirty="0"/>
+              <a:t>Java IO </a:t>
+            </a:r>
+            <a:r>
+              <a:rPr lang="ko-KR" altLang="en-US" dirty="0"/>
+              <a:t>클래스</a:t>
+            </a:r>
+          </a:p>
+        </p:txBody>
+      </p:sp>
+      <p:pic>
+        <p:nvPicPr>
+          <p:cNvPr id="5" name="그림 4">
+            <a:extLst>
+              <a:ext uri="{FF2B5EF4-FFF2-40B4-BE49-F238E27FC236}">
+                <a16:creationId xmlns:a16="http://schemas.microsoft.com/office/drawing/2014/main" id="{3730042C-0C9E-446D-B05D-AD8C4AD24319}"/>
+              </a:ext>
+            </a:extLst>
+          </p:cNvPr>
+          <p:cNvPicPr>
+            <a:picLocks noChangeAspect="1"/>
+          </p:cNvPicPr>
+          <p:nvPr/>
+        </p:nvPicPr>
+        <p:blipFill>
+          <a:blip r:embed="rId2"/>
+          <a:stretch>
+            <a:fillRect/>
+          </a:stretch>
+        </p:blipFill>
+        <p:spPr>
+          <a:xfrm>
+            <a:off x="6170632" y="1136477"/>
+            <a:ext cx="6021368" cy="2072930"/>
+          </a:xfrm>
+          <a:prstGeom prst="rect">
+            <a:avLst/>
+          </a:prstGeom>
+        </p:spPr>
+      </p:pic>
+      <p:pic>
+        <p:nvPicPr>
+          <p:cNvPr id="7" name="그림 6">
+            <a:extLst>
+              <a:ext uri="{FF2B5EF4-FFF2-40B4-BE49-F238E27FC236}">
+                <a16:creationId xmlns:a16="http://schemas.microsoft.com/office/drawing/2014/main" id="{98FDC1A7-4670-4CA2-A4F7-7B23C8E4EFD3}"/>
+              </a:ext>
+            </a:extLst>
+          </p:cNvPr>
+          <p:cNvPicPr>
+            <a:picLocks noChangeAspect="1"/>
+          </p:cNvPicPr>
+          <p:nvPr/>
+        </p:nvPicPr>
+        <p:blipFill>
+          <a:blip r:embed="rId3"/>
+          <a:stretch>
+            <a:fillRect/>
+          </a:stretch>
+        </p:blipFill>
+        <p:spPr>
+          <a:xfrm>
+            <a:off x="1" y="1256609"/>
+            <a:ext cx="6165652" cy="1952798"/>
+          </a:xfrm>
+          <a:prstGeom prst="rect">
+            <a:avLst/>
+          </a:prstGeom>
+        </p:spPr>
+      </p:pic>
+      <p:sp>
+        <p:nvSpPr>
+          <p:cNvPr id="8" name="TextBox 7">
+            <a:extLst>
+              <a:ext uri="{FF2B5EF4-FFF2-40B4-BE49-F238E27FC236}">
+                <a16:creationId xmlns:a16="http://schemas.microsoft.com/office/drawing/2014/main" id="{73532F03-A4EC-46A8-B560-6C33151BD96D}"/>
+              </a:ext>
+            </a:extLst>
+          </p:cNvPr>
+          <p:cNvSpPr txBox="1"/>
+          <p:nvPr/>
+        </p:nvSpPr>
+        <p:spPr>
+          <a:xfrm>
+            <a:off x="1435884" y="2929496"/>
+            <a:ext cx="4914900" cy="369332"/>
+          </a:xfrm>
+          <a:prstGeom prst="rect">
+            <a:avLst/>
+          </a:prstGeom>
+          <a:noFill/>
+        </p:spPr>
+        <p:txBody>
+          <a:bodyPr wrap="square" rtlCol="0">
+            <a:spAutoFit/>
+          </a:bodyPr>
+          <a:lstStyle/>
+          <a:p>
+            <a:r>
+              <a:rPr lang="en-US" altLang="ko-KR" b="1" i="0" dirty="0" err="1">
+                <a:solidFill>
+                  <a:srgbClr val="7E41D9"/>
+                </a:solidFill>
+                <a:effectLst/>
+                <a:latin typeface="NanumGothic" panose="020D0604000000000000" pitchFamily="50" charset="-127"/>
+                <a:ea typeface="NanumGothic" panose="020D0604000000000000" pitchFamily="50" charset="-127"/>
+              </a:rPr>
+              <a:t>InputStream</a:t>
+            </a:r>
+            <a:r>
+              <a:rPr lang="en-US" altLang="ko-KR" b="1" i="0" dirty="0">
+                <a:solidFill>
+                  <a:srgbClr val="7E41D9"/>
+                </a:solidFill>
+                <a:effectLst/>
+                <a:latin typeface="NanumGothic" panose="020D0604000000000000" pitchFamily="50" charset="-127"/>
+                <a:ea typeface="NanumGothic" panose="020D0604000000000000" pitchFamily="50" charset="-127"/>
+              </a:rPr>
+              <a:t> / </a:t>
+            </a:r>
+            <a:r>
+              <a:rPr lang="en-US" altLang="ko-KR" b="1" i="0" dirty="0" err="1">
+                <a:solidFill>
+                  <a:srgbClr val="7E41D9"/>
+                </a:solidFill>
+                <a:effectLst/>
+                <a:latin typeface="NanumGothic" panose="020D0604000000000000" pitchFamily="50" charset="-127"/>
+                <a:ea typeface="NanumGothic" panose="020D0604000000000000" pitchFamily="50" charset="-127"/>
+              </a:rPr>
+              <a:t>OutputStream</a:t>
+            </a:r>
+            <a:endParaRPr lang="ko-KR" altLang="en-US" dirty="0"/>
+          </a:p>
+        </p:txBody>
+      </p:sp>
+      <p:sp>
+        <p:nvSpPr>
+          <p:cNvPr id="9" name="TextBox 8">
+            <a:extLst>
+              <a:ext uri="{FF2B5EF4-FFF2-40B4-BE49-F238E27FC236}">
+                <a16:creationId xmlns:a16="http://schemas.microsoft.com/office/drawing/2014/main" id="{676BFBCC-19E0-4E56-9B37-D7C67FB7304B}"/>
+              </a:ext>
+            </a:extLst>
+          </p:cNvPr>
+          <p:cNvSpPr txBox="1"/>
+          <p:nvPr/>
+        </p:nvSpPr>
+        <p:spPr>
+          <a:xfrm>
+            <a:off x="7606516" y="3298828"/>
+            <a:ext cx="3149600" cy="369332"/>
+          </a:xfrm>
+          <a:prstGeom prst="rect">
+            <a:avLst/>
+          </a:prstGeom>
+          <a:noFill/>
+        </p:spPr>
+        <p:txBody>
+          <a:bodyPr wrap="square" rtlCol="0">
+            <a:spAutoFit/>
+          </a:bodyPr>
+          <a:lstStyle/>
+          <a:p>
+            <a:r>
+              <a:rPr lang="en-US" altLang="ko-KR" b="1" i="0">
+                <a:solidFill>
+                  <a:srgbClr val="7E41D9"/>
+                </a:solidFill>
+                <a:effectLst/>
+                <a:latin typeface="NanumGothic" panose="020D0604000000000000" pitchFamily="50" charset="-127"/>
+                <a:ea typeface="NanumGothic" panose="020D0604000000000000" pitchFamily="50" charset="-127"/>
+              </a:rPr>
+              <a:t>Reader / Writer (</a:t>
+            </a:r>
+            <a:r>
+              <a:rPr lang="ko-KR" altLang="en-US" b="1" i="0">
+                <a:solidFill>
+                  <a:srgbClr val="7E41D9"/>
+                </a:solidFill>
+                <a:effectLst/>
+                <a:latin typeface="NanumGothic" panose="020D0604000000000000" pitchFamily="50" charset="-127"/>
+                <a:ea typeface="NanumGothic" panose="020D0604000000000000" pitchFamily="50" charset="-127"/>
+              </a:rPr>
+              <a:t>문자 입출력</a:t>
+            </a:r>
+            <a:r>
+              <a:rPr lang="en-US" altLang="ko-KR" b="1" i="0">
+                <a:solidFill>
+                  <a:srgbClr val="7E41D9"/>
+                </a:solidFill>
+                <a:effectLst/>
+                <a:latin typeface="NanumGothic" panose="020D0604000000000000" pitchFamily="50" charset="-127"/>
+                <a:ea typeface="NanumGothic" panose="020D0604000000000000" pitchFamily="50" charset="-127"/>
+              </a:rPr>
+              <a:t>)</a:t>
+            </a:r>
+            <a:endParaRPr lang="ko-KR" altLang="en-US" dirty="0"/>
+          </a:p>
+        </p:txBody>
+      </p:sp>
+      <p:graphicFrame>
+        <p:nvGraphicFramePr>
+          <p:cNvPr id="10" name="표 9">
+            <a:extLst>
+              <a:ext uri="{FF2B5EF4-FFF2-40B4-BE49-F238E27FC236}">
+                <a16:creationId xmlns:a16="http://schemas.microsoft.com/office/drawing/2014/main" id="{BB1F04E3-1F7C-473F-81C1-7497DFDB972D}"/>
+              </a:ext>
+            </a:extLst>
+          </p:cNvPr>
+          <p:cNvGraphicFramePr>
+            <a:graphicFrameLocks noGrp="1"/>
+          </p:cNvGraphicFramePr>
+          <p:nvPr>
+            <p:extLst>
+              <p:ext uri="{D42A27DB-BD31-4B8C-83A1-F6EECF244321}">
+                <p14:modId xmlns:p14="http://schemas.microsoft.com/office/powerpoint/2010/main" val="1672708257"/>
+              </p:ext>
+            </p:extLst>
+          </p:nvPr>
+        </p:nvGraphicFramePr>
+        <p:xfrm>
+          <a:off x="399082" y="3308411"/>
+          <a:ext cx="5401611" cy="1584960"/>
+        </p:xfrm>
+        <a:graphic>
+          <a:graphicData uri="http://schemas.openxmlformats.org/drawingml/2006/table">
+            <a:tbl>
+              <a:tblPr/>
+              <a:tblGrid>
+                <a:gridCol w="2596928">
+                  <a:extLst>
+                    <a:ext uri="{9D8B030D-6E8A-4147-A177-3AD203B41FA5}">
+                      <a16:colId xmlns:a16="http://schemas.microsoft.com/office/drawing/2014/main" val="4048366474"/>
+                    </a:ext>
+                  </a:extLst>
+                </a:gridCol>
+                <a:gridCol w="2596928">
+                  <a:extLst>
+                    <a:ext uri="{9D8B030D-6E8A-4147-A177-3AD203B41FA5}">
+                      <a16:colId xmlns:a16="http://schemas.microsoft.com/office/drawing/2014/main" val="4019311592"/>
+                    </a:ext>
+                  </a:extLst>
+                </a:gridCol>
+                <a:gridCol w="207755">
+                  <a:extLst>
+                    <a:ext uri="{9D8B030D-6E8A-4147-A177-3AD203B41FA5}">
+                      <a16:colId xmlns:a16="http://schemas.microsoft.com/office/drawing/2014/main" val="3935151976"/>
+                    </a:ext>
+                  </a:extLst>
+                </a:gridCol>
+              </a:tblGrid>
+              <a:tr h="472017">
+                <a:tc>
+                  <a:txBody>
+                    <a:bodyPr/>
+                    <a:lstStyle/>
+                    <a:p>
+                      <a:pPr algn="ctr" rtl="0" fontAlgn="t">
+                        <a:spcBef>
+                          <a:spcPts val="0"/>
+                        </a:spcBef>
+                        <a:spcAft>
+                          <a:spcPts val="0"/>
+                        </a:spcAft>
+                      </a:pPr>
+                      <a:r>
+                        <a:rPr lang="ko-KR" altLang="en-US" sz="1200" b="1" i="0" u="none" strike="noStrike">
+                          <a:solidFill>
+                            <a:srgbClr val="000000"/>
+                          </a:solidFill>
+                          <a:effectLst/>
+                          <a:latin typeface="Arial" panose="020B0604020202020204" pitchFamily="34" charset="0"/>
+                        </a:rPr>
+                        <a:t>바이트 기반 스트림</a:t>
+                      </a:r>
+                      <a:endParaRPr lang="ko-KR" altLang="en-US">
+                        <a:solidFill>
+                          <a:srgbClr val="666666"/>
+                        </a:solidFill>
+                        <a:effectLst/>
+                      </a:endParaRPr>
+                    </a:p>
+                  </a:txBody>
+                  <a:tcPr marL="63500" marR="63500" marT="63500" marB="63500">
+                    <a:lnL w="12700" cap="flat" cmpd="sng" algn="ctr">
+                      <a:solidFill>
+                        <a:srgbClr val="000000"/>
+                      </a:solidFill>
+                      <a:prstDash val="solid"/>
+                      <a:round/>
+                      <a:headEnd type="none" w="med" len="med"/>
+                      <a:tailEnd type="none" w="med" len="med"/>
+                    </a:lnL>
+                    <a:lnR w="12700" cap="flat" cmpd="sng" algn="ctr">
+                      <a:solidFill>
+                        <a:srgbClr val="000000"/>
+                      </a:solidFill>
+                      <a:prstDash val="solid"/>
+                      <a:round/>
+                      <a:headEnd type="none" w="med" len="med"/>
+                      <a:tailEnd type="none" w="med" len="med"/>
+                    </a:lnR>
+                    <a:lnT w="12700" cap="flat" cmpd="sng" algn="ctr">
+                      <a:solidFill>
+                        <a:srgbClr val="000000"/>
+                      </a:solidFill>
+                      <a:prstDash val="solid"/>
+                      <a:round/>
+                      <a:headEnd type="none" w="med" len="med"/>
+                      <a:tailEnd type="none" w="med" len="med"/>
+                    </a:lnT>
+                    <a:lnB w="12700" cap="flat" cmpd="sng" algn="ctr">
+                      <a:solidFill>
+                        <a:srgbClr val="000000"/>
+                      </a:solidFill>
+                      <a:prstDash val="solid"/>
+                      <a:round/>
+                      <a:headEnd type="none" w="med" len="med"/>
+                      <a:tailEnd type="none" w="med" len="med"/>
+                    </a:lnB>
+                  </a:tcPr>
+                </a:tc>
+                <a:tc>
+                  <a:txBody>
+                    <a:bodyPr/>
+                    <a:lstStyle/>
+                    <a:p>
+                      <a:pPr algn="ctr" rtl="0" fontAlgn="t">
+                        <a:spcBef>
+                          <a:spcPts val="0"/>
+                        </a:spcBef>
+                        <a:spcAft>
+                          <a:spcPts val="0"/>
+                        </a:spcAft>
+                      </a:pPr>
+                      <a:r>
+                        <a:rPr lang="ko-KR" altLang="en-US" sz="1200" b="1" i="0" u="none" strike="noStrike">
+                          <a:solidFill>
+                            <a:srgbClr val="000000"/>
+                          </a:solidFill>
+                          <a:effectLst/>
+                          <a:latin typeface="Arial" panose="020B0604020202020204" pitchFamily="34" charset="0"/>
+                        </a:rPr>
+                        <a:t>문자 기반 스트림</a:t>
+                      </a:r>
+                      <a:endParaRPr lang="ko-KR" altLang="en-US">
+                        <a:solidFill>
+                          <a:srgbClr val="666666"/>
+                        </a:solidFill>
+                        <a:effectLst/>
+                      </a:endParaRPr>
+                    </a:p>
+                  </a:txBody>
+                  <a:tcPr marL="63500" marR="63500" marT="63500" marB="63500">
+                    <a:lnL w="12700" cap="flat" cmpd="sng" algn="ctr">
+                      <a:solidFill>
+                        <a:srgbClr val="000000"/>
+                      </a:solidFill>
+                      <a:prstDash val="solid"/>
+                      <a:round/>
+                      <a:headEnd type="none" w="med" len="med"/>
+                      <a:tailEnd type="none" w="med" len="med"/>
+                    </a:lnL>
+                    <a:lnR w="12700" cap="flat" cmpd="sng" algn="ctr">
+                      <a:solidFill>
+                        <a:srgbClr val="000000"/>
+                      </a:solidFill>
+                      <a:prstDash val="solid"/>
+                      <a:round/>
+                      <a:headEnd type="none" w="med" len="med"/>
+                      <a:tailEnd type="none" w="med" len="med"/>
+                    </a:lnR>
+                    <a:lnT w="12700" cap="flat" cmpd="sng" algn="ctr">
+                      <a:solidFill>
+                        <a:srgbClr val="000000"/>
+                      </a:solidFill>
+                      <a:prstDash val="solid"/>
+                      <a:round/>
+                      <a:headEnd type="none" w="med" len="med"/>
+                      <a:tailEnd type="none" w="med" len="med"/>
+                    </a:lnT>
+                    <a:lnB w="12700" cap="flat" cmpd="sng" algn="ctr">
+                      <a:solidFill>
+                        <a:srgbClr val="000000"/>
+                      </a:solidFill>
+                      <a:prstDash val="solid"/>
+                      <a:round/>
+                      <a:headEnd type="none" w="med" len="med"/>
+                      <a:tailEnd type="none" w="med" len="med"/>
+                    </a:lnB>
+                  </a:tcPr>
+                </a:tc>
+                <a:tc>
+                  <a:txBody>
+                    <a:bodyPr/>
+                    <a:lstStyle/>
+                    <a:p>
+                      <a:pPr algn="ctr" rtl="0" fontAlgn="t">
+                        <a:spcBef>
+                          <a:spcPts val="0"/>
+                        </a:spcBef>
+                        <a:spcAft>
+                          <a:spcPts val="0"/>
+                        </a:spcAft>
+                      </a:pPr>
+                      <a:r>
+                        <a:rPr lang="ko-KR" altLang="en-US" sz="1200" b="1" i="0" u="none" strike="noStrike">
+                          <a:solidFill>
+                            <a:srgbClr val="000000"/>
+                          </a:solidFill>
+                          <a:effectLst/>
+                          <a:latin typeface="Arial" panose="020B0604020202020204" pitchFamily="34" charset="0"/>
+                        </a:rPr>
+                        <a:t>대상</a:t>
+                      </a:r>
+                      <a:endParaRPr lang="ko-KR" altLang="en-US">
+                        <a:solidFill>
+                          <a:srgbClr val="666666"/>
+                        </a:solidFill>
+                        <a:effectLst/>
+                      </a:endParaRPr>
+                    </a:p>
+                  </a:txBody>
+                  <a:tcPr marL="63500" marR="63500" marT="63500" marB="63500">
+                    <a:lnL w="12700" cap="flat" cmpd="sng" algn="ctr">
+                      <a:solidFill>
+                        <a:srgbClr val="000000"/>
+                      </a:solidFill>
+                      <a:prstDash val="solid"/>
+                      <a:round/>
+                      <a:headEnd type="none" w="med" len="med"/>
+                      <a:tailEnd type="none" w="med" len="med"/>
+                    </a:lnL>
+                    <a:lnR w="12700" cap="flat" cmpd="sng" algn="ctr">
+                      <a:solidFill>
+                        <a:srgbClr val="000000"/>
+                      </a:solidFill>
+                      <a:prstDash val="solid"/>
+                      <a:round/>
+                      <a:headEnd type="none" w="med" len="med"/>
+                      <a:tailEnd type="none" w="med" len="med"/>
+                    </a:lnR>
+                    <a:lnT w="12700" cap="flat" cmpd="sng" algn="ctr">
+                      <a:solidFill>
+                        <a:srgbClr val="000000"/>
+                      </a:solidFill>
+                      <a:prstDash val="solid"/>
+                      <a:round/>
+                      <a:headEnd type="none" w="med" len="med"/>
+                      <a:tailEnd type="none" w="med" len="med"/>
+                    </a:lnT>
+                    <a:lnB w="12700" cap="flat" cmpd="sng" algn="ctr">
+                      <a:solidFill>
+                        <a:srgbClr val="000000"/>
+                      </a:solidFill>
+                      <a:prstDash val="solid"/>
+                      <a:round/>
+                      <a:headEnd type="none" w="med" len="med"/>
+                      <a:tailEnd type="none" w="med" len="med"/>
+                    </a:lnB>
+                  </a:tcPr>
+                </a:tc>
+                <a:extLst>
+                  <a:ext uri="{0D108BD9-81ED-4DB2-BD59-A6C34878D82A}">
+                    <a16:rowId xmlns:a16="http://schemas.microsoft.com/office/drawing/2014/main" val="431745805"/>
+                  </a:ext>
+                </a:extLst>
+              </a:tr>
+              <a:tr h="442820">
+                <a:tc>
+                  <a:txBody>
+                    <a:bodyPr/>
+                    <a:lstStyle/>
+                    <a:p>
+                      <a:pPr algn="ctr" rtl="0" fontAlgn="t">
+                        <a:spcBef>
+                          <a:spcPts val="0"/>
+                        </a:spcBef>
+                        <a:spcAft>
+                          <a:spcPts val="0"/>
+                        </a:spcAft>
+                      </a:pPr>
+                      <a:r>
+                        <a:rPr lang="en-US" sz="1100" b="0" i="0" u="none" strike="noStrike">
+                          <a:solidFill>
+                            <a:srgbClr val="000000"/>
+                          </a:solidFill>
+                          <a:effectLst/>
+                          <a:latin typeface="Arial" panose="020B0604020202020204" pitchFamily="34" charset="0"/>
+                        </a:rPr>
+                        <a:t>FileInputStream</a:t>
+                      </a:r>
+                      <a:endParaRPr lang="en-US">
+                        <a:solidFill>
+                          <a:srgbClr val="666666"/>
+                        </a:solidFill>
+                        <a:effectLst/>
+                      </a:endParaRPr>
+                    </a:p>
+                    <a:p>
+                      <a:pPr algn="ctr" rtl="0" fontAlgn="t">
+                        <a:spcBef>
+                          <a:spcPts val="0"/>
+                        </a:spcBef>
+                        <a:spcAft>
+                          <a:spcPts val="0"/>
+                        </a:spcAft>
+                      </a:pPr>
+                      <a:r>
+                        <a:rPr lang="en-US" sz="1100" b="0" i="0" u="none" strike="noStrike">
+                          <a:solidFill>
+                            <a:srgbClr val="000000"/>
+                          </a:solidFill>
+                          <a:effectLst/>
+                          <a:latin typeface="Arial" panose="020B0604020202020204" pitchFamily="34" charset="0"/>
+                        </a:rPr>
+                        <a:t>FileOutputStream</a:t>
+                      </a:r>
+                      <a:endParaRPr lang="en-US">
+                        <a:solidFill>
+                          <a:srgbClr val="666666"/>
+                        </a:solidFill>
+                        <a:effectLst/>
+                      </a:endParaRPr>
+                    </a:p>
+                  </a:txBody>
+                  <a:tcPr marL="63500" marR="63500" marT="63500" marB="63500">
+                    <a:lnL w="12700" cap="flat" cmpd="sng" algn="ctr">
+                      <a:solidFill>
+                        <a:srgbClr val="000000"/>
+                      </a:solidFill>
+                      <a:prstDash val="solid"/>
+                      <a:round/>
+                      <a:headEnd type="none" w="med" len="med"/>
+                      <a:tailEnd type="none" w="med" len="med"/>
+                    </a:lnL>
+                    <a:lnR w="12700" cap="flat" cmpd="sng" algn="ctr">
+                      <a:solidFill>
+                        <a:srgbClr val="000000"/>
+                      </a:solidFill>
+                      <a:prstDash val="solid"/>
+                      <a:round/>
+                      <a:headEnd type="none" w="med" len="med"/>
+                      <a:tailEnd type="none" w="med" len="med"/>
+                    </a:lnR>
+                    <a:lnT w="12700" cap="flat" cmpd="sng" algn="ctr">
+                      <a:solidFill>
+                        <a:srgbClr val="000000"/>
+                      </a:solidFill>
+                      <a:prstDash val="solid"/>
+                      <a:round/>
+                      <a:headEnd type="none" w="med" len="med"/>
+                      <a:tailEnd type="none" w="med" len="med"/>
+                    </a:lnT>
+                    <a:lnB w="12700" cap="flat" cmpd="sng" algn="ctr">
+                      <a:solidFill>
+                        <a:srgbClr val="000000"/>
+                      </a:solidFill>
+                      <a:prstDash val="solid"/>
+                      <a:round/>
+                      <a:headEnd type="none" w="med" len="med"/>
+                      <a:tailEnd type="none" w="med" len="med"/>
+                    </a:lnB>
+                  </a:tcPr>
+                </a:tc>
+                <a:tc>
+                  <a:txBody>
+                    <a:bodyPr/>
+                    <a:lstStyle/>
+                    <a:p>
+                      <a:pPr algn="ctr" rtl="0" fontAlgn="t">
+                        <a:spcBef>
+                          <a:spcPts val="0"/>
+                        </a:spcBef>
+                        <a:spcAft>
+                          <a:spcPts val="0"/>
+                        </a:spcAft>
+                      </a:pPr>
+                      <a:r>
+                        <a:rPr lang="en-US" sz="1100" b="0" i="0" u="none" strike="noStrike">
+                          <a:solidFill>
+                            <a:srgbClr val="000000"/>
+                          </a:solidFill>
+                          <a:effectLst/>
+                          <a:latin typeface="Arial" panose="020B0604020202020204" pitchFamily="34" charset="0"/>
+                        </a:rPr>
+                        <a:t>FileReader</a:t>
+                      </a:r>
+                      <a:endParaRPr lang="en-US">
+                        <a:solidFill>
+                          <a:srgbClr val="666666"/>
+                        </a:solidFill>
+                        <a:effectLst/>
+                      </a:endParaRPr>
+                    </a:p>
+                    <a:p>
+                      <a:pPr algn="ctr" rtl="0" fontAlgn="t">
+                        <a:spcBef>
+                          <a:spcPts val="0"/>
+                        </a:spcBef>
+                        <a:spcAft>
+                          <a:spcPts val="0"/>
+                        </a:spcAft>
+                      </a:pPr>
+                      <a:r>
+                        <a:rPr lang="en-US" sz="1100" b="0" i="0" u="none" strike="noStrike">
+                          <a:solidFill>
+                            <a:srgbClr val="000000"/>
+                          </a:solidFill>
+                          <a:effectLst/>
+                          <a:latin typeface="Arial" panose="020B0604020202020204" pitchFamily="34" charset="0"/>
+                        </a:rPr>
+                        <a:t>FileWriter</a:t>
+                      </a:r>
+                      <a:endParaRPr lang="en-US">
+                        <a:solidFill>
+                          <a:srgbClr val="666666"/>
+                        </a:solidFill>
+                        <a:effectLst/>
+                      </a:endParaRPr>
+                    </a:p>
+                  </a:txBody>
+                  <a:tcPr marL="63500" marR="63500" marT="63500" marB="63500">
+                    <a:lnL w="12700" cap="flat" cmpd="sng" algn="ctr">
+                      <a:solidFill>
+                        <a:srgbClr val="000000"/>
+                      </a:solidFill>
+                      <a:prstDash val="solid"/>
+                      <a:round/>
+                      <a:headEnd type="none" w="med" len="med"/>
+                      <a:tailEnd type="none" w="med" len="med"/>
+                    </a:lnL>
+                    <a:lnR w="12700" cap="flat" cmpd="sng" algn="ctr">
+                      <a:solidFill>
+                        <a:srgbClr val="000000"/>
+                      </a:solidFill>
+                      <a:prstDash val="solid"/>
+                      <a:round/>
+                      <a:headEnd type="none" w="med" len="med"/>
+                      <a:tailEnd type="none" w="med" len="med"/>
+                    </a:lnR>
+                    <a:lnT w="12700" cap="flat" cmpd="sng" algn="ctr">
+                      <a:solidFill>
+                        <a:srgbClr val="000000"/>
+                      </a:solidFill>
+                      <a:prstDash val="solid"/>
+                      <a:round/>
+                      <a:headEnd type="none" w="med" len="med"/>
+                      <a:tailEnd type="none" w="med" len="med"/>
+                    </a:lnT>
+                    <a:lnB w="12700" cap="flat" cmpd="sng" algn="ctr">
+                      <a:solidFill>
+                        <a:srgbClr val="000000"/>
+                      </a:solidFill>
+                      <a:prstDash val="solid"/>
+                      <a:round/>
+                      <a:headEnd type="none" w="med" len="med"/>
+                      <a:tailEnd type="none" w="med" len="med"/>
+                    </a:lnB>
+                  </a:tcPr>
+                </a:tc>
+                <a:tc>
+                  <a:txBody>
+                    <a:bodyPr/>
+                    <a:lstStyle/>
+                    <a:p>
+                      <a:pPr algn="ctr" rtl="0" fontAlgn="t">
+                        <a:spcBef>
+                          <a:spcPts val="0"/>
+                        </a:spcBef>
+                        <a:spcAft>
+                          <a:spcPts val="0"/>
+                        </a:spcAft>
+                      </a:pPr>
+                      <a:r>
+                        <a:rPr lang="ko-KR" altLang="en-US" sz="1100" b="0" i="0" u="none" strike="noStrike" dirty="0">
+                          <a:solidFill>
+                            <a:srgbClr val="000000"/>
+                          </a:solidFill>
+                          <a:effectLst/>
+                          <a:latin typeface="Arial" panose="020B0604020202020204" pitchFamily="34" charset="0"/>
+                        </a:rPr>
+                        <a:t>파일</a:t>
+                      </a:r>
+                      <a:endParaRPr lang="ko-KR" altLang="en-US" dirty="0">
+                        <a:solidFill>
+                          <a:srgbClr val="666666"/>
+                        </a:solidFill>
+                        <a:effectLst/>
+                      </a:endParaRPr>
+                    </a:p>
+                  </a:txBody>
+                  <a:tcPr marL="63500" marR="63500" marT="63500" marB="63500">
+                    <a:lnL w="12700" cap="flat" cmpd="sng" algn="ctr">
+                      <a:solidFill>
+                        <a:srgbClr val="000000"/>
+                      </a:solidFill>
+                      <a:prstDash val="solid"/>
+                      <a:round/>
+                      <a:headEnd type="none" w="med" len="med"/>
+                      <a:tailEnd type="none" w="med" len="med"/>
+                    </a:lnL>
+                    <a:lnR w="12700" cap="flat" cmpd="sng" algn="ctr">
+                      <a:solidFill>
+                        <a:srgbClr val="000000"/>
+                      </a:solidFill>
+                      <a:prstDash val="solid"/>
+                      <a:round/>
+                      <a:headEnd type="none" w="med" len="med"/>
+                      <a:tailEnd type="none" w="med" len="med"/>
+                    </a:lnR>
+                    <a:lnT w="12700" cap="flat" cmpd="sng" algn="ctr">
+                      <a:solidFill>
+                        <a:srgbClr val="000000"/>
+                      </a:solidFill>
+                      <a:prstDash val="solid"/>
+                      <a:round/>
+                      <a:headEnd type="none" w="med" len="med"/>
+                      <a:tailEnd type="none" w="med" len="med"/>
+                    </a:lnT>
+                    <a:lnB w="12700" cap="flat" cmpd="sng" algn="ctr">
+                      <a:solidFill>
+                        <a:srgbClr val="000000"/>
+                      </a:solidFill>
+                      <a:prstDash val="solid"/>
+                      <a:round/>
+                      <a:headEnd type="none" w="med" len="med"/>
+                      <a:tailEnd type="none" w="med" len="med"/>
+                    </a:lnB>
+                  </a:tcPr>
+                </a:tc>
+                <a:extLst>
+                  <a:ext uri="{0D108BD9-81ED-4DB2-BD59-A6C34878D82A}">
+                    <a16:rowId xmlns:a16="http://schemas.microsoft.com/office/drawing/2014/main" val="1525716245"/>
+                  </a:ext>
+                </a:extLst>
+              </a:tr>
+              <a:tr h="603403">
+                <a:tc>
+                  <a:txBody>
+                    <a:bodyPr/>
+                    <a:lstStyle/>
+                    <a:p>
+                      <a:pPr algn="ctr" rtl="0" fontAlgn="t">
+                        <a:spcBef>
+                          <a:spcPts val="0"/>
+                        </a:spcBef>
+                        <a:spcAft>
+                          <a:spcPts val="0"/>
+                        </a:spcAft>
+                      </a:pPr>
+                      <a:r>
+                        <a:rPr lang="en-US" sz="1100" b="0" i="0" u="none" strike="noStrike">
+                          <a:solidFill>
+                            <a:srgbClr val="000000"/>
+                          </a:solidFill>
+                          <a:effectLst/>
+                          <a:latin typeface="Arial" panose="020B0604020202020204" pitchFamily="34" charset="0"/>
+                        </a:rPr>
+                        <a:t>ByteArrayInputStream</a:t>
+                      </a:r>
+                      <a:endParaRPr lang="en-US">
+                        <a:solidFill>
+                          <a:srgbClr val="666666"/>
+                        </a:solidFill>
+                        <a:effectLst/>
+                      </a:endParaRPr>
+                    </a:p>
+                    <a:p>
+                      <a:pPr algn="ctr" rtl="0" fontAlgn="t">
+                        <a:spcBef>
+                          <a:spcPts val="0"/>
+                        </a:spcBef>
+                        <a:spcAft>
+                          <a:spcPts val="0"/>
+                        </a:spcAft>
+                      </a:pPr>
+                      <a:r>
+                        <a:rPr lang="en-US" sz="1100" b="0" i="0" u="none" strike="noStrike">
+                          <a:solidFill>
+                            <a:srgbClr val="000000"/>
+                          </a:solidFill>
+                          <a:effectLst/>
+                          <a:latin typeface="Arial" panose="020B0604020202020204" pitchFamily="34" charset="0"/>
+                        </a:rPr>
+                        <a:t>ByteArrayOutputStream</a:t>
+                      </a:r>
+                      <a:endParaRPr lang="en-US">
+                        <a:solidFill>
+                          <a:srgbClr val="666666"/>
+                        </a:solidFill>
+                        <a:effectLst/>
+                      </a:endParaRPr>
+                    </a:p>
+                  </a:txBody>
+                  <a:tcPr marL="63500" marR="63500" marT="63500" marB="63500">
+                    <a:lnL w="12700" cap="flat" cmpd="sng" algn="ctr">
+                      <a:solidFill>
+                        <a:srgbClr val="000000"/>
+                      </a:solidFill>
+                      <a:prstDash val="solid"/>
+                      <a:round/>
+                      <a:headEnd type="none" w="med" len="med"/>
+                      <a:tailEnd type="none" w="med" len="med"/>
+                    </a:lnL>
+                    <a:lnR w="12700" cap="flat" cmpd="sng" algn="ctr">
+                      <a:solidFill>
+                        <a:srgbClr val="000000"/>
+                      </a:solidFill>
+                      <a:prstDash val="solid"/>
+                      <a:round/>
+                      <a:headEnd type="none" w="med" len="med"/>
+                      <a:tailEnd type="none" w="med" len="med"/>
+                    </a:lnR>
+                    <a:lnT w="12700" cap="flat" cmpd="sng" algn="ctr">
+                      <a:solidFill>
+                        <a:srgbClr val="000000"/>
+                      </a:solidFill>
+                      <a:prstDash val="solid"/>
+                      <a:round/>
+                      <a:headEnd type="none" w="med" len="med"/>
+                      <a:tailEnd type="none" w="med" len="med"/>
+                    </a:lnT>
+                    <a:lnB w="12700" cap="flat" cmpd="sng" algn="ctr">
+                      <a:solidFill>
+                        <a:srgbClr val="000000"/>
+                      </a:solidFill>
+                      <a:prstDash val="solid"/>
+                      <a:round/>
+                      <a:headEnd type="none" w="med" len="med"/>
+                      <a:tailEnd type="none" w="med" len="med"/>
+                    </a:lnB>
+                  </a:tcPr>
+                </a:tc>
+                <a:tc>
+                  <a:txBody>
+                    <a:bodyPr/>
+                    <a:lstStyle/>
+                    <a:p>
+                      <a:pPr algn="ctr" rtl="0" fontAlgn="t">
+                        <a:spcBef>
+                          <a:spcPts val="0"/>
+                        </a:spcBef>
+                        <a:spcAft>
+                          <a:spcPts val="0"/>
+                        </a:spcAft>
+                      </a:pPr>
+                      <a:r>
+                        <a:rPr lang="en-US" sz="1100" b="0" i="0" u="none" strike="noStrike" dirty="0" err="1">
+                          <a:solidFill>
+                            <a:srgbClr val="000000"/>
+                          </a:solidFill>
+                          <a:effectLst/>
+                          <a:latin typeface="Arial" panose="020B0604020202020204" pitchFamily="34" charset="0"/>
+                        </a:rPr>
+                        <a:t>CharArrayReader</a:t>
+                      </a:r>
+                      <a:endParaRPr lang="en-US" dirty="0">
+                        <a:solidFill>
+                          <a:srgbClr val="666666"/>
+                        </a:solidFill>
+                        <a:effectLst/>
+                      </a:endParaRPr>
+                    </a:p>
+                    <a:p>
+                      <a:pPr algn="ctr" rtl="0" fontAlgn="t">
+                        <a:spcBef>
+                          <a:spcPts val="0"/>
+                        </a:spcBef>
+                        <a:spcAft>
+                          <a:spcPts val="0"/>
+                        </a:spcAft>
+                      </a:pPr>
+                      <a:r>
+                        <a:rPr lang="en-US" sz="1100" b="0" i="0" u="none" strike="noStrike" dirty="0" err="1">
+                          <a:solidFill>
+                            <a:srgbClr val="000000"/>
+                          </a:solidFill>
+                          <a:effectLst/>
+                          <a:latin typeface="Arial" panose="020B0604020202020204" pitchFamily="34" charset="0"/>
+                        </a:rPr>
+                        <a:t>CharArrayWriter</a:t>
+                      </a:r>
+                      <a:endParaRPr lang="en-US" dirty="0">
+                        <a:solidFill>
+                          <a:srgbClr val="666666"/>
+                        </a:solidFill>
+                        <a:effectLst/>
+                      </a:endParaRPr>
+                    </a:p>
+                  </a:txBody>
+                  <a:tcPr marL="63500" marR="63500" marT="63500" marB="63500">
+                    <a:lnL w="12700" cap="flat" cmpd="sng" algn="ctr">
+                      <a:solidFill>
+                        <a:srgbClr val="000000"/>
+                      </a:solidFill>
+                      <a:prstDash val="solid"/>
+                      <a:round/>
+                      <a:headEnd type="none" w="med" len="med"/>
+                      <a:tailEnd type="none" w="med" len="med"/>
+                    </a:lnL>
+                    <a:lnR w="12700" cap="flat" cmpd="sng" algn="ctr">
+                      <a:solidFill>
+                        <a:srgbClr val="000000"/>
+                      </a:solidFill>
+                      <a:prstDash val="solid"/>
+                      <a:round/>
+                      <a:headEnd type="none" w="med" len="med"/>
+                      <a:tailEnd type="none" w="med" len="med"/>
+                    </a:lnR>
+                    <a:lnT w="12700" cap="flat" cmpd="sng" algn="ctr">
+                      <a:solidFill>
+                        <a:srgbClr val="000000"/>
+                      </a:solidFill>
+                      <a:prstDash val="solid"/>
+                      <a:round/>
+                      <a:headEnd type="none" w="med" len="med"/>
+                      <a:tailEnd type="none" w="med" len="med"/>
+                    </a:lnT>
+                    <a:lnB w="12700" cap="flat" cmpd="sng" algn="ctr">
+                      <a:solidFill>
+                        <a:srgbClr val="000000"/>
+                      </a:solidFill>
+                      <a:prstDash val="solid"/>
+                      <a:round/>
+                      <a:headEnd type="none" w="med" len="med"/>
+                      <a:tailEnd type="none" w="med" len="med"/>
+                    </a:lnB>
+                  </a:tcPr>
+                </a:tc>
+                <a:tc>
+                  <a:txBody>
+                    <a:bodyPr/>
+                    <a:lstStyle/>
+                    <a:p>
+                      <a:pPr algn="ctr" rtl="0" fontAlgn="t">
+                        <a:spcBef>
+                          <a:spcPts val="0"/>
+                        </a:spcBef>
+                        <a:spcAft>
+                          <a:spcPts val="0"/>
+                        </a:spcAft>
+                      </a:pPr>
+                      <a:r>
+                        <a:rPr lang="ko-KR" altLang="en-US" sz="1100" b="0" i="0" u="none" strike="noStrike" dirty="0">
+                          <a:solidFill>
+                            <a:srgbClr val="000000"/>
+                          </a:solidFill>
+                          <a:effectLst/>
+                          <a:latin typeface="Arial" panose="020B0604020202020204" pitchFamily="34" charset="0"/>
+                        </a:rPr>
+                        <a:t>메모리</a:t>
+                      </a:r>
+                      <a:endParaRPr lang="ko-KR" altLang="en-US" dirty="0">
+                        <a:solidFill>
+                          <a:srgbClr val="666666"/>
+                        </a:solidFill>
+                        <a:effectLst/>
+                      </a:endParaRPr>
+                    </a:p>
+                  </a:txBody>
+                  <a:tcPr marL="63500" marR="63500" marT="63500" marB="63500">
+                    <a:lnL w="12700" cap="flat" cmpd="sng" algn="ctr">
+                      <a:solidFill>
+                        <a:srgbClr val="000000"/>
+                      </a:solidFill>
+                      <a:prstDash val="solid"/>
+                      <a:round/>
+                      <a:headEnd type="none" w="med" len="med"/>
+                      <a:tailEnd type="none" w="med" len="med"/>
+                    </a:lnL>
+                    <a:lnR w="12700" cap="flat" cmpd="sng" algn="ctr">
+                      <a:solidFill>
+                        <a:srgbClr val="000000"/>
+                      </a:solidFill>
+                      <a:prstDash val="solid"/>
+                      <a:round/>
+                      <a:headEnd type="none" w="med" len="med"/>
+                      <a:tailEnd type="none" w="med" len="med"/>
+                    </a:lnR>
+                    <a:lnT w="12700" cap="flat" cmpd="sng" algn="ctr">
+                      <a:solidFill>
+                        <a:srgbClr val="000000"/>
+                      </a:solidFill>
+                      <a:prstDash val="solid"/>
+                      <a:round/>
+                      <a:headEnd type="none" w="med" len="med"/>
+                      <a:tailEnd type="none" w="med" len="med"/>
+                    </a:lnT>
+                    <a:lnB w="12700" cap="flat" cmpd="sng" algn="ctr">
+                      <a:solidFill>
+                        <a:srgbClr val="000000"/>
+                      </a:solidFill>
+                      <a:prstDash val="solid"/>
+                      <a:round/>
+                      <a:headEnd type="none" w="med" len="med"/>
+                      <a:tailEnd type="none" w="med" len="med"/>
+                    </a:lnB>
+                  </a:tcPr>
+                </a:tc>
+                <a:extLst>
+                  <a:ext uri="{0D108BD9-81ED-4DB2-BD59-A6C34878D82A}">
+                    <a16:rowId xmlns:a16="http://schemas.microsoft.com/office/drawing/2014/main" val="2213806907"/>
+                  </a:ext>
+                </a:extLst>
+              </a:tr>
+            </a:tbl>
+          </a:graphicData>
+        </a:graphic>
+      </p:graphicFrame>
+      <p:sp>
+        <p:nvSpPr>
+          <p:cNvPr id="11" name="Rectangle 1">
+            <a:extLst>
+              <a:ext uri="{FF2B5EF4-FFF2-40B4-BE49-F238E27FC236}">
+                <a16:creationId xmlns:a16="http://schemas.microsoft.com/office/drawing/2014/main" id="{ADADF235-7448-414A-9860-991142C96421}"/>
+              </a:ext>
+            </a:extLst>
+          </p:cNvPr>
+          <p:cNvSpPr>
+            <a:spLocks noChangeArrowheads="1"/>
+          </p:cNvSpPr>
+          <p:nvPr/>
+        </p:nvSpPr>
+        <p:spPr bwMode="auto">
+          <a:xfrm>
+            <a:off x="364961" y="3973354"/>
+            <a:ext cx="12192000" cy="0"/>
+          </a:xfrm>
+          <a:prstGeom prst="rect">
+            <a:avLst/>
+          </a:prstGeom>
+          <a:noFill/>
+          <a:ln>
+            <a:noFill/>
+          </a:ln>
+          <a:effectLst/>
+          <a:extLst>
+            <a:ext uri="{909E8E84-426E-40DD-AFC4-6F175D3DCCD1}">
+              <a14:hiddenFill xmlns:a14="http://schemas.microsoft.com/office/drawing/2010/main">
+                <a:solidFill>
+                  <a:schemeClr val="accent1"/>
+                </a:solidFill>
+              </a14:hiddenFill>
+            </a:ext>
+            <a:ext uri="{91240B29-F687-4F45-9708-019B960494DF}">
+              <a14:hiddenLine xmlns:a14="http://schemas.microsoft.com/office/drawing/2010/main" w="9525">
+                <a:solidFill>
+                  <a:schemeClr val="tx1"/>
+                </a:solidFill>
+                <a:miter lim="800000"/>
+                <a:headEnd/>
+                <a:tailEnd/>
+              </a14:hiddenLine>
+            </a:ext>
+            <a:ext uri="{AF507438-7753-43E0-B8FC-AC1667EBCBE1}">
+              <a14:hiddenEffects xmlns:a14="http://schemas.microsoft.com/office/drawing/2010/main">
+                <a:effectLst>
+                  <a:outerShdw dist="35921" dir="2700000" algn="ctr" rotWithShape="0">
+                    <a:schemeClr val="bg2"/>
+                  </a:outerShdw>
+                </a:effectLst>
+              </a14:hiddenEffects>
+            </a:ext>
+          </a:extLst>
+        </p:spPr>
+        <p:txBody>
+          <a:bodyPr vert="horz" wrap="none" lIns="0" tIns="0" rIns="0" bIns="0" numCol="1" anchor="ctr" anchorCtr="0" compatLnSpc="1">
+            <a:prstTxWarp prst="textNoShape">
+              <a:avLst/>
+            </a:prstTxWarp>
+            <a:spAutoFit/>
+          </a:bodyPr>
+          <a:lstStyle/>
+          <a:p>
+            <a:pPr marL="0" marR="0" lvl="0" indent="0" algn="l" defTabSz="914400" rtl="0" eaLnBrk="0" fontAlgn="base" latinLnBrk="0" hangingPunct="0">
+              <a:lnSpc>
+                <a:spcPct val="100000"/>
+              </a:lnSpc>
+              <a:spcBef>
+                <a:spcPct val="0"/>
+              </a:spcBef>
+              <a:spcAft>
+                <a:spcPct val="0"/>
+              </a:spcAft>
+              <a:buClrTx/>
+              <a:buSzTx/>
+              <a:buFontTx/>
+              <a:buNone/>
+              <a:tabLst/>
+            </a:pPr>
+            <a:br>
+              <a:rPr kumimoji="0" lang="ko-KR" altLang="ko-KR" sz="1200" b="0" i="0" u="none" strike="noStrike" cap="none" normalizeH="0" baseline="0">
+                <a:ln>
+                  <a:noFill/>
+                </a:ln>
+                <a:solidFill>
+                  <a:srgbClr val="000000"/>
+                </a:solidFill>
+                <a:effectLst/>
+                <a:latin typeface="Arial" panose="020B0604020202020204" pitchFamily="34" charset="0"/>
+                <a:ea typeface="Noto Sans KR"/>
+              </a:rPr>
+            </a:br>
+            <a:endParaRPr kumimoji="0" lang="ko-KR" altLang="ko-KR" sz="800" b="0" i="0" u="none" strike="noStrike" cap="none" normalizeH="0" baseline="0">
+              <a:ln>
+                <a:noFill/>
+              </a:ln>
+              <a:solidFill>
+                <a:schemeClr val="tx1"/>
+              </a:solidFill>
+              <a:effectLst/>
+              <a:latin typeface="Arial" panose="020B0604020202020204" pitchFamily="34" charset="0"/>
+            </a:endParaRPr>
+          </a:p>
+          <a:p>
+            <a:pPr marL="0" marR="0" lvl="0" indent="0" algn="l" defTabSz="914400" rtl="0" eaLnBrk="0" fontAlgn="base" latinLnBrk="0" hangingPunct="0">
+              <a:lnSpc>
+                <a:spcPct val="100000"/>
+              </a:lnSpc>
+              <a:spcBef>
+                <a:spcPct val="0"/>
+              </a:spcBef>
+              <a:spcAft>
+                <a:spcPct val="0"/>
+              </a:spcAft>
+              <a:buClrTx/>
+              <a:buSzTx/>
+              <a:buFontTx/>
+              <a:buNone/>
+              <a:tabLst/>
+            </a:pPr>
+            <a:br>
+              <a:rPr kumimoji="0" lang="ko-KR" altLang="ko-KR" sz="1800" b="0" i="0" u="none" strike="noStrike" cap="none" normalizeH="0" baseline="0">
+                <a:ln>
+                  <a:noFill/>
+                </a:ln>
+                <a:solidFill>
+                  <a:schemeClr val="tx1"/>
+                </a:solidFill>
+                <a:effectLst/>
+                <a:latin typeface="Arial" panose="020B0604020202020204" pitchFamily="34" charset="0"/>
+              </a:rPr>
+            </a:br>
+            <a:endParaRPr kumimoji="0" lang="ko-KR" altLang="ko-KR" sz="1800" b="0" i="0" u="none" strike="noStrike" cap="none" normalizeH="0" baseline="0">
+              <a:ln>
+                <a:noFill/>
+              </a:ln>
+              <a:solidFill>
+                <a:schemeClr val="tx1"/>
+              </a:solidFill>
+              <a:effectLst/>
+              <a:latin typeface="Arial" panose="020B0604020202020204" pitchFamily="34" charset="0"/>
+            </a:endParaRPr>
+          </a:p>
+        </p:txBody>
+      </p:sp>
+      <p:graphicFrame>
+        <p:nvGraphicFramePr>
+          <p:cNvPr id="12" name="표 11">
+            <a:extLst>
+              <a:ext uri="{FF2B5EF4-FFF2-40B4-BE49-F238E27FC236}">
+                <a16:creationId xmlns:a16="http://schemas.microsoft.com/office/drawing/2014/main" id="{9A3CC802-4493-4ABB-8781-379FF250F835}"/>
+              </a:ext>
+            </a:extLst>
+          </p:cNvPr>
+          <p:cNvGraphicFramePr>
+            <a:graphicFrameLocks noGrp="1"/>
+          </p:cNvGraphicFramePr>
+          <p:nvPr>
+            <p:extLst>
+              <p:ext uri="{D42A27DB-BD31-4B8C-83A1-F6EECF244321}">
+                <p14:modId xmlns:p14="http://schemas.microsoft.com/office/powerpoint/2010/main" val="3734272811"/>
+              </p:ext>
+            </p:extLst>
+          </p:nvPr>
+        </p:nvGraphicFramePr>
+        <p:xfrm>
+          <a:off x="399082" y="4905205"/>
+          <a:ext cx="5401611" cy="1854200"/>
+        </p:xfrm>
+        <a:graphic>
+          <a:graphicData uri="http://schemas.openxmlformats.org/drawingml/2006/table">
+            <a:tbl>
+              <a:tblPr/>
+              <a:tblGrid>
+                <a:gridCol w="1800537">
+                  <a:extLst>
+                    <a:ext uri="{9D8B030D-6E8A-4147-A177-3AD203B41FA5}">
+                      <a16:colId xmlns:a16="http://schemas.microsoft.com/office/drawing/2014/main" val="3144113752"/>
+                    </a:ext>
+                  </a:extLst>
+                </a:gridCol>
+                <a:gridCol w="1800537">
+                  <a:extLst>
+                    <a:ext uri="{9D8B030D-6E8A-4147-A177-3AD203B41FA5}">
+                      <a16:colId xmlns:a16="http://schemas.microsoft.com/office/drawing/2014/main" val="4246953349"/>
+                    </a:ext>
+                  </a:extLst>
+                </a:gridCol>
+                <a:gridCol w="1800537">
+                  <a:extLst>
+                    <a:ext uri="{9D8B030D-6E8A-4147-A177-3AD203B41FA5}">
+                      <a16:colId xmlns:a16="http://schemas.microsoft.com/office/drawing/2014/main" val="4060644194"/>
+                    </a:ext>
+                  </a:extLst>
+                </a:gridCol>
+              </a:tblGrid>
+              <a:tr h="0">
+                <a:tc>
+                  <a:txBody>
+                    <a:bodyPr/>
+                    <a:lstStyle/>
+                    <a:p>
+                      <a:pPr algn="ctr" rtl="0" fontAlgn="t">
+                        <a:spcBef>
+                          <a:spcPts val="0"/>
+                        </a:spcBef>
+                        <a:spcAft>
+                          <a:spcPts val="0"/>
+                        </a:spcAft>
+                      </a:pPr>
+                      <a:r>
+                        <a:rPr lang="ko-KR" altLang="en-US" sz="1200" b="1" i="0" u="none" strike="noStrike">
+                          <a:solidFill>
+                            <a:srgbClr val="000000"/>
+                          </a:solidFill>
+                          <a:effectLst/>
+                          <a:latin typeface="Arial" panose="020B0604020202020204" pitchFamily="34" charset="0"/>
+                        </a:rPr>
+                        <a:t>바이트 기반 보조스트림</a:t>
+                      </a:r>
+                      <a:endParaRPr lang="ko-KR" altLang="en-US">
+                        <a:solidFill>
+                          <a:srgbClr val="666666"/>
+                        </a:solidFill>
+                        <a:effectLst/>
+                      </a:endParaRPr>
+                    </a:p>
+                  </a:txBody>
+                  <a:tcPr marL="63500" marR="63500" marT="63500" marB="63500">
+                    <a:lnL w="12700" cap="flat" cmpd="sng" algn="ctr">
+                      <a:solidFill>
+                        <a:srgbClr val="000000"/>
+                      </a:solidFill>
+                      <a:prstDash val="solid"/>
+                      <a:round/>
+                      <a:headEnd type="none" w="med" len="med"/>
+                      <a:tailEnd type="none" w="med" len="med"/>
+                    </a:lnL>
+                    <a:lnR w="12700" cap="flat" cmpd="sng" algn="ctr">
+                      <a:solidFill>
+                        <a:srgbClr val="000000"/>
+                      </a:solidFill>
+                      <a:prstDash val="solid"/>
+                      <a:round/>
+                      <a:headEnd type="none" w="med" len="med"/>
+                      <a:tailEnd type="none" w="med" len="med"/>
+                    </a:lnR>
+                    <a:lnT w="12700" cap="flat" cmpd="sng" algn="ctr">
+                      <a:solidFill>
+                        <a:srgbClr val="000000"/>
+                      </a:solidFill>
+                      <a:prstDash val="solid"/>
+                      <a:round/>
+                      <a:headEnd type="none" w="med" len="med"/>
+                      <a:tailEnd type="none" w="med" len="med"/>
+                    </a:lnT>
+                    <a:lnB w="12700" cap="flat" cmpd="sng" algn="ctr">
+                      <a:solidFill>
+                        <a:srgbClr val="000000"/>
+                      </a:solidFill>
+                      <a:prstDash val="solid"/>
+                      <a:round/>
+                      <a:headEnd type="none" w="med" len="med"/>
+                      <a:tailEnd type="none" w="med" len="med"/>
+                    </a:lnB>
+                  </a:tcPr>
+                </a:tc>
+                <a:tc>
+                  <a:txBody>
+                    <a:bodyPr/>
+                    <a:lstStyle/>
+                    <a:p>
+                      <a:pPr algn="ctr" rtl="0" fontAlgn="t">
+                        <a:spcBef>
+                          <a:spcPts val="0"/>
+                        </a:spcBef>
+                        <a:spcAft>
+                          <a:spcPts val="0"/>
+                        </a:spcAft>
+                      </a:pPr>
+                      <a:r>
+                        <a:rPr lang="ko-KR" altLang="en-US" sz="1200" b="1" i="0" u="none" strike="noStrike">
+                          <a:solidFill>
+                            <a:srgbClr val="000000"/>
+                          </a:solidFill>
+                          <a:effectLst/>
+                          <a:latin typeface="Arial" panose="020B0604020202020204" pitchFamily="34" charset="0"/>
+                        </a:rPr>
+                        <a:t>문자 기반 보조 스트림</a:t>
+                      </a:r>
+                      <a:endParaRPr lang="ko-KR" altLang="en-US">
+                        <a:solidFill>
+                          <a:srgbClr val="666666"/>
+                        </a:solidFill>
+                        <a:effectLst/>
+                      </a:endParaRPr>
+                    </a:p>
+                  </a:txBody>
+                  <a:tcPr marL="63500" marR="63500" marT="63500" marB="63500">
+                    <a:lnL w="12700" cap="flat" cmpd="sng" algn="ctr">
+                      <a:solidFill>
+                        <a:srgbClr val="000000"/>
+                      </a:solidFill>
+                      <a:prstDash val="solid"/>
+                      <a:round/>
+                      <a:headEnd type="none" w="med" len="med"/>
+                      <a:tailEnd type="none" w="med" len="med"/>
+                    </a:lnL>
+                    <a:lnR w="12700" cap="flat" cmpd="sng" algn="ctr">
+                      <a:solidFill>
+                        <a:srgbClr val="000000"/>
+                      </a:solidFill>
+                      <a:prstDash val="solid"/>
+                      <a:round/>
+                      <a:headEnd type="none" w="med" len="med"/>
+                      <a:tailEnd type="none" w="med" len="med"/>
+                    </a:lnR>
+                    <a:lnT w="12700" cap="flat" cmpd="sng" algn="ctr">
+                      <a:solidFill>
+                        <a:srgbClr val="000000"/>
+                      </a:solidFill>
+                      <a:prstDash val="solid"/>
+                      <a:round/>
+                      <a:headEnd type="none" w="med" len="med"/>
+                      <a:tailEnd type="none" w="med" len="med"/>
+                    </a:lnT>
+                    <a:lnB w="12700" cap="flat" cmpd="sng" algn="ctr">
+                      <a:solidFill>
+                        <a:srgbClr val="000000"/>
+                      </a:solidFill>
+                      <a:prstDash val="solid"/>
+                      <a:round/>
+                      <a:headEnd type="none" w="med" len="med"/>
+                      <a:tailEnd type="none" w="med" len="med"/>
+                    </a:lnB>
+                  </a:tcPr>
+                </a:tc>
+                <a:tc>
+                  <a:txBody>
+                    <a:bodyPr/>
+                    <a:lstStyle/>
+                    <a:p>
+                      <a:pPr algn="ctr" rtl="0" fontAlgn="t">
+                        <a:spcBef>
+                          <a:spcPts val="0"/>
+                        </a:spcBef>
+                        <a:spcAft>
+                          <a:spcPts val="0"/>
+                        </a:spcAft>
+                      </a:pPr>
+                      <a:r>
+                        <a:rPr lang="ko-KR" altLang="en-US" sz="1200" b="1" i="0" u="none" strike="noStrike">
+                          <a:solidFill>
+                            <a:srgbClr val="000000"/>
+                          </a:solidFill>
+                          <a:effectLst/>
+                          <a:latin typeface="Arial" panose="020B0604020202020204" pitchFamily="34" charset="0"/>
+                        </a:rPr>
+                        <a:t>비고</a:t>
+                      </a:r>
+                      <a:endParaRPr lang="ko-KR" altLang="en-US">
+                        <a:solidFill>
+                          <a:srgbClr val="666666"/>
+                        </a:solidFill>
+                        <a:effectLst/>
+                      </a:endParaRPr>
+                    </a:p>
+                  </a:txBody>
+                  <a:tcPr marL="63500" marR="63500" marT="63500" marB="63500">
+                    <a:lnL w="12700" cap="flat" cmpd="sng" algn="ctr">
+                      <a:solidFill>
+                        <a:srgbClr val="000000"/>
+                      </a:solidFill>
+                      <a:prstDash val="solid"/>
+                      <a:round/>
+                      <a:headEnd type="none" w="med" len="med"/>
+                      <a:tailEnd type="none" w="med" len="med"/>
+                    </a:lnL>
+                    <a:lnR w="12700" cap="flat" cmpd="sng" algn="ctr">
+                      <a:solidFill>
+                        <a:srgbClr val="000000"/>
+                      </a:solidFill>
+                      <a:prstDash val="solid"/>
+                      <a:round/>
+                      <a:headEnd type="none" w="med" len="med"/>
+                      <a:tailEnd type="none" w="med" len="med"/>
+                    </a:lnR>
+                    <a:lnT w="12700" cap="flat" cmpd="sng" algn="ctr">
+                      <a:solidFill>
+                        <a:srgbClr val="000000"/>
+                      </a:solidFill>
+                      <a:prstDash val="solid"/>
+                      <a:round/>
+                      <a:headEnd type="none" w="med" len="med"/>
+                      <a:tailEnd type="none" w="med" len="med"/>
+                    </a:lnT>
+                    <a:lnB w="12700" cap="flat" cmpd="sng" algn="ctr">
+                      <a:solidFill>
+                        <a:srgbClr val="000000"/>
+                      </a:solidFill>
+                      <a:prstDash val="solid"/>
+                      <a:round/>
+                      <a:headEnd type="none" w="med" len="med"/>
+                      <a:tailEnd type="none" w="med" len="med"/>
+                    </a:lnB>
+                  </a:tcPr>
+                </a:tc>
+                <a:extLst>
+                  <a:ext uri="{0D108BD9-81ED-4DB2-BD59-A6C34878D82A}">
+                    <a16:rowId xmlns:a16="http://schemas.microsoft.com/office/drawing/2014/main" val="2519625098"/>
+                  </a:ext>
+                </a:extLst>
+              </a:tr>
+              <a:tr h="187903">
+                <a:tc>
+                  <a:txBody>
+                    <a:bodyPr/>
+                    <a:lstStyle/>
+                    <a:p>
+                      <a:pPr algn="ctr" rtl="0" fontAlgn="t">
+                        <a:spcBef>
+                          <a:spcPts val="0"/>
+                        </a:spcBef>
+                        <a:spcAft>
+                          <a:spcPts val="0"/>
+                        </a:spcAft>
+                      </a:pPr>
+                      <a:r>
+                        <a:rPr lang="en-US" sz="1100" b="0" i="0" u="none" strike="noStrike">
+                          <a:solidFill>
+                            <a:srgbClr val="000000"/>
+                          </a:solidFill>
+                          <a:effectLst/>
+                          <a:latin typeface="Arial" panose="020B0604020202020204" pitchFamily="34" charset="0"/>
+                        </a:rPr>
+                        <a:t>BufferedInputStream</a:t>
+                      </a:r>
+                      <a:endParaRPr lang="en-US">
+                        <a:solidFill>
+                          <a:srgbClr val="666666"/>
+                        </a:solidFill>
+                        <a:effectLst/>
+                      </a:endParaRPr>
+                    </a:p>
+                    <a:p>
+                      <a:pPr algn="ctr" rtl="0" fontAlgn="t">
+                        <a:spcBef>
+                          <a:spcPts val="0"/>
+                        </a:spcBef>
+                        <a:spcAft>
+                          <a:spcPts val="0"/>
+                        </a:spcAft>
+                      </a:pPr>
+                      <a:r>
+                        <a:rPr lang="en-US" sz="1100" b="0" i="0" u="none" strike="noStrike">
+                          <a:solidFill>
+                            <a:srgbClr val="000000"/>
+                          </a:solidFill>
+                          <a:effectLst/>
+                          <a:latin typeface="Arial" panose="020B0604020202020204" pitchFamily="34" charset="0"/>
+                        </a:rPr>
+                        <a:t>BufferedOutputStream</a:t>
+                      </a:r>
+                      <a:endParaRPr lang="en-US">
+                        <a:solidFill>
+                          <a:srgbClr val="666666"/>
+                        </a:solidFill>
+                        <a:effectLst/>
+                      </a:endParaRPr>
+                    </a:p>
+                  </a:txBody>
+                  <a:tcPr marL="63500" marR="63500" marT="63500" marB="63500">
+                    <a:lnL w="12700" cap="flat" cmpd="sng" algn="ctr">
+                      <a:solidFill>
+                        <a:srgbClr val="000000"/>
+                      </a:solidFill>
+                      <a:prstDash val="solid"/>
+                      <a:round/>
+                      <a:headEnd type="none" w="med" len="med"/>
+                      <a:tailEnd type="none" w="med" len="med"/>
+                    </a:lnL>
+                    <a:lnR w="12700" cap="flat" cmpd="sng" algn="ctr">
+                      <a:solidFill>
+                        <a:srgbClr val="000000"/>
+                      </a:solidFill>
+                      <a:prstDash val="solid"/>
+                      <a:round/>
+                      <a:headEnd type="none" w="med" len="med"/>
+                      <a:tailEnd type="none" w="med" len="med"/>
+                    </a:lnR>
+                    <a:lnT w="12700" cap="flat" cmpd="sng" algn="ctr">
+                      <a:solidFill>
+                        <a:srgbClr val="000000"/>
+                      </a:solidFill>
+                      <a:prstDash val="solid"/>
+                      <a:round/>
+                      <a:headEnd type="none" w="med" len="med"/>
+                      <a:tailEnd type="none" w="med" len="med"/>
+                    </a:lnT>
+                    <a:lnB w="12700" cap="flat" cmpd="sng" algn="ctr">
+                      <a:solidFill>
+                        <a:srgbClr val="000000"/>
+                      </a:solidFill>
+                      <a:prstDash val="solid"/>
+                      <a:round/>
+                      <a:headEnd type="none" w="med" len="med"/>
+                      <a:tailEnd type="none" w="med" len="med"/>
+                    </a:lnB>
+                  </a:tcPr>
+                </a:tc>
+                <a:tc>
+                  <a:txBody>
+                    <a:bodyPr/>
+                    <a:lstStyle/>
+                    <a:p>
+                      <a:pPr algn="ctr" rtl="0" fontAlgn="t">
+                        <a:spcBef>
+                          <a:spcPts val="0"/>
+                        </a:spcBef>
+                        <a:spcAft>
+                          <a:spcPts val="0"/>
+                        </a:spcAft>
+                      </a:pPr>
+                      <a:r>
+                        <a:rPr lang="en-US" sz="1100" b="0" i="0" u="none" strike="noStrike">
+                          <a:solidFill>
+                            <a:srgbClr val="000000"/>
+                          </a:solidFill>
+                          <a:effectLst/>
+                          <a:latin typeface="Arial" panose="020B0604020202020204" pitchFamily="34" charset="0"/>
+                        </a:rPr>
+                        <a:t>BufferedReader</a:t>
+                      </a:r>
+                      <a:endParaRPr lang="en-US">
+                        <a:solidFill>
+                          <a:srgbClr val="666666"/>
+                        </a:solidFill>
+                        <a:effectLst/>
+                      </a:endParaRPr>
+                    </a:p>
+                    <a:p>
+                      <a:pPr algn="ctr" rtl="0" fontAlgn="t">
+                        <a:spcBef>
+                          <a:spcPts val="0"/>
+                        </a:spcBef>
+                        <a:spcAft>
+                          <a:spcPts val="0"/>
+                        </a:spcAft>
+                      </a:pPr>
+                      <a:r>
+                        <a:rPr lang="en-US" sz="1100" b="0" i="0" u="none" strike="noStrike">
+                          <a:solidFill>
+                            <a:srgbClr val="000000"/>
+                          </a:solidFill>
+                          <a:effectLst/>
+                          <a:latin typeface="Arial" panose="020B0604020202020204" pitchFamily="34" charset="0"/>
+                        </a:rPr>
+                        <a:t>BufferedWriter</a:t>
+                      </a:r>
+                      <a:endParaRPr lang="en-US">
+                        <a:solidFill>
+                          <a:srgbClr val="666666"/>
+                        </a:solidFill>
+                        <a:effectLst/>
+                      </a:endParaRPr>
+                    </a:p>
+                  </a:txBody>
+                  <a:tcPr marL="63500" marR="63500" marT="63500" marB="63500">
+                    <a:lnL w="12700" cap="flat" cmpd="sng" algn="ctr">
+                      <a:solidFill>
+                        <a:srgbClr val="000000"/>
+                      </a:solidFill>
+                      <a:prstDash val="solid"/>
+                      <a:round/>
+                      <a:headEnd type="none" w="med" len="med"/>
+                      <a:tailEnd type="none" w="med" len="med"/>
+                    </a:lnL>
+                    <a:lnR w="12700" cap="flat" cmpd="sng" algn="ctr">
+                      <a:solidFill>
+                        <a:srgbClr val="000000"/>
+                      </a:solidFill>
+                      <a:prstDash val="solid"/>
+                      <a:round/>
+                      <a:headEnd type="none" w="med" len="med"/>
+                      <a:tailEnd type="none" w="med" len="med"/>
+                    </a:lnR>
+                    <a:lnT w="12700" cap="flat" cmpd="sng" algn="ctr">
+                      <a:solidFill>
+                        <a:srgbClr val="000000"/>
+                      </a:solidFill>
+                      <a:prstDash val="solid"/>
+                      <a:round/>
+                      <a:headEnd type="none" w="med" len="med"/>
+                      <a:tailEnd type="none" w="med" len="med"/>
+                    </a:lnT>
+                    <a:lnB w="12700" cap="flat" cmpd="sng" algn="ctr">
+                      <a:solidFill>
+                        <a:srgbClr val="000000"/>
+                      </a:solidFill>
+                      <a:prstDash val="solid"/>
+                      <a:round/>
+                      <a:headEnd type="none" w="med" len="med"/>
+                      <a:tailEnd type="none" w="med" len="med"/>
+                    </a:lnB>
+                  </a:tcPr>
+                </a:tc>
+                <a:tc>
+                  <a:txBody>
+                    <a:bodyPr/>
+                    <a:lstStyle/>
+                    <a:p>
+                      <a:pPr algn="ctr" rtl="0" fontAlgn="t">
+                        <a:spcBef>
+                          <a:spcPts val="0"/>
+                        </a:spcBef>
+                        <a:spcAft>
+                          <a:spcPts val="0"/>
+                        </a:spcAft>
+                      </a:pPr>
+                      <a:r>
+                        <a:rPr lang="ko-KR" altLang="en-US" sz="1100" b="0" i="0" u="none" strike="noStrike">
+                          <a:solidFill>
+                            <a:srgbClr val="000000"/>
+                          </a:solidFill>
+                          <a:effectLst/>
+                          <a:latin typeface="Arial" panose="020B0604020202020204" pitchFamily="34" charset="0"/>
+                        </a:rPr>
+                        <a:t>버퍼를 이용한 입출력 성능 향상</a:t>
+                      </a:r>
+                      <a:endParaRPr lang="ko-KR" altLang="en-US">
+                        <a:solidFill>
+                          <a:srgbClr val="666666"/>
+                        </a:solidFill>
+                        <a:effectLst/>
+                      </a:endParaRPr>
+                    </a:p>
+                  </a:txBody>
+                  <a:tcPr marL="63500" marR="63500" marT="63500" marB="63500">
+                    <a:lnL w="12700" cap="flat" cmpd="sng" algn="ctr">
+                      <a:solidFill>
+                        <a:srgbClr val="000000"/>
+                      </a:solidFill>
+                      <a:prstDash val="solid"/>
+                      <a:round/>
+                      <a:headEnd type="none" w="med" len="med"/>
+                      <a:tailEnd type="none" w="med" len="med"/>
+                    </a:lnL>
+                    <a:lnR w="12700" cap="flat" cmpd="sng" algn="ctr">
+                      <a:solidFill>
+                        <a:srgbClr val="000000"/>
+                      </a:solidFill>
+                      <a:prstDash val="solid"/>
+                      <a:round/>
+                      <a:headEnd type="none" w="med" len="med"/>
+                      <a:tailEnd type="none" w="med" len="med"/>
+                    </a:lnR>
+                    <a:lnT w="12700" cap="flat" cmpd="sng" algn="ctr">
+                      <a:solidFill>
+                        <a:srgbClr val="000000"/>
+                      </a:solidFill>
+                      <a:prstDash val="solid"/>
+                      <a:round/>
+                      <a:headEnd type="none" w="med" len="med"/>
+                      <a:tailEnd type="none" w="med" len="med"/>
+                    </a:lnT>
+                    <a:lnB w="12700" cap="flat" cmpd="sng" algn="ctr">
+                      <a:solidFill>
+                        <a:srgbClr val="000000"/>
+                      </a:solidFill>
+                      <a:prstDash val="solid"/>
+                      <a:round/>
+                      <a:headEnd type="none" w="med" len="med"/>
+                      <a:tailEnd type="none" w="med" len="med"/>
+                    </a:lnB>
+                  </a:tcPr>
+                </a:tc>
+                <a:extLst>
+                  <a:ext uri="{0D108BD9-81ED-4DB2-BD59-A6C34878D82A}">
+                    <a16:rowId xmlns:a16="http://schemas.microsoft.com/office/drawing/2014/main" val="2328873231"/>
+                  </a:ext>
+                </a:extLst>
+              </a:tr>
+              <a:tr h="187903">
+                <a:tc>
+                  <a:txBody>
+                    <a:bodyPr/>
+                    <a:lstStyle/>
+                    <a:p>
+                      <a:pPr algn="ctr" rtl="0" fontAlgn="t">
+                        <a:spcBef>
+                          <a:spcPts val="0"/>
+                        </a:spcBef>
+                        <a:spcAft>
+                          <a:spcPts val="0"/>
+                        </a:spcAft>
+                      </a:pPr>
+                      <a:r>
+                        <a:rPr lang="en-US" sz="1100" b="0" i="0" u="none" strike="noStrike">
+                          <a:solidFill>
+                            <a:srgbClr val="000000"/>
+                          </a:solidFill>
+                          <a:effectLst/>
+                          <a:latin typeface="Arial" panose="020B0604020202020204" pitchFamily="34" charset="0"/>
+                        </a:rPr>
+                        <a:t>FilterInputStream</a:t>
+                      </a:r>
+                      <a:endParaRPr lang="en-US">
+                        <a:solidFill>
+                          <a:srgbClr val="666666"/>
+                        </a:solidFill>
+                        <a:effectLst/>
+                      </a:endParaRPr>
+                    </a:p>
+                    <a:p>
+                      <a:pPr algn="ctr" rtl="0" fontAlgn="t">
+                        <a:spcBef>
+                          <a:spcPts val="0"/>
+                        </a:spcBef>
+                        <a:spcAft>
+                          <a:spcPts val="0"/>
+                        </a:spcAft>
+                      </a:pPr>
+                      <a:r>
+                        <a:rPr lang="en-US" sz="1100" b="0" i="0" u="none" strike="noStrike">
+                          <a:solidFill>
+                            <a:srgbClr val="000000"/>
+                          </a:solidFill>
+                          <a:effectLst/>
+                          <a:latin typeface="Arial" panose="020B0604020202020204" pitchFamily="34" charset="0"/>
+                        </a:rPr>
+                        <a:t>FilterOutputStream</a:t>
+                      </a:r>
+                      <a:endParaRPr lang="en-US">
+                        <a:solidFill>
+                          <a:srgbClr val="666666"/>
+                        </a:solidFill>
+                        <a:effectLst/>
+                      </a:endParaRPr>
+                    </a:p>
+                  </a:txBody>
+                  <a:tcPr marL="63500" marR="63500" marT="63500" marB="63500">
+                    <a:lnL w="12700" cap="flat" cmpd="sng" algn="ctr">
+                      <a:solidFill>
+                        <a:srgbClr val="000000"/>
+                      </a:solidFill>
+                      <a:prstDash val="solid"/>
+                      <a:round/>
+                      <a:headEnd type="none" w="med" len="med"/>
+                      <a:tailEnd type="none" w="med" len="med"/>
+                    </a:lnL>
+                    <a:lnR w="12700" cap="flat" cmpd="sng" algn="ctr">
+                      <a:solidFill>
+                        <a:srgbClr val="000000"/>
+                      </a:solidFill>
+                      <a:prstDash val="solid"/>
+                      <a:round/>
+                      <a:headEnd type="none" w="med" len="med"/>
+                      <a:tailEnd type="none" w="med" len="med"/>
+                    </a:lnR>
+                    <a:lnT w="12700" cap="flat" cmpd="sng" algn="ctr">
+                      <a:solidFill>
+                        <a:srgbClr val="000000"/>
+                      </a:solidFill>
+                      <a:prstDash val="solid"/>
+                      <a:round/>
+                      <a:headEnd type="none" w="med" len="med"/>
+                      <a:tailEnd type="none" w="med" len="med"/>
+                    </a:lnT>
+                    <a:lnB w="12700" cap="flat" cmpd="sng" algn="ctr">
+                      <a:solidFill>
+                        <a:srgbClr val="000000"/>
+                      </a:solidFill>
+                      <a:prstDash val="solid"/>
+                      <a:round/>
+                      <a:headEnd type="none" w="med" len="med"/>
+                      <a:tailEnd type="none" w="med" len="med"/>
+                    </a:lnB>
+                  </a:tcPr>
+                </a:tc>
+                <a:tc>
+                  <a:txBody>
+                    <a:bodyPr/>
+                    <a:lstStyle/>
+                    <a:p>
+                      <a:pPr algn="ctr" rtl="0" fontAlgn="t">
+                        <a:spcBef>
+                          <a:spcPts val="0"/>
+                        </a:spcBef>
+                        <a:spcAft>
+                          <a:spcPts val="0"/>
+                        </a:spcAft>
+                      </a:pPr>
+                      <a:r>
+                        <a:rPr lang="en-US" sz="1100" b="0" i="0" u="none" strike="noStrike">
+                          <a:solidFill>
+                            <a:srgbClr val="000000"/>
+                          </a:solidFill>
+                          <a:effectLst/>
+                          <a:latin typeface="Arial" panose="020B0604020202020204" pitchFamily="34" charset="0"/>
+                        </a:rPr>
+                        <a:t>FilterReader</a:t>
+                      </a:r>
+                      <a:endParaRPr lang="en-US">
+                        <a:solidFill>
+                          <a:srgbClr val="666666"/>
+                        </a:solidFill>
+                        <a:effectLst/>
+                      </a:endParaRPr>
+                    </a:p>
+                    <a:p>
+                      <a:pPr algn="ctr" rtl="0" fontAlgn="t">
+                        <a:spcBef>
+                          <a:spcPts val="0"/>
+                        </a:spcBef>
+                        <a:spcAft>
+                          <a:spcPts val="0"/>
+                        </a:spcAft>
+                      </a:pPr>
+                      <a:r>
+                        <a:rPr lang="en-US" sz="1100" b="0" i="0" u="none" strike="noStrike">
+                          <a:solidFill>
+                            <a:srgbClr val="000000"/>
+                          </a:solidFill>
+                          <a:effectLst/>
+                          <a:latin typeface="Arial" panose="020B0604020202020204" pitchFamily="34" charset="0"/>
+                        </a:rPr>
+                        <a:t>FilterWriter</a:t>
+                      </a:r>
+                      <a:endParaRPr lang="en-US">
+                        <a:solidFill>
+                          <a:srgbClr val="666666"/>
+                        </a:solidFill>
+                        <a:effectLst/>
+                      </a:endParaRPr>
+                    </a:p>
+                  </a:txBody>
+                  <a:tcPr marL="63500" marR="63500" marT="63500" marB="63500">
+                    <a:lnL w="12700" cap="flat" cmpd="sng" algn="ctr">
+                      <a:solidFill>
+                        <a:srgbClr val="000000"/>
+                      </a:solidFill>
+                      <a:prstDash val="solid"/>
+                      <a:round/>
+                      <a:headEnd type="none" w="med" len="med"/>
+                      <a:tailEnd type="none" w="med" len="med"/>
+                    </a:lnL>
+                    <a:lnR w="12700" cap="flat" cmpd="sng" algn="ctr">
+                      <a:solidFill>
+                        <a:srgbClr val="000000"/>
+                      </a:solidFill>
+                      <a:prstDash val="solid"/>
+                      <a:round/>
+                      <a:headEnd type="none" w="med" len="med"/>
+                      <a:tailEnd type="none" w="med" len="med"/>
+                    </a:lnR>
+                    <a:lnT w="12700" cap="flat" cmpd="sng" algn="ctr">
+                      <a:solidFill>
+                        <a:srgbClr val="000000"/>
+                      </a:solidFill>
+                      <a:prstDash val="solid"/>
+                      <a:round/>
+                      <a:headEnd type="none" w="med" len="med"/>
+                      <a:tailEnd type="none" w="med" len="med"/>
+                    </a:lnT>
+                    <a:lnB w="12700" cap="flat" cmpd="sng" algn="ctr">
+                      <a:solidFill>
+                        <a:srgbClr val="000000"/>
+                      </a:solidFill>
+                      <a:prstDash val="solid"/>
+                      <a:round/>
+                      <a:headEnd type="none" w="med" len="med"/>
+                      <a:tailEnd type="none" w="med" len="med"/>
+                    </a:lnB>
+                  </a:tcPr>
+                </a:tc>
+                <a:tc>
+                  <a:txBody>
+                    <a:bodyPr/>
+                    <a:lstStyle/>
+                    <a:p>
+                      <a:pPr algn="ctr" rtl="0" fontAlgn="t">
+                        <a:spcBef>
+                          <a:spcPts val="0"/>
+                        </a:spcBef>
+                        <a:spcAft>
+                          <a:spcPts val="0"/>
+                        </a:spcAft>
+                      </a:pPr>
+                      <a:r>
+                        <a:rPr lang="ko-KR" altLang="en-US" sz="1100" b="0" i="0" u="none" strike="noStrike" dirty="0" err="1">
+                          <a:solidFill>
+                            <a:srgbClr val="000000"/>
+                          </a:solidFill>
+                          <a:effectLst/>
+                          <a:latin typeface="Arial" panose="020B0604020202020204" pitchFamily="34" charset="0"/>
+                        </a:rPr>
+                        <a:t>보조스트림</a:t>
+                      </a:r>
+                      <a:r>
+                        <a:rPr lang="ko-KR" altLang="en-US" sz="1100" b="0" i="0" u="none" strike="noStrike" dirty="0">
+                          <a:solidFill>
+                            <a:srgbClr val="000000"/>
+                          </a:solidFill>
+                          <a:effectLst/>
+                          <a:latin typeface="Arial" panose="020B0604020202020204" pitchFamily="34" charset="0"/>
+                        </a:rPr>
+                        <a:t> 최고 조상</a:t>
+                      </a:r>
+                      <a:endParaRPr lang="ko-KR" altLang="en-US" dirty="0">
+                        <a:solidFill>
+                          <a:srgbClr val="666666"/>
+                        </a:solidFill>
+                        <a:effectLst/>
+                      </a:endParaRPr>
+                    </a:p>
+                  </a:txBody>
+                  <a:tcPr marL="63500" marR="63500" marT="63500" marB="63500">
+                    <a:lnL w="12700" cap="flat" cmpd="sng" algn="ctr">
+                      <a:solidFill>
+                        <a:srgbClr val="000000"/>
+                      </a:solidFill>
+                      <a:prstDash val="solid"/>
+                      <a:round/>
+                      <a:headEnd type="none" w="med" len="med"/>
+                      <a:tailEnd type="none" w="med" len="med"/>
+                    </a:lnL>
+                    <a:lnR w="12700" cap="flat" cmpd="sng" algn="ctr">
+                      <a:solidFill>
+                        <a:srgbClr val="000000"/>
+                      </a:solidFill>
+                      <a:prstDash val="solid"/>
+                      <a:round/>
+                      <a:headEnd type="none" w="med" len="med"/>
+                      <a:tailEnd type="none" w="med" len="med"/>
+                    </a:lnR>
+                    <a:lnT w="12700" cap="flat" cmpd="sng" algn="ctr">
+                      <a:solidFill>
+                        <a:srgbClr val="000000"/>
+                      </a:solidFill>
+                      <a:prstDash val="solid"/>
+                      <a:round/>
+                      <a:headEnd type="none" w="med" len="med"/>
+                      <a:tailEnd type="none" w="med" len="med"/>
+                    </a:lnT>
+                    <a:lnB w="12700" cap="flat" cmpd="sng" algn="ctr">
+                      <a:solidFill>
+                        <a:srgbClr val="000000"/>
+                      </a:solidFill>
+                      <a:prstDash val="solid"/>
+                      <a:round/>
+                      <a:headEnd type="none" w="med" len="med"/>
+                      <a:tailEnd type="none" w="med" len="med"/>
+                    </a:lnB>
+                  </a:tcPr>
+                </a:tc>
+                <a:extLst>
+                  <a:ext uri="{0D108BD9-81ED-4DB2-BD59-A6C34878D82A}">
+                    <a16:rowId xmlns:a16="http://schemas.microsoft.com/office/drawing/2014/main" val="495791469"/>
+                  </a:ext>
+                </a:extLst>
+              </a:tr>
+              <a:tr h="184212">
+                <a:tc>
+                  <a:txBody>
+                    <a:bodyPr/>
+                    <a:lstStyle/>
+                    <a:p>
+                      <a:pPr algn="ctr" rtl="0" fontAlgn="t">
+                        <a:spcBef>
+                          <a:spcPts val="0"/>
+                        </a:spcBef>
+                        <a:spcAft>
+                          <a:spcPts val="0"/>
+                        </a:spcAft>
+                      </a:pPr>
+                      <a:r>
+                        <a:rPr lang="en-US" sz="1100" b="0" i="0" u="none" strike="noStrike">
+                          <a:solidFill>
+                            <a:srgbClr val="000000"/>
+                          </a:solidFill>
+                          <a:effectLst/>
+                          <a:latin typeface="Arial" panose="020B0604020202020204" pitchFamily="34" charset="0"/>
+                        </a:rPr>
+                        <a:t>PrintStream</a:t>
+                      </a:r>
+                      <a:endParaRPr lang="en-US">
+                        <a:solidFill>
+                          <a:srgbClr val="666666"/>
+                        </a:solidFill>
+                        <a:effectLst/>
+                      </a:endParaRPr>
+                    </a:p>
+                  </a:txBody>
+                  <a:tcPr marL="63500" marR="63500" marT="63500" marB="63500">
+                    <a:lnL w="12700" cap="flat" cmpd="sng" algn="ctr">
+                      <a:solidFill>
+                        <a:srgbClr val="000000"/>
+                      </a:solidFill>
+                      <a:prstDash val="solid"/>
+                      <a:round/>
+                      <a:headEnd type="none" w="med" len="med"/>
+                      <a:tailEnd type="none" w="med" len="med"/>
+                    </a:lnL>
+                    <a:lnR w="12700" cap="flat" cmpd="sng" algn="ctr">
+                      <a:solidFill>
+                        <a:srgbClr val="000000"/>
+                      </a:solidFill>
+                      <a:prstDash val="solid"/>
+                      <a:round/>
+                      <a:headEnd type="none" w="med" len="med"/>
+                      <a:tailEnd type="none" w="med" len="med"/>
+                    </a:lnR>
+                    <a:lnT w="12700" cap="flat" cmpd="sng" algn="ctr">
+                      <a:solidFill>
+                        <a:srgbClr val="000000"/>
+                      </a:solidFill>
+                      <a:prstDash val="solid"/>
+                      <a:round/>
+                      <a:headEnd type="none" w="med" len="med"/>
+                      <a:tailEnd type="none" w="med" len="med"/>
+                    </a:lnT>
+                    <a:lnB w="12700" cap="flat" cmpd="sng" algn="ctr">
+                      <a:solidFill>
+                        <a:srgbClr val="000000"/>
+                      </a:solidFill>
+                      <a:prstDash val="solid"/>
+                      <a:round/>
+                      <a:headEnd type="none" w="med" len="med"/>
+                      <a:tailEnd type="none" w="med" len="med"/>
+                    </a:lnB>
+                  </a:tcPr>
+                </a:tc>
+                <a:tc>
+                  <a:txBody>
+                    <a:bodyPr/>
+                    <a:lstStyle/>
+                    <a:p>
+                      <a:pPr algn="ctr" rtl="0" fontAlgn="t">
+                        <a:spcBef>
+                          <a:spcPts val="0"/>
+                        </a:spcBef>
+                        <a:spcAft>
+                          <a:spcPts val="0"/>
+                        </a:spcAft>
+                      </a:pPr>
+                      <a:r>
+                        <a:rPr lang="en-US" sz="1100" b="0" i="0" u="none" strike="noStrike" dirty="0" err="1">
+                          <a:solidFill>
+                            <a:srgbClr val="000000"/>
+                          </a:solidFill>
+                          <a:effectLst/>
+                          <a:latin typeface="Arial" panose="020B0604020202020204" pitchFamily="34" charset="0"/>
+                        </a:rPr>
+                        <a:t>PrintWriter</a:t>
+                      </a:r>
+                      <a:endParaRPr lang="en-US" dirty="0">
+                        <a:solidFill>
+                          <a:srgbClr val="666666"/>
+                        </a:solidFill>
+                        <a:effectLst/>
+                      </a:endParaRPr>
+                    </a:p>
+                  </a:txBody>
+                  <a:tcPr marL="63500" marR="63500" marT="63500" marB="63500">
+                    <a:lnL w="12700" cap="flat" cmpd="sng" algn="ctr">
+                      <a:solidFill>
+                        <a:srgbClr val="000000"/>
+                      </a:solidFill>
+                      <a:prstDash val="solid"/>
+                      <a:round/>
+                      <a:headEnd type="none" w="med" len="med"/>
+                      <a:tailEnd type="none" w="med" len="med"/>
+                    </a:lnL>
+                    <a:lnR w="12700" cap="flat" cmpd="sng" algn="ctr">
+                      <a:solidFill>
+                        <a:srgbClr val="000000"/>
+                      </a:solidFill>
+                      <a:prstDash val="solid"/>
+                      <a:round/>
+                      <a:headEnd type="none" w="med" len="med"/>
+                      <a:tailEnd type="none" w="med" len="med"/>
+                    </a:lnR>
+                    <a:lnT w="12700" cap="flat" cmpd="sng" algn="ctr">
+                      <a:solidFill>
+                        <a:srgbClr val="000000"/>
+                      </a:solidFill>
+                      <a:prstDash val="solid"/>
+                      <a:round/>
+                      <a:headEnd type="none" w="med" len="med"/>
+                      <a:tailEnd type="none" w="med" len="med"/>
+                    </a:lnT>
+                    <a:lnB w="12700" cap="flat" cmpd="sng" algn="ctr">
+                      <a:solidFill>
+                        <a:srgbClr val="000000"/>
+                      </a:solidFill>
+                      <a:prstDash val="solid"/>
+                      <a:round/>
+                      <a:headEnd type="none" w="med" len="med"/>
+                      <a:tailEnd type="none" w="med" len="med"/>
+                    </a:lnB>
+                  </a:tcPr>
+                </a:tc>
+                <a:tc>
+                  <a:txBody>
+                    <a:bodyPr/>
+                    <a:lstStyle/>
+                    <a:p>
+                      <a:pPr fontAlgn="t"/>
+                      <a:endParaRPr lang="ko-KR" altLang="en-US" sz="1200" dirty="0">
+                        <a:effectLst/>
+                      </a:endParaRPr>
+                    </a:p>
+                  </a:txBody>
+                  <a:tcPr marL="63500" marR="63500" marT="63500" marB="63500">
+                    <a:lnL w="12700" cap="flat" cmpd="sng" algn="ctr">
+                      <a:solidFill>
+                        <a:srgbClr val="000000"/>
+                      </a:solidFill>
+                      <a:prstDash val="solid"/>
+                      <a:round/>
+                      <a:headEnd type="none" w="med" len="med"/>
+                      <a:tailEnd type="none" w="med" len="med"/>
+                    </a:lnL>
+                    <a:lnR w="12700" cap="flat" cmpd="sng" algn="ctr">
+                      <a:solidFill>
+                        <a:srgbClr val="000000"/>
+                      </a:solidFill>
+                      <a:prstDash val="solid"/>
+                      <a:round/>
+                      <a:headEnd type="none" w="med" len="med"/>
+                      <a:tailEnd type="none" w="med" len="med"/>
+                    </a:lnR>
+                    <a:lnT w="12700" cap="flat" cmpd="sng" algn="ctr">
+                      <a:solidFill>
+                        <a:srgbClr val="000000"/>
+                      </a:solidFill>
+                      <a:prstDash val="solid"/>
+                      <a:round/>
+                      <a:headEnd type="none" w="med" len="med"/>
+                      <a:tailEnd type="none" w="med" len="med"/>
+                    </a:lnT>
+                    <a:lnB w="12700" cap="flat" cmpd="sng" algn="ctr">
+                      <a:solidFill>
+                        <a:srgbClr val="000000"/>
+                      </a:solidFill>
+                      <a:prstDash val="solid"/>
+                      <a:round/>
+                      <a:headEnd type="none" w="med" len="med"/>
+                      <a:tailEnd type="none" w="med" len="med"/>
+                    </a:lnB>
+                  </a:tcPr>
+                </a:tc>
+                <a:extLst>
+                  <a:ext uri="{0D108BD9-81ED-4DB2-BD59-A6C34878D82A}">
+                    <a16:rowId xmlns:a16="http://schemas.microsoft.com/office/drawing/2014/main" val="3899556739"/>
+                  </a:ext>
+                </a:extLst>
+              </a:tr>
+              <a:tr h="184212">
+                <a:tc>
+                  <a:txBody>
+                    <a:bodyPr/>
+                    <a:lstStyle/>
+                    <a:p>
+                      <a:pPr algn="ctr" rtl="0" fontAlgn="t">
+                        <a:spcBef>
+                          <a:spcPts val="0"/>
+                        </a:spcBef>
+                        <a:spcAft>
+                          <a:spcPts val="0"/>
+                        </a:spcAft>
+                      </a:pPr>
+                      <a:r>
+                        <a:rPr lang="en-US" sz="1100" b="0" i="0" u="none" strike="noStrike">
+                          <a:solidFill>
+                            <a:srgbClr val="000000"/>
+                          </a:solidFill>
+                          <a:effectLst/>
+                          <a:latin typeface="Arial" panose="020B0604020202020204" pitchFamily="34" charset="0"/>
+                        </a:rPr>
+                        <a:t>Pushback</a:t>
+                      </a:r>
+                      <a:endParaRPr lang="en-US">
+                        <a:solidFill>
+                          <a:srgbClr val="666666"/>
+                        </a:solidFill>
+                        <a:effectLst/>
+                      </a:endParaRPr>
+                    </a:p>
+                  </a:txBody>
+                  <a:tcPr marL="63500" marR="63500" marT="63500" marB="63500">
+                    <a:lnL w="12700" cap="flat" cmpd="sng" algn="ctr">
+                      <a:solidFill>
+                        <a:srgbClr val="000000"/>
+                      </a:solidFill>
+                      <a:prstDash val="solid"/>
+                      <a:round/>
+                      <a:headEnd type="none" w="med" len="med"/>
+                      <a:tailEnd type="none" w="med" len="med"/>
+                    </a:lnL>
+                    <a:lnR w="12700" cap="flat" cmpd="sng" algn="ctr">
+                      <a:solidFill>
+                        <a:srgbClr val="000000"/>
+                      </a:solidFill>
+                      <a:prstDash val="solid"/>
+                      <a:round/>
+                      <a:headEnd type="none" w="med" len="med"/>
+                      <a:tailEnd type="none" w="med" len="med"/>
+                    </a:lnR>
+                    <a:lnT w="12700" cap="flat" cmpd="sng" algn="ctr">
+                      <a:solidFill>
+                        <a:srgbClr val="000000"/>
+                      </a:solidFill>
+                      <a:prstDash val="solid"/>
+                      <a:round/>
+                      <a:headEnd type="none" w="med" len="med"/>
+                      <a:tailEnd type="none" w="med" len="med"/>
+                    </a:lnT>
+                    <a:lnB w="12700" cap="flat" cmpd="sng" algn="ctr">
+                      <a:solidFill>
+                        <a:srgbClr val="000000"/>
+                      </a:solidFill>
+                      <a:prstDash val="solid"/>
+                      <a:round/>
+                      <a:headEnd type="none" w="med" len="med"/>
+                      <a:tailEnd type="none" w="med" len="med"/>
+                    </a:lnB>
+                  </a:tcPr>
+                </a:tc>
+                <a:tc>
+                  <a:txBody>
+                    <a:bodyPr/>
+                    <a:lstStyle/>
+                    <a:p>
+                      <a:pPr algn="ctr" rtl="0" fontAlgn="t">
+                        <a:spcBef>
+                          <a:spcPts val="0"/>
+                        </a:spcBef>
+                        <a:spcAft>
+                          <a:spcPts val="0"/>
+                        </a:spcAft>
+                      </a:pPr>
+                      <a:r>
+                        <a:rPr lang="en-US" sz="1100" b="0" i="0" u="none" strike="noStrike">
+                          <a:solidFill>
+                            <a:srgbClr val="000000"/>
+                          </a:solidFill>
+                          <a:effectLst/>
+                          <a:latin typeface="Arial" panose="020B0604020202020204" pitchFamily="34" charset="0"/>
+                        </a:rPr>
+                        <a:t>Reader</a:t>
+                      </a:r>
+                      <a:endParaRPr lang="en-US">
+                        <a:solidFill>
+                          <a:srgbClr val="666666"/>
+                        </a:solidFill>
+                        <a:effectLst/>
+                      </a:endParaRPr>
+                    </a:p>
+                  </a:txBody>
+                  <a:tcPr marL="63500" marR="63500" marT="63500" marB="63500">
+                    <a:lnL w="12700" cap="flat" cmpd="sng" algn="ctr">
+                      <a:solidFill>
+                        <a:srgbClr val="000000"/>
+                      </a:solidFill>
+                      <a:prstDash val="solid"/>
+                      <a:round/>
+                      <a:headEnd type="none" w="med" len="med"/>
+                      <a:tailEnd type="none" w="med" len="med"/>
+                    </a:lnL>
+                    <a:lnR w="12700" cap="flat" cmpd="sng" algn="ctr">
+                      <a:solidFill>
+                        <a:srgbClr val="000000"/>
+                      </a:solidFill>
+                      <a:prstDash val="solid"/>
+                      <a:round/>
+                      <a:headEnd type="none" w="med" len="med"/>
+                      <a:tailEnd type="none" w="med" len="med"/>
+                    </a:lnR>
+                    <a:lnT w="12700" cap="flat" cmpd="sng" algn="ctr">
+                      <a:solidFill>
+                        <a:srgbClr val="000000"/>
+                      </a:solidFill>
+                      <a:prstDash val="solid"/>
+                      <a:round/>
+                      <a:headEnd type="none" w="med" len="med"/>
+                      <a:tailEnd type="none" w="med" len="med"/>
+                    </a:lnT>
+                    <a:lnB w="12700" cap="flat" cmpd="sng" algn="ctr">
+                      <a:solidFill>
+                        <a:srgbClr val="000000"/>
+                      </a:solidFill>
+                      <a:prstDash val="solid"/>
+                      <a:round/>
+                      <a:headEnd type="none" w="med" len="med"/>
+                      <a:tailEnd type="none" w="med" len="med"/>
+                    </a:lnB>
+                  </a:tcPr>
+                </a:tc>
+                <a:tc>
+                  <a:txBody>
+                    <a:bodyPr/>
+                    <a:lstStyle/>
+                    <a:p>
+                      <a:pPr fontAlgn="t"/>
+                      <a:endParaRPr lang="ko-KR" altLang="en-US" sz="1200" dirty="0">
+                        <a:effectLst/>
+                      </a:endParaRPr>
+                    </a:p>
+                  </a:txBody>
+                  <a:tcPr marL="63500" marR="63500" marT="63500" marB="63500">
+                    <a:lnL w="12700" cap="flat" cmpd="sng" algn="ctr">
+                      <a:solidFill>
+                        <a:srgbClr val="000000"/>
+                      </a:solidFill>
+                      <a:prstDash val="solid"/>
+                      <a:round/>
+                      <a:headEnd type="none" w="med" len="med"/>
+                      <a:tailEnd type="none" w="med" len="med"/>
+                    </a:lnL>
+                    <a:lnR w="12700" cap="flat" cmpd="sng" algn="ctr">
+                      <a:solidFill>
+                        <a:srgbClr val="000000"/>
+                      </a:solidFill>
+                      <a:prstDash val="solid"/>
+                      <a:round/>
+                      <a:headEnd type="none" w="med" len="med"/>
+                      <a:tailEnd type="none" w="med" len="med"/>
+                    </a:lnR>
+                    <a:lnT w="12700" cap="flat" cmpd="sng" algn="ctr">
+                      <a:solidFill>
+                        <a:srgbClr val="000000"/>
+                      </a:solidFill>
+                      <a:prstDash val="solid"/>
+                      <a:round/>
+                      <a:headEnd type="none" w="med" len="med"/>
+                      <a:tailEnd type="none" w="med" len="med"/>
+                    </a:lnT>
+                    <a:lnB w="12700" cap="flat" cmpd="sng" algn="ctr">
+                      <a:solidFill>
+                        <a:srgbClr val="000000"/>
+                      </a:solidFill>
+                      <a:prstDash val="solid"/>
+                      <a:round/>
+                      <a:headEnd type="none" w="med" len="med"/>
+                      <a:tailEnd type="none" w="med" len="med"/>
+                    </a:lnB>
+                  </a:tcPr>
+                </a:tc>
+                <a:extLst>
+                  <a:ext uri="{0D108BD9-81ED-4DB2-BD59-A6C34878D82A}">
+                    <a16:rowId xmlns:a16="http://schemas.microsoft.com/office/drawing/2014/main" val="226475156"/>
+                  </a:ext>
+                </a:extLst>
+              </a:tr>
+            </a:tbl>
+          </a:graphicData>
+        </a:graphic>
+      </p:graphicFrame>
+      <p:sp>
+        <p:nvSpPr>
+          <p:cNvPr id="13" name="Rectangle 2">
+            <a:extLst>
+              <a:ext uri="{FF2B5EF4-FFF2-40B4-BE49-F238E27FC236}">
+                <a16:creationId xmlns:a16="http://schemas.microsoft.com/office/drawing/2014/main" id="{023A9B88-DEEA-4FD1-B679-CB12A090DB79}"/>
+              </a:ext>
+            </a:extLst>
+          </p:cNvPr>
+          <p:cNvSpPr>
+            <a:spLocks noChangeArrowheads="1"/>
+          </p:cNvSpPr>
+          <p:nvPr/>
+        </p:nvSpPr>
+        <p:spPr bwMode="auto">
+          <a:xfrm>
+            <a:off x="5766572" y="4003906"/>
+            <a:ext cx="12192000" cy="0"/>
+          </a:xfrm>
+          <a:prstGeom prst="rect">
+            <a:avLst/>
+          </a:prstGeom>
+          <a:noFill/>
+          <a:ln>
+            <a:noFill/>
+          </a:ln>
+          <a:effectLst/>
+          <a:extLst>
+            <a:ext uri="{909E8E84-426E-40DD-AFC4-6F175D3DCCD1}">
+              <a14:hiddenFill xmlns:a14="http://schemas.microsoft.com/office/drawing/2010/main">
+                <a:solidFill>
+                  <a:schemeClr val="accent1"/>
+                </a:solidFill>
+              </a14:hiddenFill>
+            </a:ext>
+            <a:ext uri="{91240B29-F687-4F45-9708-019B960494DF}">
+              <a14:hiddenLine xmlns:a14="http://schemas.microsoft.com/office/drawing/2010/main" w="9525">
+                <a:solidFill>
+                  <a:schemeClr val="tx1"/>
+                </a:solidFill>
+                <a:miter lim="800000"/>
+                <a:headEnd/>
+                <a:tailEnd/>
+              </a14:hiddenLine>
+            </a:ext>
+            <a:ext uri="{AF507438-7753-43E0-B8FC-AC1667EBCBE1}">
+              <a14:hiddenEffects xmlns:a14="http://schemas.microsoft.com/office/drawing/2010/main">
+                <a:effectLst>
+                  <a:outerShdw dist="35921" dir="2700000" algn="ctr" rotWithShape="0">
+                    <a:schemeClr val="bg2"/>
+                  </a:outerShdw>
+                </a:effectLst>
+              </a14:hiddenEffects>
+            </a:ext>
+          </a:extLst>
+        </p:spPr>
+        <p:txBody>
+          <a:bodyPr vert="horz" wrap="none" lIns="0" tIns="0" rIns="0" bIns="0" numCol="1" anchor="ctr" anchorCtr="0" compatLnSpc="1">
+            <a:prstTxWarp prst="textNoShape">
+              <a:avLst/>
+            </a:prstTxWarp>
+            <a:spAutoFit/>
+          </a:bodyPr>
+          <a:lstStyle/>
+          <a:p>
+            <a:pPr marL="0" marR="0" lvl="0" indent="0" algn="l" defTabSz="914400" rtl="0" eaLnBrk="0" fontAlgn="base" latinLnBrk="0" hangingPunct="0">
+              <a:lnSpc>
+                <a:spcPct val="100000"/>
+              </a:lnSpc>
+              <a:spcBef>
+                <a:spcPct val="0"/>
+              </a:spcBef>
+              <a:spcAft>
+                <a:spcPct val="0"/>
+              </a:spcAft>
+              <a:buClrTx/>
+              <a:buSzTx/>
+              <a:buFontTx/>
+              <a:buNone/>
+              <a:tabLst/>
+            </a:pPr>
+            <a:br>
+              <a:rPr kumimoji="0" lang="ko-KR" altLang="ko-KR" sz="1200" b="0" i="0" u="none" strike="noStrike" cap="none" normalizeH="0" baseline="0">
+                <a:ln>
+                  <a:noFill/>
+                </a:ln>
+                <a:solidFill>
+                  <a:srgbClr val="000000"/>
+                </a:solidFill>
+                <a:effectLst/>
+                <a:latin typeface="Arial" panose="020B0604020202020204" pitchFamily="34" charset="0"/>
+                <a:ea typeface="Noto Sans KR"/>
+              </a:rPr>
+            </a:br>
+            <a:endParaRPr kumimoji="0" lang="ko-KR" altLang="ko-KR" sz="800" b="0" i="0" u="none" strike="noStrike" cap="none" normalizeH="0" baseline="0">
+              <a:ln>
+                <a:noFill/>
+              </a:ln>
+              <a:solidFill>
+                <a:schemeClr val="tx1"/>
+              </a:solidFill>
+              <a:effectLst/>
+              <a:latin typeface="Arial" panose="020B0604020202020204" pitchFamily="34" charset="0"/>
+            </a:endParaRPr>
+          </a:p>
+          <a:p>
+            <a:pPr marL="0" marR="0" lvl="0" indent="0" algn="l" defTabSz="914400" rtl="0" eaLnBrk="0" fontAlgn="base" latinLnBrk="0" hangingPunct="0">
+              <a:lnSpc>
+                <a:spcPct val="100000"/>
+              </a:lnSpc>
+              <a:spcBef>
+                <a:spcPct val="0"/>
+              </a:spcBef>
+              <a:spcAft>
+                <a:spcPct val="0"/>
+              </a:spcAft>
+              <a:buClrTx/>
+              <a:buSzTx/>
+              <a:buFontTx/>
+              <a:buNone/>
+              <a:tabLst/>
+            </a:pPr>
+            <a:br>
+              <a:rPr kumimoji="0" lang="ko-KR" altLang="ko-KR" sz="1800" b="0" i="0" u="none" strike="noStrike" cap="none" normalizeH="0" baseline="0">
+                <a:ln>
+                  <a:noFill/>
+                </a:ln>
+                <a:solidFill>
+                  <a:schemeClr val="tx1"/>
+                </a:solidFill>
+                <a:effectLst/>
+                <a:latin typeface="Arial" panose="020B0604020202020204" pitchFamily="34" charset="0"/>
+              </a:rPr>
+            </a:br>
+            <a:endParaRPr kumimoji="0" lang="ko-KR" altLang="ko-KR" sz="1800" b="0" i="0" u="none" strike="noStrike" cap="none" normalizeH="0" baseline="0">
+              <a:ln>
+                <a:noFill/>
+              </a:ln>
+              <a:solidFill>
+                <a:schemeClr val="tx1"/>
+              </a:solidFill>
+              <a:effectLst/>
+              <a:latin typeface="Arial" panose="020B0604020202020204" pitchFamily="34" charset="0"/>
+            </a:endParaRPr>
+          </a:p>
+        </p:txBody>
+      </p:sp>
+    </p:spTree>
+    <p:extLst>
+      <p:ext uri="{BB962C8B-B14F-4D97-AF65-F5344CB8AC3E}">
+        <p14:creationId xmlns:p14="http://schemas.microsoft.com/office/powerpoint/2010/main" val="2869257988"/>
+      </p:ext>
+    </p:extLst>
+  </p:cSld>
+  <p:clrMapOvr>
+    <a:masterClrMapping/>
+  </p:clrMapOvr>
+</p:sld>
+</file>
+
+<file path=ppt/slides/slide25.xml><?xml version="1.0" encoding="utf-8"?>
+<p:sld xmlns:a="http://schemas.openxmlformats.org/drawingml/2006/main" xmlns:r="http://schemas.openxmlformats.org/officeDocument/2006/relationships" xmlns:p="http://schemas.openxmlformats.org/presentationml/2006/main">
+  <p:cSld>
+    <p:spTree>
+      <p:nvGrpSpPr>
+        <p:cNvPr id="1" name=""/>
+        <p:cNvGrpSpPr/>
+        <p:nvPr/>
+      </p:nvGrpSpPr>
+      <p:grpSpPr>
+        <a:xfrm>
+          <a:off x="0" y="0"/>
+          <a:ext cx="0" cy="0"/>
+          <a:chOff x="0" y="0"/>
+          <a:chExt cx="0" cy="0"/>
+        </a:xfrm>
+      </p:grpSpPr>
+      <p:sp>
+        <p:nvSpPr>
+          <p:cNvPr id="2" name="제목 1">
+            <a:extLst>
+              <a:ext uri="{FF2B5EF4-FFF2-40B4-BE49-F238E27FC236}">
+                <a16:creationId xmlns:a16="http://schemas.microsoft.com/office/drawing/2014/main" id="{4D3D8201-4D9F-4ED2-91BD-18E2C3CA9C8D}"/>
+              </a:ext>
+            </a:extLst>
+          </p:cNvPr>
+          <p:cNvSpPr>
+            <a:spLocks noGrp="1"/>
+          </p:cNvSpPr>
+          <p:nvPr>
+            <p:ph type="title"/>
+          </p:nvPr>
+        </p:nvSpPr>
+        <p:spPr/>
+        <p:txBody>
+          <a:bodyPr/>
+          <a:lstStyle/>
+          <a:p>
+            <a:r>
+              <a:rPr lang="en-US" altLang="ko-KR" dirty="0" err="1"/>
+              <a:t>Theard</a:t>
+            </a:r>
+            <a:endParaRPr lang="ko-KR" altLang="en-US" dirty="0"/>
+          </a:p>
+        </p:txBody>
+      </p:sp>
+      <p:sp>
+        <p:nvSpPr>
+          <p:cNvPr id="3" name="내용 개체 틀 2">
+            <a:extLst>
+              <a:ext uri="{FF2B5EF4-FFF2-40B4-BE49-F238E27FC236}">
+                <a16:creationId xmlns:a16="http://schemas.microsoft.com/office/drawing/2014/main" id="{11F40835-8B0F-485A-A591-5759AD6B84BC}"/>
+              </a:ext>
+            </a:extLst>
+          </p:cNvPr>
+          <p:cNvSpPr>
+            <a:spLocks noGrp="1"/>
+          </p:cNvSpPr>
+          <p:nvPr>
+            <p:ph idx="1"/>
+          </p:nvPr>
+        </p:nvSpPr>
+        <p:spPr/>
+        <p:txBody>
+          <a:bodyPr/>
+          <a:lstStyle/>
+          <a:p>
+            <a:r>
+              <a:rPr lang="ko-KR" altLang="en-US" dirty="0"/>
+              <a:t>쓰레드는 </a:t>
+            </a:r>
+            <a:r>
+              <a:rPr lang="en-US" altLang="ko-KR" dirty="0"/>
+              <a:t>Thread </a:t>
+            </a:r>
+            <a:r>
+              <a:rPr lang="ko-KR" altLang="en-US" dirty="0"/>
+              <a:t>클래스 또는 </a:t>
+            </a:r>
+            <a:r>
+              <a:rPr lang="en-US" altLang="ko-KR" dirty="0"/>
+              <a:t>runnable </a:t>
+            </a:r>
+            <a:r>
+              <a:rPr lang="ko-KR" altLang="en-US" dirty="0"/>
+              <a:t>인터페이스를 상속해 생성</a:t>
+            </a:r>
+            <a:endParaRPr lang="en-US" altLang="ko-KR" dirty="0"/>
+          </a:p>
+          <a:p>
+            <a:r>
+              <a:rPr lang="ko-KR" altLang="en-US" dirty="0"/>
+              <a:t>여러 개의 </a:t>
+            </a:r>
+            <a:r>
+              <a:rPr lang="en-US" altLang="ko-KR" dirty="0"/>
+              <a:t>Thread</a:t>
+            </a:r>
+            <a:r>
+              <a:rPr lang="ko-KR" altLang="en-US" dirty="0"/>
+              <a:t>가 한 객체를 공유하는 것을 공유 객체라고 함</a:t>
+            </a:r>
+            <a:r>
+              <a:rPr lang="en-US" altLang="ko-KR" dirty="0"/>
+              <a:t>.</a:t>
+            </a:r>
+          </a:p>
+          <a:p>
+            <a:r>
+              <a:rPr lang="ko-KR" altLang="en-US" dirty="0"/>
+              <a:t>쓰레드를 시작하기 전에 </a:t>
+            </a:r>
+            <a:r>
+              <a:rPr lang="en-US" altLang="ko-KR" dirty="0"/>
+              <a:t>start </a:t>
+            </a:r>
+            <a:r>
+              <a:rPr lang="ko-KR" altLang="en-US" dirty="0"/>
+              <a:t>메소드를 </a:t>
+            </a:r>
+            <a:r>
+              <a:rPr lang="ko-KR" altLang="en-US" dirty="0" err="1"/>
+              <a:t>호출해야함</a:t>
+            </a:r>
+            <a:r>
+              <a:rPr lang="en-US" altLang="ko-KR" dirty="0"/>
+              <a:t>.</a:t>
+            </a:r>
+          </a:p>
+          <a:p>
+            <a:r>
+              <a:rPr lang="en-US" altLang="ko-KR" dirty="0"/>
+              <a:t>Runnable </a:t>
+            </a:r>
+            <a:r>
+              <a:rPr lang="ko-KR" altLang="en-US" dirty="0"/>
+              <a:t>인터페이스 상속해 </a:t>
+            </a:r>
+            <a:r>
+              <a:rPr lang="en-US" altLang="ko-KR" dirty="0"/>
+              <a:t>Thread </a:t>
+            </a:r>
+            <a:r>
+              <a:rPr lang="ko-KR" altLang="en-US" dirty="0"/>
+              <a:t>돌릴 시 </a:t>
+            </a:r>
+            <a:r>
+              <a:rPr lang="en-US" altLang="ko-KR" dirty="0"/>
+              <a:t>Thread </a:t>
+            </a:r>
+            <a:r>
+              <a:rPr lang="ko-KR" altLang="en-US" dirty="0"/>
+              <a:t>객체를 생성해서 </a:t>
+            </a:r>
+            <a:r>
+              <a:rPr lang="en-US" altLang="ko-KR" dirty="0"/>
+              <a:t>Thread</a:t>
+            </a:r>
+            <a:r>
+              <a:rPr lang="ko-KR" altLang="en-US" dirty="0"/>
+              <a:t>를</a:t>
+            </a:r>
+            <a:r>
+              <a:rPr lang="en-US" altLang="ko-KR" dirty="0"/>
+              <a:t> </a:t>
+            </a:r>
+            <a:r>
+              <a:rPr lang="ko-KR" altLang="en-US" dirty="0" err="1"/>
+              <a:t>돌려야함</a:t>
+            </a:r>
+            <a:r>
+              <a:rPr lang="en-US" altLang="ko-KR" dirty="0"/>
+              <a:t>.</a:t>
+            </a:r>
+            <a:endParaRPr lang="ko-KR" altLang="en-US" dirty="0"/>
+          </a:p>
+        </p:txBody>
+      </p:sp>
+    </p:spTree>
+    <p:extLst>
+      <p:ext uri="{BB962C8B-B14F-4D97-AF65-F5344CB8AC3E}">
+        <p14:creationId xmlns:p14="http://schemas.microsoft.com/office/powerpoint/2010/main" val="1260420599"/>
       </p:ext>
     </p:extLst>
   </p:cSld>

--- a/학습자료/학습 정리.pptx
+++ b/학습자료/학습 정리.pptx
@@ -30,6 +30,9 @@
     <p:sldId id="278" r:id="rId24"/>
     <p:sldId id="279" r:id="rId25"/>
     <p:sldId id="280" r:id="rId26"/>
+    <p:sldId id="281" r:id="rId27"/>
+    <p:sldId id="282" r:id="rId28"/>
+    <p:sldId id="283" r:id="rId29"/>
   </p:sldIdLst>
   <p:sldSz cx="12192000" cy="6858000"/>
   <p:notesSz cx="6858000" cy="9144000"/>
@@ -283,7 +286,7 @@
           <a:p>
             <a:fld id="{0C572C61-C509-4714-B304-DEF8ECAB5EC0}" type="datetimeFigureOut">
               <a:rPr lang="ko-KR" altLang="en-US" smtClean="0"/>
-              <a:t>2020-12-18</a:t>
+              <a:t>2020-12-19</a:t>
             </a:fld>
             <a:endParaRPr lang="ko-KR" altLang="en-US"/>
           </a:p>
@@ -481,7 +484,7 @@
           <a:p>
             <a:fld id="{0C572C61-C509-4714-B304-DEF8ECAB5EC0}" type="datetimeFigureOut">
               <a:rPr lang="ko-KR" altLang="en-US" smtClean="0"/>
-              <a:t>2020-12-18</a:t>
+              <a:t>2020-12-19</a:t>
             </a:fld>
             <a:endParaRPr lang="ko-KR" altLang="en-US"/>
           </a:p>
@@ -689,7 +692,7 @@
           <a:p>
             <a:fld id="{0C572C61-C509-4714-B304-DEF8ECAB5EC0}" type="datetimeFigureOut">
               <a:rPr lang="ko-KR" altLang="en-US" smtClean="0"/>
-              <a:t>2020-12-18</a:t>
+              <a:t>2020-12-19</a:t>
             </a:fld>
             <a:endParaRPr lang="ko-KR" altLang="en-US"/>
           </a:p>
@@ -887,7 +890,7 @@
           <a:p>
             <a:fld id="{0C572C61-C509-4714-B304-DEF8ECAB5EC0}" type="datetimeFigureOut">
               <a:rPr lang="ko-KR" altLang="en-US" smtClean="0"/>
-              <a:t>2020-12-18</a:t>
+              <a:t>2020-12-19</a:t>
             </a:fld>
             <a:endParaRPr lang="ko-KR" altLang="en-US"/>
           </a:p>
@@ -1162,7 +1165,7 @@
           <a:p>
             <a:fld id="{0C572C61-C509-4714-B304-DEF8ECAB5EC0}" type="datetimeFigureOut">
               <a:rPr lang="ko-KR" altLang="en-US" smtClean="0"/>
-              <a:t>2020-12-18</a:t>
+              <a:t>2020-12-19</a:t>
             </a:fld>
             <a:endParaRPr lang="ko-KR" altLang="en-US"/>
           </a:p>
@@ -1427,7 +1430,7 @@
           <a:p>
             <a:fld id="{0C572C61-C509-4714-B304-DEF8ECAB5EC0}" type="datetimeFigureOut">
               <a:rPr lang="ko-KR" altLang="en-US" smtClean="0"/>
-              <a:t>2020-12-18</a:t>
+              <a:t>2020-12-19</a:t>
             </a:fld>
             <a:endParaRPr lang="ko-KR" altLang="en-US"/>
           </a:p>
@@ -1839,7 +1842,7 @@
           <a:p>
             <a:fld id="{0C572C61-C509-4714-B304-DEF8ECAB5EC0}" type="datetimeFigureOut">
               <a:rPr lang="ko-KR" altLang="en-US" smtClean="0"/>
-              <a:t>2020-12-18</a:t>
+              <a:t>2020-12-19</a:t>
             </a:fld>
             <a:endParaRPr lang="ko-KR" altLang="en-US"/>
           </a:p>
@@ -1980,7 +1983,7 @@
           <a:p>
             <a:fld id="{0C572C61-C509-4714-B304-DEF8ECAB5EC0}" type="datetimeFigureOut">
               <a:rPr lang="ko-KR" altLang="en-US" smtClean="0"/>
-              <a:t>2020-12-18</a:t>
+              <a:t>2020-12-19</a:t>
             </a:fld>
             <a:endParaRPr lang="ko-KR" altLang="en-US"/>
           </a:p>
@@ -2093,7 +2096,7 @@
           <a:p>
             <a:fld id="{0C572C61-C509-4714-B304-DEF8ECAB5EC0}" type="datetimeFigureOut">
               <a:rPr lang="ko-KR" altLang="en-US" smtClean="0"/>
-              <a:t>2020-12-18</a:t>
+              <a:t>2020-12-19</a:t>
             </a:fld>
             <a:endParaRPr lang="ko-KR" altLang="en-US"/>
           </a:p>
@@ -2404,7 +2407,7 @@
           <a:p>
             <a:fld id="{0C572C61-C509-4714-B304-DEF8ECAB5EC0}" type="datetimeFigureOut">
               <a:rPr lang="ko-KR" altLang="en-US" smtClean="0"/>
-              <a:t>2020-12-18</a:t>
+              <a:t>2020-12-19</a:t>
             </a:fld>
             <a:endParaRPr lang="ko-KR" altLang="en-US"/>
           </a:p>
@@ -2692,7 +2695,7 @@
           <a:p>
             <a:fld id="{0C572C61-C509-4714-B304-DEF8ECAB5EC0}" type="datetimeFigureOut">
               <a:rPr lang="ko-KR" altLang="en-US" smtClean="0"/>
-              <a:t>2020-12-18</a:t>
+              <a:t>2020-12-19</a:t>
             </a:fld>
             <a:endParaRPr lang="ko-KR" altLang="en-US"/>
           </a:p>
@@ -2933,7 +2936,7 @@
           <a:p>
             <a:fld id="{0C572C61-C509-4714-B304-DEF8ECAB5EC0}" type="datetimeFigureOut">
               <a:rPr lang="ko-KR" altLang="en-US" smtClean="0"/>
-              <a:t>2020-12-18</a:t>
+              <a:t>2020-12-19</a:t>
             </a:fld>
             <a:endParaRPr lang="ko-KR" altLang="en-US"/>
           </a:p>
@@ -17584,6 +17587,495 @@
 </p:sld>
 </file>
 
+<file path=ppt/slides/slide26.xml><?xml version="1.0" encoding="utf-8"?>
+<p:sld xmlns:a="http://schemas.openxmlformats.org/drawingml/2006/main" xmlns:r="http://schemas.openxmlformats.org/officeDocument/2006/relationships" xmlns:p="http://schemas.openxmlformats.org/presentationml/2006/main">
+  <p:cSld>
+    <p:spTree>
+      <p:nvGrpSpPr>
+        <p:cNvPr id="1" name=""/>
+        <p:cNvGrpSpPr/>
+        <p:nvPr/>
+      </p:nvGrpSpPr>
+      <p:grpSpPr>
+        <a:xfrm>
+          <a:off x="0" y="0"/>
+          <a:ext cx="0" cy="0"/>
+          <a:chOff x="0" y="0"/>
+          <a:chExt cx="0" cy="0"/>
+        </a:xfrm>
+      </p:grpSpPr>
+      <p:sp>
+        <p:nvSpPr>
+          <p:cNvPr id="2" name="제목 1">
+            <a:extLst>
+              <a:ext uri="{FF2B5EF4-FFF2-40B4-BE49-F238E27FC236}">
+                <a16:creationId xmlns:a16="http://schemas.microsoft.com/office/drawing/2014/main" id="{E868E1AC-D831-4FFB-AC85-372FCBCBB55A}"/>
+              </a:ext>
+            </a:extLst>
+          </p:cNvPr>
+          <p:cNvSpPr>
+            <a:spLocks noGrp="1"/>
+          </p:cNvSpPr>
+          <p:nvPr>
+            <p:ph type="title"/>
+          </p:nvPr>
+        </p:nvSpPr>
+        <p:spPr/>
+        <p:txBody>
+          <a:bodyPr/>
+          <a:lstStyle/>
+          <a:p>
+            <a:r>
+              <a:rPr lang="en-US" altLang="ko-KR" dirty="0" err="1"/>
+              <a:t>RxAndroid</a:t>
+            </a:r>
+            <a:r>
+              <a:rPr lang="en-US" altLang="ko-KR" dirty="0"/>
+              <a:t>, </a:t>
+            </a:r>
+            <a:r>
+              <a:rPr lang="en-US" altLang="ko-KR" dirty="0" err="1"/>
+              <a:t>reactivex</a:t>
+            </a:r>
+            <a:r>
+              <a:rPr lang="ko-KR" altLang="en-US" dirty="0"/>
+              <a:t>란</a:t>
+            </a:r>
+            <a:r>
+              <a:rPr lang="en-US" altLang="ko-KR" dirty="0"/>
+              <a:t>?</a:t>
+            </a:r>
+            <a:endParaRPr lang="ko-KR" altLang="en-US" dirty="0"/>
+          </a:p>
+        </p:txBody>
+      </p:sp>
+      <p:sp>
+        <p:nvSpPr>
+          <p:cNvPr id="3" name="내용 개체 틀 2">
+            <a:extLst>
+              <a:ext uri="{FF2B5EF4-FFF2-40B4-BE49-F238E27FC236}">
+                <a16:creationId xmlns:a16="http://schemas.microsoft.com/office/drawing/2014/main" id="{24CAE832-CCA8-40C8-924C-AA0964EC28D1}"/>
+              </a:ext>
+            </a:extLst>
+          </p:cNvPr>
+          <p:cNvSpPr>
+            <a:spLocks noGrp="1"/>
+          </p:cNvSpPr>
+          <p:nvPr>
+            <p:ph idx="1"/>
+          </p:nvPr>
+        </p:nvSpPr>
+        <p:spPr/>
+        <p:txBody>
+          <a:bodyPr>
+            <a:normAutofit fontScale="77500" lnSpcReduction="20000"/>
+          </a:bodyPr>
+          <a:lstStyle/>
+          <a:p>
+            <a:r>
+              <a:rPr lang="en-US" altLang="ko-KR" dirty="0" err="1"/>
+              <a:t>RxAndroid</a:t>
+            </a:r>
+            <a:r>
+              <a:rPr lang="ko-KR" altLang="en-US" dirty="0"/>
+              <a:t>는 </a:t>
+            </a:r>
+            <a:r>
+              <a:rPr lang="en-US" altLang="ko-KR" dirty="0" err="1"/>
+              <a:t>ReactiveX</a:t>
+            </a:r>
+            <a:r>
+              <a:rPr lang="en-US" altLang="ko-KR" dirty="0"/>
+              <a:t> </a:t>
+            </a:r>
+            <a:r>
+              <a:rPr lang="ko-KR" altLang="en-US" dirty="0"/>
+              <a:t>관련기능을 쉽고 간결하게 사용할 수 있는 라이브러리</a:t>
+            </a:r>
+            <a:endParaRPr lang="en-US" altLang="ko-KR" dirty="0"/>
+          </a:p>
+          <a:p>
+            <a:endParaRPr lang="en-US" altLang="ko-KR" dirty="0"/>
+          </a:p>
+          <a:p>
+            <a:r>
+              <a:rPr lang="ko-KR" altLang="en-US" dirty="0"/>
+              <a:t>스레드 사용에 있어 편하게 해준다</a:t>
+            </a:r>
+            <a:r>
+              <a:rPr lang="en-US" altLang="ko-KR" dirty="0"/>
+              <a:t>.</a:t>
+            </a:r>
+          </a:p>
+          <a:p>
+            <a:r>
+              <a:rPr lang="ko-KR" altLang="en-US" dirty="0"/>
+              <a:t>비동기 구조에서 에러 다루기 쉽다</a:t>
+            </a:r>
+            <a:r>
+              <a:rPr lang="en-US" altLang="ko-KR" dirty="0"/>
+              <a:t>.</a:t>
+            </a:r>
+          </a:p>
+          <a:p>
+            <a:endParaRPr lang="en-US" altLang="ko-KR" dirty="0"/>
+          </a:p>
+          <a:p>
+            <a:r>
+              <a:rPr lang="ko-KR" altLang="en-US" dirty="0"/>
+              <a:t>기존의 비동기 방식</a:t>
+            </a:r>
+            <a:endParaRPr lang="en-US" altLang="ko-KR" dirty="0"/>
+          </a:p>
+          <a:p>
+            <a:r>
+              <a:rPr lang="ko-KR" altLang="en-US" dirty="0"/>
+              <a:t>비동기 작업 </a:t>
+            </a:r>
+            <a:r>
+              <a:rPr lang="en-US" altLang="ko-KR" dirty="0"/>
+              <a:t>A</a:t>
+            </a:r>
+            <a:r>
+              <a:rPr lang="ko-KR" altLang="en-US" dirty="0"/>
+              <a:t>를</a:t>
+            </a:r>
+            <a:r>
+              <a:rPr lang="en-US" altLang="ko-KR" dirty="0"/>
+              <a:t> </a:t>
+            </a:r>
+            <a:r>
+              <a:rPr lang="ko-KR" altLang="en-US" dirty="0"/>
+              <a:t>하면 </a:t>
+            </a:r>
+            <a:r>
+              <a:rPr lang="en-US" altLang="ko-KR" dirty="0"/>
+              <a:t>B</a:t>
+            </a:r>
+            <a:r>
+              <a:rPr lang="ko-KR" altLang="en-US" dirty="0"/>
+              <a:t>를 한다</a:t>
+            </a:r>
+            <a:r>
+              <a:rPr lang="en-US" altLang="ko-KR" dirty="0"/>
+              <a:t>.</a:t>
+            </a:r>
+          </a:p>
+          <a:p>
+            <a:endParaRPr lang="en-US" altLang="ko-KR" dirty="0"/>
+          </a:p>
+          <a:p>
+            <a:r>
+              <a:rPr lang="en-US" altLang="ko-KR" dirty="0" err="1"/>
+              <a:t>ReactiveX</a:t>
+            </a:r>
+            <a:r>
+              <a:rPr lang="ko-KR" altLang="en-US" dirty="0"/>
+              <a:t>의 비동기 방식</a:t>
+            </a:r>
+            <a:r>
+              <a:rPr lang="en-US" altLang="ko-KR" dirty="0"/>
+              <a:t>?</a:t>
+            </a:r>
+          </a:p>
+          <a:p>
+            <a:r>
+              <a:rPr lang="ko-KR" altLang="en-US" dirty="0"/>
+              <a:t>비동기 작업 </a:t>
+            </a:r>
+            <a:r>
+              <a:rPr lang="en-US" altLang="ko-KR" dirty="0"/>
+              <a:t>A</a:t>
+            </a:r>
+            <a:r>
+              <a:rPr lang="ko-KR" altLang="en-US" dirty="0"/>
+              <a:t>가</a:t>
+            </a:r>
+            <a:r>
+              <a:rPr lang="en-US" altLang="ko-KR" dirty="0"/>
+              <a:t> </a:t>
+            </a:r>
+            <a:r>
+              <a:rPr lang="ko-KR" altLang="en-US" dirty="0"/>
+              <a:t>이벤트를</a:t>
+            </a:r>
+            <a:r>
+              <a:rPr lang="en-US" altLang="ko-KR" dirty="0"/>
+              <a:t> </a:t>
+            </a:r>
+            <a:r>
+              <a:rPr lang="ko-KR" altLang="en-US" dirty="0"/>
+              <a:t>발행하면 </a:t>
+            </a:r>
+            <a:r>
+              <a:rPr lang="en-US" altLang="ko-KR" dirty="0"/>
+              <a:t>B</a:t>
+            </a:r>
+            <a:r>
+              <a:rPr lang="ko-KR" altLang="en-US" dirty="0"/>
+              <a:t>가</a:t>
+            </a:r>
+            <a:r>
+              <a:rPr lang="en-US" altLang="ko-KR" dirty="0"/>
+              <a:t> </a:t>
+            </a:r>
+            <a:r>
+              <a:rPr lang="ko-KR" altLang="en-US" dirty="0"/>
+              <a:t>구독을 수행한다</a:t>
+            </a:r>
+            <a:r>
+              <a:rPr lang="en-US" altLang="ko-KR" dirty="0"/>
+              <a:t>.</a:t>
+            </a:r>
+          </a:p>
+          <a:p>
+            <a:r>
+              <a:rPr lang="en-US" altLang="ko-KR" dirty="0"/>
+              <a:t>B</a:t>
+            </a:r>
+            <a:r>
+              <a:rPr lang="ko-KR" altLang="en-US" dirty="0"/>
+              <a:t>는 </a:t>
+            </a:r>
+            <a:r>
+              <a:rPr lang="en-US" altLang="ko-KR" dirty="0"/>
+              <a:t>Observer</a:t>
+            </a:r>
+          </a:p>
+          <a:p>
+            <a:endParaRPr lang="en-US" altLang="ko-KR" dirty="0"/>
+          </a:p>
+        </p:txBody>
+      </p:sp>
+    </p:spTree>
+    <p:extLst>
+      <p:ext uri="{BB962C8B-B14F-4D97-AF65-F5344CB8AC3E}">
+        <p14:creationId xmlns:p14="http://schemas.microsoft.com/office/powerpoint/2010/main" val="2667730032"/>
+      </p:ext>
+    </p:extLst>
+  </p:cSld>
+  <p:clrMapOvr>
+    <a:masterClrMapping/>
+  </p:clrMapOvr>
+</p:sld>
+</file>
+
+<file path=ppt/slides/slide27.xml><?xml version="1.0" encoding="utf-8"?>
+<p:sld xmlns:a="http://schemas.openxmlformats.org/drawingml/2006/main" xmlns:r="http://schemas.openxmlformats.org/officeDocument/2006/relationships" xmlns:p="http://schemas.openxmlformats.org/presentationml/2006/main">
+  <p:cSld>
+    <p:spTree>
+      <p:nvGrpSpPr>
+        <p:cNvPr id="1" name=""/>
+        <p:cNvGrpSpPr/>
+        <p:nvPr/>
+      </p:nvGrpSpPr>
+      <p:grpSpPr>
+        <a:xfrm>
+          <a:off x="0" y="0"/>
+          <a:ext cx="0" cy="0"/>
+          <a:chOff x="0" y="0"/>
+          <a:chExt cx="0" cy="0"/>
+        </a:xfrm>
+      </p:grpSpPr>
+      <p:sp>
+        <p:nvSpPr>
+          <p:cNvPr id="2" name="제목 1">
+            <a:extLst>
+              <a:ext uri="{FF2B5EF4-FFF2-40B4-BE49-F238E27FC236}">
+                <a16:creationId xmlns:a16="http://schemas.microsoft.com/office/drawing/2014/main" id="{FC70AAAF-E719-4930-BB0F-25E37847360A}"/>
+              </a:ext>
+            </a:extLst>
+          </p:cNvPr>
+          <p:cNvSpPr>
+            <a:spLocks noGrp="1"/>
+          </p:cNvSpPr>
+          <p:nvPr>
+            <p:ph type="title"/>
+          </p:nvPr>
+        </p:nvSpPr>
+        <p:spPr/>
+        <p:txBody>
+          <a:bodyPr/>
+          <a:lstStyle/>
+          <a:p>
+            <a:r>
+              <a:rPr lang="en-US" altLang="ko-KR" dirty="0"/>
+              <a:t>Rx</a:t>
+            </a:r>
+            <a:r>
+              <a:rPr lang="ko-KR" altLang="en-US" dirty="0"/>
+              <a:t>란</a:t>
+            </a:r>
+            <a:r>
+              <a:rPr lang="en-US" altLang="ko-KR" dirty="0"/>
+              <a:t>?</a:t>
+            </a:r>
+            <a:endParaRPr lang="ko-KR" altLang="en-US" dirty="0"/>
+          </a:p>
+        </p:txBody>
+      </p:sp>
+      <p:sp>
+        <p:nvSpPr>
+          <p:cNvPr id="3" name="내용 개체 틀 2">
+            <a:extLst>
+              <a:ext uri="{FF2B5EF4-FFF2-40B4-BE49-F238E27FC236}">
+                <a16:creationId xmlns:a16="http://schemas.microsoft.com/office/drawing/2014/main" id="{C5899BEF-193E-4B17-ACE3-2018A07508B8}"/>
+              </a:ext>
+            </a:extLst>
+          </p:cNvPr>
+          <p:cNvSpPr>
+            <a:spLocks noGrp="1"/>
+          </p:cNvSpPr>
+          <p:nvPr>
+            <p:ph idx="1"/>
+          </p:nvPr>
+        </p:nvSpPr>
+        <p:spPr/>
+        <p:txBody>
+          <a:bodyPr/>
+          <a:lstStyle/>
+          <a:p>
+            <a:r>
+              <a:rPr lang="en-US" altLang="ko-KR" dirty="0"/>
+              <a:t>Observable</a:t>
+            </a:r>
+          </a:p>
+          <a:p>
+            <a:r>
+              <a:rPr lang="ko-KR" altLang="en-US" dirty="0"/>
+              <a:t>이벤트</a:t>
+            </a:r>
+            <a:r>
+              <a:rPr lang="en-US" altLang="ko-KR" dirty="0"/>
+              <a:t> </a:t>
+            </a:r>
+            <a:r>
+              <a:rPr lang="ko-KR" altLang="en-US" dirty="0"/>
+              <a:t>발행 주체</a:t>
+            </a:r>
+            <a:endParaRPr lang="en-US" altLang="ko-KR" dirty="0"/>
+          </a:p>
+          <a:p>
+            <a:r>
+              <a:rPr lang="en-US" altLang="ko-KR" dirty="0"/>
+              <a:t>Observer</a:t>
+            </a:r>
+            <a:r>
+              <a:rPr lang="ko-KR" altLang="en-US" dirty="0"/>
+              <a:t>를 </a:t>
+            </a:r>
+            <a:r>
+              <a:rPr lang="ko-KR" altLang="en-US" dirty="0" err="1"/>
+              <a:t>구독시키면</a:t>
+            </a:r>
+            <a:r>
+              <a:rPr lang="ko-KR" altLang="en-US" dirty="0"/>
+              <a:t> </a:t>
+            </a:r>
+            <a:r>
+              <a:rPr lang="en-US" altLang="ko-KR" dirty="0"/>
+              <a:t>(subscribe())</a:t>
+            </a:r>
+          </a:p>
+          <a:p>
+            <a:r>
+              <a:rPr lang="ko-KR" altLang="en-US" dirty="0"/>
+              <a:t>이벤트 발생 시 구독 중인 </a:t>
+            </a:r>
+            <a:r>
+              <a:rPr lang="en-US" altLang="ko-KR" dirty="0"/>
+              <a:t>Observer</a:t>
+            </a:r>
+            <a:r>
+              <a:rPr lang="ko-KR" altLang="en-US" dirty="0"/>
+              <a:t>의</a:t>
+            </a:r>
+            <a:r>
+              <a:rPr lang="en-US" altLang="ko-KR" dirty="0"/>
+              <a:t> </a:t>
+            </a:r>
+            <a:r>
+              <a:rPr lang="en-US" altLang="ko-KR" dirty="0" err="1"/>
+              <a:t>onNext</a:t>
+            </a:r>
+            <a:r>
+              <a:rPr lang="ko-KR" altLang="en-US" dirty="0"/>
+              <a:t>를 수행</a:t>
+            </a:r>
+            <a:endParaRPr lang="en-US" altLang="ko-KR" dirty="0"/>
+          </a:p>
+          <a:p>
+            <a:r>
+              <a:rPr lang="en-US" altLang="ko-KR" dirty="0"/>
+              <a:t>Rx</a:t>
+            </a:r>
+            <a:r>
+              <a:rPr lang="ko-KR" altLang="en-US" dirty="0"/>
+              <a:t>를 이용해 최근에 </a:t>
+            </a:r>
+            <a:r>
+              <a:rPr lang="ko-KR" altLang="en-US" dirty="0" err="1"/>
+              <a:t>디프리케이티드</a:t>
+            </a:r>
+            <a:r>
+              <a:rPr lang="ko-KR" altLang="en-US" dirty="0"/>
+              <a:t> 된 </a:t>
+            </a:r>
+            <a:r>
+              <a:rPr lang="en-US" altLang="ko-KR" dirty="0" err="1"/>
+              <a:t>asynctask</a:t>
+            </a:r>
+            <a:r>
+              <a:rPr lang="ko-KR" altLang="en-US" dirty="0"/>
+              <a:t>를 대체 할 수 있음</a:t>
+            </a:r>
+            <a:endParaRPr lang="en-US" altLang="ko-KR" dirty="0"/>
+          </a:p>
+        </p:txBody>
+      </p:sp>
+    </p:spTree>
+    <p:extLst>
+      <p:ext uri="{BB962C8B-B14F-4D97-AF65-F5344CB8AC3E}">
+        <p14:creationId xmlns:p14="http://schemas.microsoft.com/office/powerpoint/2010/main" val="575089901"/>
+      </p:ext>
+    </p:extLst>
+  </p:cSld>
+  <p:clrMapOvr>
+    <a:masterClrMapping/>
+  </p:clrMapOvr>
+</p:sld>
+</file>
+
+<file path=ppt/slides/slide28.xml><?xml version="1.0" encoding="utf-8"?>
+<p:sld xmlns:a="http://schemas.openxmlformats.org/drawingml/2006/main" xmlns:r="http://schemas.openxmlformats.org/officeDocument/2006/relationships" xmlns:p="http://schemas.openxmlformats.org/presentationml/2006/main">
+  <p:cSld>
+    <p:spTree>
+      <p:nvGrpSpPr>
+        <p:cNvPr id="1" name=""/>
+        <p:cNvGrpSpPr/>
+        <p:nvPr/>
+      </p:nvGrpSpPr>
+      <p:grpSpPr>
+        <a:xfrm>
+          <a:off x="0" y="0"/>
+          <a:ext cx="0" cy="0"/>
+          <a:chOff x="0" y="0"/>
+          <a:chExt cx="0" cy="0"/>
+        </a:xfrm>
+      </p:grpSpPr>
+    </p:spTree>
+    <p:extLst>
+      <p:ext uri="{BB962C8B-B14F-4D97-AF65-F5344CB8AC3E}">
+        <p14:creationId xmlns:p14="http://schemas.microsoft.com/office/powerpoint/2010/main" val="1466667355"/>
+      </p:ext>
+    </p:extLst>
+  </p:cSld>
+  <p:clrMapOvr>
+    <a:masterClrMapping/>
+  </p:clrMapOvr>
+</p:sld>
+</file>
+
 <file path=ppt/slides/slide3.xml><?xml version="1.0" encoding="utf-8"?>
 <p:sld xmlns:a="http://schemas.openxmlformats.org/drawingml/2006/main" xmlns:r="http://schemas.openxmlformats.org/officeDocument/2006/relationships" xmlns:p="http://schemas.openxmlformats.org/presentationml/2006/main">
   <p:cSld>

--- a/학습자료/학습 정리.pptx
+++ b/학습자료/학습 정리.pptx
@@ -32,7 +32,15 @@
     <p:sldId id="280" r:id="rId26"/>
     <p:sldId id="281" r:id="rId27"/>
     <p:sldId id="282" r:id="rId28"/>
-    <p:sldId id="283" r:id="rId29"/>
+    <p:sldId id="284" r:id="rId29"/>
+    <p:sldId id="285" r:id="rId30"/>
+    <p:sldId id="286" r:id="rId31"/>
+    <p:sldId id="287" r:id="rId32"/>
+    <p:sldId id="288" r:id="rId33"/>
+    <p:sldId id="289" r:id="rId34"/>
+    <p:sldId id="290" r:id="rId35"/>
+    <p:sldId id="291" r:id="rId36"/>
+    <p:sldId id="292" r:id="rId37"/>
   </p:sldIdLst>
   <p:sldSz cx="12192000" cy="6858000"/>
   <p:notesSz cx="6858000" cy="9144000"/>
@@ -286,7 +294,7 @@
           <a:p>
             <a:fld id="{0C572C61-C509-4714-B304-DEF8ECAB5EC0}" type="datetimeFigureOut">
               <a:rPr lang="ko-KR" altLang="en-US" smtClean="0"/>
-              <a:t>2020-12-19</a:t>
+              <a:t>2020-12-29</a:t>
             </a:fld>
             <a:endParaRPr lang="ko-KR" altLang="en-US"/>
           </a:p>
@@ -484,7 +492,7 @@
           <a:p>
             <a:fld id="{0C572C61-C509-4714-B304-DEF8ECAB5EC0}" type="datetimeFigureOut">
               <a:rPr lang="ko-KR" altLang="en-US" smtClean="0"/>
-              <a:t>2020-12-19</a:t>
+              <a:t>2020-12-29</a:t>
             </a:fld>
             <a:endParaRPr lang="ko-KR" altLang="en-US"/>
           </a:p>
@@ -692,7 +700,7 @@
           <a:p>
             <a:fld id="{0C572C61-C509-4714-B304-DEF8ECAB5EC0}" type="datetimeFigureOut">
               <a:rPr lang="ko-KR" altLang="en-US" smtClean="0"/>
-              <a:t>2020-12-19</a:t>
+              <a:t>2020-12-29</a:t>
             </a:fld>
             <a:endParaRPr lang="ko-KR" altLang="en-US"/>
           </a:p>
@@ -890,7 +898,7 @@
           <a:p>
             <a:fld id="{0C572C61-C509-4714-B304-DEF8ECAB5EC0}" type="datetimeFigureOut">
               <a:rPr lang="ko-KR" altLang="en-US" smtClean="0"/>
-              <a:t>2020-12-19</a:t>
+              <a:t>2020-12-29</a:t>
             </a:fld>
             <a:endParaRPr lang="ko-KR" altLang="en-US"/>
           </a:p>
@@ -1165,7 +1173,7 @@
           <a:p>
             <a:fld id="{0C572C61-C509-4714-B304-DEF8ECAB5EC0}" type="datetimeFigureOut">
               <a:rPr lang="ko-KR" altLang="en-US" smtClean="0"/>
-              <a:t>2020-12-19</a:t>
+              <a:t>2020-12-29</a:t>
             </a:fld>
             <a:endParaRPr lang="ko-KR" altLang="en-US"/>
           </a:p>
@@ -1430,7 +1438,7 @@
           <a:p>
             <a:fld id="{0C572C61-C509-4714-B304-DEF8ECAB5EC0}" type="datetimeFigureOut">
               <a:rPr lang="ko-KR" altLang="en-US" smtClean="0"/>
-              <a:t>2020-12-19</a:t>
+              <a:t>2020-12-29</a:t>
             </a:fld>
             <a:endParaRPr lang="ko-KR" altLang="en-US"/>
           </a:p>
@@ -1842,7 +1850,7 @@
           <a:p>
             <a:fld id="{0C572C61-C509-4714-B304-DEF8ECAB5EC0}" type="datetimeFigureOut">
               <a:rPr lang="ko-KR" altLang="en-US" smtClean="0"/>
-              <a:t>2020-12-19</a:t>
+              <a:t>2020-12-29</a:t>
             </a:fld>
             <a:endParaRPr lang="ko-KR" altLang="en-US"/>
           </a:p>
@@ -1983,7 +1991,7 @@
           <a:p>
             <a:fld id="{0C572C61-C509-4714-B304-DEF8ECAB5EC0}" type="datetimeFigureOut">
               <a:rPr lang="ko-KR" altLang="en-US" smtClean="0"/>
-              <a:t>2020-12-19</a:t>
+              <a:t>2020-12-29</a:t>
             </a:fld>
             <a:endParaRPr lang="ko-KR" altLang="en-US"/>
           </a:p>
@@ -2096,7 +2104,7 @@
           <a:p>
             <a:fld id="{0C572C61-C509-4714-B304-DEF8ECAB5EC0}" type="datetimeFigureOut">
               <a:rPr lang="ko-KR" altLang="en-US" smtClean="0"/>
-              <a:t>2020-12-19</a:t>
+              <a:t>2020-12-29</a:t>
             </a:fld>
             <a:endParaRPr lang="ko-KR" altLang="en-US"/>
           </a:p>
@@ -2407,7 +2415,7 @@
           <a:p>
             <a:fld id="{0C572C61-C509-4714-B304-DEF8ECAB5EC0}" type="datetimeFigureOut">
               <a:rPr lang="ko-KR" altLang="en-US" smtClean="0"/>
-              <a:t>2020-12-19</a:t>
+              <a:t>2020-12-29</a:t>
             </a:fld>
             <a:endParaRPr lang="ko-KR" altLang="en-US"/>
           </a:p>
@@ -2695,7 +2703,7 @@
           <a:p>
             <a:fld id="{0C572C61-C509-4714-B304-DEF8ECAB5EC0}" type="datetimeFigureOut">
               <a:rPr lang="ko-KR" altLang="en-US" smtClean="0"/>
-              <a:t>2020-12-19</a:t>
+              <a:t>2020-12-29</a:t>
             </a:fld>
             <a:endParaRPr lang="ko-KR" altLang="en-US"/>
           </a:p>
@@ -2936,7 +2944,7 @@
           <a:p>
             <a:fld id="{0C572C61-C509-4714-B304-DEF8ECAB5EC0}" type="datetimeFigureOut">
               <a:rPr lang="ko-KR" altLang="en-US" smtClean="0"/>
-              <a:t>2020-12-19</a:t>
+              <a:t>2020-12-29</a:t>
             </a:fld>
             <a:endParaRPr lang="ko-KR" altLang="en-US"/>
           </a:p>
@@ -18049,6 +18057,14 @@
 <file path=ppt/slides/slide28.xml><?xml version="1.0" encoding="utf-8"?>
 <p:sld xmlns:a="http://schemas.openxmlformats.org/drawingml/2006/main" xmlns:r="http://schemas.openxmlformats.org/officeDocument/2006/relationships" xmlns:p="http://schemas.openxmlformats.org/presentationml/2006/main">
   <p:cSld>
+    <p:bg>
+      <p:bgPr>
+        <a:solidFill>
+          <a:schemeClr val="bg1"/>
+        </a:solidFill>
+        <a:effectLst/>
+      </p:bgPr>
+    </p:bg>
     <p:spTree>
       <p:nvGrpSpPr>
         <p:cNvPr id="1" name=""/>
@@ -18063,10 +18079,896 @@
           <a:chExt cx="0" cy="0"/>
         </a:xfrm>
       </p:grpSpPr>
+      <p:sp useBgFill="1">
+        <p:nvSpPr>
+          <p:cNvPr id="44" name="Rectangle 32">
+            <a:extLst>
+              <a:ext uri="{FF2B5EF4-FFF2-40B4-BE49-F238E27FC236}">
+                <a16:creationId xmlns:a16="http://schemas.microsoft.com/office/drawing/2014/main" id="{201CC55D-ED54-4C5C-95E6-10947BD1103B}"/>
+              </a:ext>
+              <a:ext uri="{C183D7F6-B498-43B3-948B-1728B52AA6E4}">
+                <adec:decorative xmlns:adec="http://schemas.microsoft.com/office/drawing/2017/decorative" val="1"/>
+              </a:ext>
+            </a:extLst>
+          </p:cNvPr>
+          <p:cNvSpPr>
+            <a:spLocks noGrp="1" noRot="1" noChangeAspect="1" noMove="1" noResize="1" noEditPoints="1" noAdjustHandles="1" noChangeArrowheads="1" noChangeShapeType="1" noTextEdit="1"/>
+          </p:cNvSpPr>
+          <p:nvPr>
+            <p:extLst>
+              <p:ext uri="{386F3935-93C4-4BCD-93E2-E3B085C9AB24}">
+                <p16:designElem xmlns:p16="http://schemas.microsoft.com/office/powerpoint/2015/main" val="1"/>
+              </p:ext>
+            </p:extLst>
+          </p:nvPr>
+        </p:nvSpPr>
+        <p:spPr>
+          <a:xfrm>
+            <a:off x="0" y="0"/>
+            <a:ext cx="12191999" cy="6857365"/>
+          </a:xfrm>
+          <a:prstGeom prst="rect">
+            <a:avLst/>
+          </a:prstGeom>
+          <a:ln>
+            <a:noFill/>
+          </a:ln>
+        </p:spPr>
+        <p:style>
+          <a:lnRef idx="2">
+            <a:schemeClr val="accent1">
+              <a:shade val="50000"/>
+            </a:schemeClr>
+          </a:lnRef>
+          <a:fillRef idx="1">
+            <a:schemeClr val="accent1"/>
+          </a:fillRef>
+          <a:effectRef idx="0">
+            <a:schemeClr val="accent1"/>
+          </a:effectRef>
+          <a:fontRef idx="minor">
+            <a:schemeClr val="lt1"/>
+          </a:fontRef>
+        </p:style>
+        <p:txBody>
+          <a:bodyPr rtlCol="0" anchor="ctr"/>
+          <a:lstStyle/>
+          <a:p>
+            <a:pPr algn="ctr"/>
+            <a:endParaRPr lang="en-US"/>
+          </a:p>
+        </p:txBody>
+      </p:sp>
+      <p:sp>
+        <p:nvSpPr>
+          <p:cNvPr id="11" name="제목 10">
+            <a:extLst>
+              <a:ext uri="{FF2B5EF4-FFF2-40B4-BE49-F238E27FC236}">
+                <a16:creationId xmlns:a16="http://schemas.microsoft.com/office/drawing/2014/main" id="{EB1E2AED-6BE4-4A2A-8C7F-1C5235866F05}"/>
+              </a:ext>
+            </a:extLst>
+          </p:cNvPr>
+          <p:cNvSpPr>
+            <a:spLocks noGrp="1"/>
+          </p:cNvSpPr>
+          <p:nvPr>
+            <p:ph type="title"/>
+          </p:nvPr>
+        </p:nvSpPr>
+        <p:spPr>
+          <a:xfrm>
+            <a:off x="589560" y="856180"/>
+            <a:ext cx="4560584" cy="1128068"/>
+          </a:xfrm>
+        </p:spPr>
+        <p:txBody>
+          <a:bodyPr anchor="ctr">
+            <a:normAutofit/>
+          </a:bodyPr>
+          <a:lstStyle/>
+          <a:p>
+            <a:r>
+              <a:rPr lang="en-US" altLang="ko-KR" sz="4000"/>
+              <a:t>MVC</a:t>
+            </a:r>
+            <a:endParaRPr lang="ko-KR" altLang="en-US" sz="4000"/>
+          </a:p>
+        </p:txBody>
+      </p:sp>
+      <p:grpSp>
+        <p:nvGrpSpPr>
+          <p:cNvPr id="45" name="Group 34">
+            <a:extLst>
+              <a:ext uri="{FF2B5EF4-FFF2-40B4-BE49-F238E27FC236}">
+                <a16:creationId xmlns:a16="http://schemas.microsoft.com/office/drawing/2014/main" id="{1DE889C7-FAD6-4397-98E2-05D503484459}"/>
+              </a:ext>
+              <a:ext uri="{C183D7F6-B498-43B3-948B-1728B52AA6E4}">
+                <adec:decorative xmlns:adec="http://schemas.microsoft.com/office/drawing/2017/decorative" val="1"/>
+              </a:ext>
+            </a:extLst>
+          </p:cNvPr>
+          <p:cNvGrpSpPr>
+            <a:grpSpLocks noGrp="1" noUngrp="1" noRot="1" noChangeAspect="1" noMove="1" noResize="1"/>
+          </p:cNvGrpSpPr>
+          <p:nvPr>
+            <p:extLst>
+              <p:ext uri="{386F3935-93C4-4BCD-93E2-E3B085C9AB24}">
+                <p16:designElem xmlns:p16="http://schemas.microsoft.com/office/powerpoint/2015/main" val="1"/>
+              </p:ext>
+            </p:extLst>
+          </p:nvPr>
+        </p:nvGrpSpPr>
+        <p:grpSpPr>
+          <a:xfrm>
+            <a:off x="0" y="1083484"/>
+            <a:ext cx="355196" cy="673460"/>
+            <a:chOff x="0" y="823811"/>
+            <a:chExt cx="355196" cy="673460"/>
+          </a:xfrm>
+        </p:grpSpPr>
+        <p:sp>
+          <p:nvSpPr>
+            <p:cNvPr id="36" name="Rectangle 35">
+              <a:extLst>
+                <a:ext uri="{FF2B5EF4-FFF2-40B4-BE49-F238E27FC236}">
+                  <a16:creationId xmlns:a16="http://schemas.microsoft.com/office/drawing/2014/main" id="{F399A70F-F8CD-4992-9EF5-6CF15472E73F}"/>
+                </a:ext>
+                <a:ext uri="{C183D7F6-B498-43B3-948B-1728B52AA6E4}">
+                  <adec:decorative xmlns:adec="http://schemas.microsoft.com/office/drawing/2017/decorative" val="1"/>
+                </a:ext>
+              </a:extLst>
+            </p:cNvPr>
+            <p:cNvSpPr/>
+            <p:nvPr>
+              <p:extLst>
+                <p:ext uri="{386F3935-93C4-4BCD-93E2-E3B085C9AB24}">
+                  <p16:designElem xmlns:p16="http://schemas.microsoft.com/office/powerpoint/2015/main" val="1"/>
+                </p:ext>
+              </p:extLst>
+            </p:nvPr>
+          </p:nvSpPr>
+          <p:spPr>
+            <a:xfrm>
+              <a:off x="0" y="823811"/>
+              <a:ext cx="87363" cy="673460"/>
+            </a:xfrm>
+            <a:prstGeom prst="rect">
+              <a:avLst/>
+            </a:prstGeom>
+            <a:solidFill>
+              <a:schemeClr val="accent4"/>
+            </a:solidFill>
+            <a:ln>
+              <a:noFill/>
+            </a:ln>
+          </p:spPr>
+          <p:style>
+            <a:lnRef idx="2">
+              <a:schemeClr val="accent1">
+                <a:shade val="50000"/>
+              </a:schemeClr>
+            </a:lnRef>
+            <a:fillRef idx="1">
+              <a:schemeClr val="accent1"/>
+            </a:fillRef>
+            <a:effectRef idx="0">
+              <a:schemeClr val="accent1"/>
+            </a:effectRef>
+            <a:fontRef idx="minor">
+              <a:schemeClr val="lt1"/>
+            </a:fontRef>
+          </p:style>
+          <p:txBody>
+            <a:bodyPr rtlCol="0" anchor="ctr"/>
+            <a:lstStyle/>
+            <a:p>
+              <a:pPr algn="ctr"/>
+              <a:endParaRPr lang="en-US"/>
+            </a:p>
+          </p:txBody>
+        </p:sp>
+        <p:sp>
+          <p:nvSpPr>
+            <p:cNvPr id="46" name="Rectangle 36">
+              <a:extLst>
+                <a:ext uri="{FF2B5EF4-FFF2-40B4-BE49-F238E27FC236}">
+                  <a16:creationId xmlns:a16="http://schemas.microsoft.com/office/drawing/2014/main" id="{48F4FEDC-6D80-458C-A665-075D9B9500FD}"/>
+                </a:ext>
+                <a:ext uri="{C183D7F6-B498-43B3-948B-1728B52AA6E4}">
+                  <adec:decorative xmlns:adec="http://schemas.microsoft.com/office/drawing/2017/decorative" val="1"/>
+                </a:ext>
+              </a:extLst>
+            </p:cNvPr>
+            <p:cNvSpPr/>
+            <p:nvPr>
+              <p:extLst>
+                <p:ext uri="{386F3935-93C4-4BCD-93E2-E3B085C9AB24}">
+                  <p16:designElem xmlns:p16="http://schemas.microsoft.com/office/powerpoint/2015/main" val="1"/>
+                </p:ext>
+              </p:extLst>
+            </p:nvPr>
+          </p:nvSpPr>
+          <p:spPr>
+            <a:xfrm>
+              <a:off x="159341" y="823811"/>
+              <a:ext cx="195855" cy="673460"/>
+            </a:xfrm>
+            <a:prstGeom prst="rect">
+              <a:avLst/>
+            </a:prstGeom>
+            <a:solidFill>
+              <a:schemeClr val="accent4"/>
+            </a:solidFill>
+            <a:ln>
+              <a:noFill/>
+            </a:ln>
+          </p:spPr>
+          <p:style>
+            <a:lnRef idx="2">
+              <a:schemeClr val="accent1">
+                <a:shade val="50000"/>
+              </a:schemeClr>
+            </a:lnRef>
+            <a:fillRef idx="1">
+              <a:schemeClr val="accent1"/>
+            </a:fillRef>
+            <a:effectRef idx="0">
+              <a:schemeClr val="accent1"/>
+            </a:effectRef>
+            <a:fontRef idx="minor">
+              <a:schemeClr val="lt1"/>
+            </a:fontRef>
+          </p:style>
+          <p:txBody>
+            <a:bodyPr rtlCol="0" anchor="ctr"/>
+            <a:lstStyle/>
+            <a:p>
+              <a:pPr algn="ctr"/>
+              <a:endParaRPr lang="en-US"/>
+            </a:p>
+          </p:txBody>
+        </p:sp>
+      </p:grpSp>
+      <p:sp>
+        <p:nvSpPr>
+          <p:cNvPr id="47" name="Rectangle 38">
+            <a:extLst>
+              <a:ext uri="{FF2B5EF4-FFF2-40B4-BE49-F238E27FC236}">
+                <a16:creationId xmlns:a16="http://schemas.microsoft.com/office/drawing/2014/main" id="{3873B707-463F-40B0-8227-E8CC6C67EB25}"/>
+              </a:ext>
+              <a:ext uri="{C183D7F6-B498-43B3-948B-1728B52AA6E4}">
+                <adec:decorative xmlns:adec="http://schemas.microsoft.com/office/drawing/2017/decorative" val="1"/>
+              </a:ext>
+            </a:extLst>
+          </p:cNvPr>
+          <p:cNvSpPr>
+            <a:spLocks noGrp="1" noRot="1" noChangeAspect="1" noMove="1" noResize="1" noEditPoints="1" noAdjustHandles="1" noChangeArrowheads="1" noChangeShapeType="1" noTextEdit="1"/>
+          </p:cNvSpPr>
+          <p:nvPr>
+            <p:extLst>
+              <p:ext uri="{386F3935-93C4-4BCD-93E2-E3B085C9AB24}">
+                <p16:designElem xmlns:p16="http://schemas.microsoft.com/office/powerpoint/2015/main" val="1"/>
+              </p:ext>
+            </p:extLst>
+          </p:nvPr>
+        </p:nvSpPr>
+        <p:spPr>
+          <a:xfrm flipH="1">
+            <a:off x="665085" y="2090569"/>
+            <a:ext cx="4297680" cy="27432"/>
+          </a:xfrm>
+          <a:prstGeom prst="rect">
+            <a:avLst/>
+          </a:prstGeom>
+          <a:solidFill>
+            <a:schemeClr val="accent4"/>
+          </a:solidFill>
+          <a:ln>
+            <a:noFill/>
+          </a:ln>
+        </p:spPr>
+        <p:style>
+          <a:lnRef idx="2">
+            <a:schemeClr val="accent1">
+              <a:shade val="50000"/>
+            </a:schemeClr>
+          </a:lnRef>
+          <a:fillRef idx="1">
+            <a:schemeClr val="accent1"/>
+          </a:fillRef>
+          <a:effectRef idx="0">
+            <a:schemeClr val="accent1"/>
+          </a:effectRef>
+          <a:fontRef idx="minor">
+            <a:schemeClr val="lt1"/>
+          </a:fontRef>
+        </p:style>
+        <p:txBody>
+          <a:bodyPr rtlCol="0" anchor="ctr"/>
+          <a:lstStyle/>
+          <a:p>
+            <a:pPr algn="ctr"/>
+            <a:endParaRPr lang="en-US"/>
+          </a:p>
+        </p:txBody>
+      </p:sp>
+      <p:sp>
+        <p:nvSpPr>
+          <p:cNvPr id="9" name="내용 개체 틀 8">
+            <a:extLst>
+              <a:ext uri="{FF2B5EF4-FFF2-40B4-BE49-F238E27FC236}">
+                <a16:creationId xmlns:a16="http://schemas.microsoft.com/office/drawing/2014/main" id="{8C94680D-4585-4F0B-ADC8-42D913C51B40}"/>
+              </a:ext>
+            </a:extLst>
+          </p:cNvPr>
+          <p:cNvSpPr>
+            <a:spLocks noGrp="1"/>
+          </p:cNvSpPr>
+          <p:nvPr>
+            <p:ph idx="1"/>
+          </p:nvPr>
+        </p:nvSpPr>
+        <p:spPr>
+          <a:xfrm>
+            <a:off x="590719" y="2330505"/>
+            <a:ext cx="4559425" cy="3979585"/>
+          </a:xfrm>
+        </p:spPr>
+        <p:txBody>
+          <a:bodyPr anchor="ctr">
+            <a:normAutofit/>
+          </a:bodyPr>
+          <a:lstStyle/>
+          <a:p>
+            <a:r>
+              <a:rPr lang="en-US" altLang="ko-KR" sz="2000" dirty="0"/>
+              <a:t>View</a:t>
+            </a:r>
+            <a:r>
+              <a:rPr lang="ko-KR" altLang="en-US" sz="2000" dirty="0"/>
+              <a:t>가 화면에 보이는 아이 담당</a:t>
+            </a:r>
+            <a:endParaRPr lang="en-US" altLang="ko-KR" sz="2000" dirty="0"/>
+          </a:p>
+          <a:p>
+            <a:r>
+              <a:rPr lang="en-US" altLang="ko-KR" sz="2000" dirty="0"/>
+              <a:t>Model</a:t>
+            </a:r>
+            <a:r>
+              <a:rPr lang="ko-KR" altLang="en-US" sz="2000" dirty="0"/>
+              <a:t>이 데이터 담당</a:t>
+            </a:r>
+            <a:endParaRPr lang="en-US" altLang="ko-KR" sz="2000" dirty="0"/>
+          </a:p>
+          <a:p>
+            <a:r>
+              <a:rPr lang="en-US" altLang="ko-KR" sz="2000" dirty="0"/>
+              <a:t>Controller</a:t>
+            </a:r>
+            <a:r>
+              <a:rPr lang="ko-KR" altLang="en-US" sz="2000" dirty="0"/>
+              <a:t>는 </a:t>
+            </a:r>
+            <a:r>
+              <a:rPr lang="en-US" altLang="ko-KR" sz="2000" dirty="0"/>
+              <a:t>View</a:t>
+            </a:r>
+            <a:r>
+              <a:rPr lang="ko-KR" altLang="en-US" sz="2000" dirty="0"/>
+              <a:t>와 </a:t>
+            </a:r>
+            <a:r>
+              <a:rPr lang="en-US" altLang="ko-KR" sz="2000" dirty="0"/>
+              <a:t>Model</a:t>
+            </a:r>
+            <a:r>
+              <a:rPr lang="ko-KR" altLang="en-US" sz="2000" dirty="0"/>
+              <a:t>의 제어 담당</a:t>
+            </a:r>
+            <a:endParaRPr lang="en-US" altLang="ko-KR" sz="2000" dirty="0"/>
+          </a:p>
+          <a:p>
+            <a:r>
+              <a:rPr lang="ko-KR" altLang="en-US" sz="2000" dirty="0"/>
+              <a:t>사용자의 인풋도 </a:t>
+            </a:r>
+            <a:r>
+              <a:rPr lang="en-US" altLang="ko-KR" sz="2000" dirty="0"/>
+              <a:t>Controller</a:t>
+            </a:r>
+            <a:r>
+              <a:rPr lang="ko-KR" altLang="en-US" sz="2000" dirty="0"/>
+              <a:t>에서 담당</a:t>
+            </a:r>
+            <a:endParaRPr lang="en-US" altLang="ko-KR" sz="2000" dirty="0"/>
+          </a:p>
+          <a:p>
+            <a:r>
+              <a:rPr lang="en-US" altLang="ko-KR" sz="2000" dirty="0"/>
+              <a:t>Controller</a:t>
+            </a:r>
+            <a:r>
+              <a:rPr lang="ko-KR" altLang="en-US" sz="2000" dirty="0"/>
+              <a:t>가 일이 많다</a:t>
+            </a:r>
+            <a:r>
+              <a:rPr lang="en-US" altLang="ko-KR" sz="2000" dirty="0"/>
+              <a:t>.</a:t>
+            </a:r>
+          </a:p>
+          <a:p>
+            <a:r>
+              <a:rPr lang="ko-KR" altLang="en-US" sz="2000" dirty="0"/>
+              <a:t>처리도 컨트롤러에서 하고 화면에 뿌리는 것도 컨트롤러가 한다</a:t>
+            </a:r>
+            <a:r>
+              <a:rPr lang="en-US" altLang="ko-KR" sz="2000" dirty="0"/>
+              <a:t>.</a:t>
+            </a:r>
+            <a:endParaRPr lang="ko-KR" altLang="en-US" sz="2000" dirty="0"/>
+          </a:p>
+        </p:txBody>
+      </p:sp>
+      <p:sp>
+        <p:nvSpPr>
+          <p:cNvPr id="48" name="Rectangle 40">
+            <a:extLst>
+              <a:ext uri="{FF2B5EF4-FFF2-40B4-BE49-F238E27FC236}">
+                <a16:creationId xmlns:a16="http://schemas.microsoft.com/office/drawing/2014/main" id="{C13237C8-E62C-4F0D-A318-BD6FB6C2D138}"/>
+              </a:ext>
+              <a:ext uri="{C183D7F6-B498-43B3-948B-1728B52AA6E4}">
+                <adec:decorative xmlns:adec="http://schemas.microsoft.com/office/drawing/2017/decorative" val="1"/>
+              </a:ext>
+            </a:extLst>
+          </p:cNvPr>
+          <p:cNvSpPr>
+            <a:spLocks noGrp="1" noRot="1" noChangeAspect="1" noMove="1" noResize="1" noEditPoints="1" noAdjustHandles="1" noChangeArrowheads="1" noChangeShapeType="1" noTextEdit="1"/>
+          </p:cNvSpPr>
+          <p:nvPr>
+            <p:extLst>
+              <p:ext uri="{386F3935-93C4-4BCD-93E2-E3B085C9AB24}">
+                <p16:designElem xmlns:p16="http://schemas.microsoft.com/office/powerpoint/2015/main" val="1"/>
+              </p:ext>
+            </p:extLst>
+          </p:nvPr>
+        </p:nvSpPr>
+        <p:spPr>
+          <a:xfrm flipH="1">
+            <a:off x="10697670" y="0"/>
+            <a:ext cx="1494330" cy="6858000"/>
+          </a:xfrm>
+          <a:prstGeom prst="rect">
+            <a:avLst/>
+          </a:prstGeom>
+          <a:solidFill>
+            <a:schemeClr val="accent4"/>
+          </a:solidFill>
+          <a:ln>
+            <a:noFill/>
+          </a:ln>
+        </p:spPr>
+        <p:style>
+          <a:lnRef idx="2">
+            <a:schemeClr val="accent1">
+              <a:shade val="50000"/>
+            </a:schemeClr>
+          </a:lnRef>
+          <a:fillRef idx="1">
+            <a:schemeClr val="accent1"/>
+          </a:fillRef>
+          <a:effectRef idx="0">
+            <a:schemeClr val="accent1"/>
+          </a:effectRef>
+          <a:fontRef idx="minor">
+            <a:schemeClr val="lt1"/>
+          </a:fontRef>
+        </p:style>
+        <p:txBody>
+          <a:bodyPr rtlCol="0" anchor="ctr"/>
+          <a:lstStyle/>
+          <a:p>
+            <a:pPr algn="ctr"/>
+            <a:endParaRPr lang="en-US"/>
+          </a:p>
+        </p:txBody>
+      </p:sp>
+      <p:sp>
+        <p:nvSpPr>
+          <p:cNvPr id="43" name="Rectangle 42">
+            <a:extLst>
+              <a:ext uri="{FF2B5EF4-FFF2-40B4-BE49-F238E27FC236}">
+                <a16:creationId xmlns:a16="http://schemas.microsoft.com/office/drawing/2014/main" id="{19C9EAEA-39D0-4B0E-A0EB-51E7B26740B1}"/>
+              </a:ext>
+              <a:ext uri="{C183D7F6-B498-43B3-948B-1728B52AA6E4}">
+                <adec:decorative xmlns:adec="http://schemas.microsoft.com/office/drawing/2017/decorative" val="1"/>
+              </a:ext>
+            </a:extLst>
+          </p:cNvPr>
+          <p:cNvSpPr>
+            <a:spLocks noGrp="1" noRot="1" noChangeAspect="1" noMove="1" noResize="1" noEditPoints="1" noAdjustHandles="1" noChangeArrowheads="1" noChangeShapeType="1" noTextEdit="1"/>
+          </p:cNvSpPr>
+          <p:nvPr>
+            <p:extLst>
+              <p:ext uri="{386F3935-93C4-4BCD-93E2-E3B085C9AB24}">
+                <p16:designElem xmlns:p16="http://schemas.microsoft.com/office/powerpoint/2015/main" val="1"/>
+              </p:ext>
+            </p:extLst>
+          </p:nvPr>
+        </p:nvSpPr>
+        <p:spPr>
+          <a:xfrm>
+            <a:off x="5685810" y="513853"/>
+            <a:ext cx="6009366" cy="5834577"/>
+          </a:xfrm>
+          <a:prstGeom prst="rect">
+            <a:avLst/>
+          </a:prstGeom>
+          <a:solidFill>
+            <a:schemeClr val="bg1"/>
+          </a:solidFill>
+          <a:ln>
+            <a:noFill/>
+          </a:ln>
+          <a:effectLst>
+            <a:outerShdw blurRad="139700" dist="127000" dir="5400000" algn="t" rotWithShape="0">
+              <a:prstClr val="black">
+                <a:alpha val="15000"/>
+              </a:prstClr>
+            </a:outerShdw>
+          </a:effectLst>
+        </p:spPr>
+        <p:style>
+          <a:lnRef idx="2">
+            <a:schemeClr val="accent1">
+              <a:shade val="50000"/>
+            </a:schemeClr>
+          </a:lnRef>
+          <a:fillRef idx="1">
+            <a:schemeClr val="accent1"/>
+          </a:fillRef>
+          <a:effectRef idx="0">
+            <a:schemeClr val="accent1"/>
+          </a:effectRef>
+          <a:fontRef idx="minor">
+            <a:schemeClr val="lt1"/>
+          </a:fontRef>
+        </p:style>
+        <p:txBody>
+          <a:bodyPr rtlCol="0" anchor="ctr"/>
+          <a:lstStyle/>
+          <a:p>
+            <a:pPr algn="ctr"/>
+            <a:endParaRPr lang="en-US"/>
+          </a:p>
+        </p:txBody>
+      </p:sp>
+      <p:pic>
+        <p:nvPicPr>
+          <p:cNvPr id="13" name="그림 12">
+            <a:extLst>
+              <a:ext uri="{FF2B5EF4-FFF2-40B4-BE49-F238E27FC236}">
+                <a16:creationId xmlns:a16="http://schemas.microsoft.com/office/drawing/2014/main" id="{AAE6AD41-C52B-45D9-A9F7-5FA6DADABA46}"/>
+              </a:ext>
+            </a:extLst>
+          </p:cNvPr>
+          <p:cNvPicPr>
+            <a:picLocks noChangeAspect="1"/>
+          </p:cNvPicPr>
+          <p:nvPr/>
+        </p:nvPicPr>
+        <p:blipFill rotWithShape="1">
+          <a:blip r:embed="rId2"/>
+          <a:srcRect l="416" r="5067" b="-3"/>
+          <a:stretch/>
+        </p:blipFill>
+        <p:spPr>
+          <a:xfrm>
+            <a:off x="5977788" y="799352"/>
+            <a:ext cx="5425410" cy="5259296"/>
+          </a:xfrm>
+          <a:prstGeom prst="rect">
+            <a:avLst/>
+          </a:prstGeom>
+        </p:spPr>
+      </p:pic>
     </p:spTree>
     <p:extLst>
       <p:ext uri="{BB962C8B-B14F-4D97-AF65-F5344CB8AC3E}">
-        <p14:creationId xmlns:p14="http://schemas.microsoft.com/office/powerpoint/2010/main" val="1466667355"/>
+        <p14:creationId xmlns:p14="http://schemas.microsoft.com/office/powerpoint/2010/main" val="2257565045"/>
+      </p:ext>
+    </p:extLst>
+  </p:cSld>
+  <p:clrMapOvr>
+    <a:masterClrMapping/>
+  </p:clrMapOvr>
+</p:sld>
+</file>
+
+<file path=ppt/slides/slide29.xml><?xml version="1.0" encoding="utf-8"?>
+<p:sld xmlns:a="http://schemas.openxmlformats.org/drawingml/2006/main" xmlns:r="http://schemas.openxmlformats.org/officeDocument/2006/relationships" xmlns:p="http://schemas.openxmlformats.org/presentationml/2006/main">
+  <p:cSld>
+    <p:spTree>
+      <p:nvGrpSpPr>
+        <p:cNvPr id="1" name=""/>
+        <p:cNvGrpSpPr/>
+        <p:nvPr/>
+      </p:nvGrpSpPr>
+      <p:grpSpPr>
+        <a:xfrm>
+          <a:off x="0" y="0"/>
+          <a:ext cx="0" cy="0"/>
+          <a:chOff x="0" y="0"/>
+          <a:chExt cx="0" cy="0"/>
+        </a:xfrm>
+      </p:grpSpPr>
+      <p:sp>
+        <p:nvSpPr>
+          <p:cNvPr id="2" name="제목 1">
+            <a:extLst>
+              <a:ext uri="{FF2B5EF4-FFF2-40B4-BE49-F238E27FC236}">
+                <a16:creationId xmlns:a16="http://schemas.microsoft.com/office/drawing/2014/main" id="{CA30486C-2410-4477-ACF0-6CFD1989B131}"/>
+              </a:ext>
+            </a:extLst>
+          </p:cNvPr>
+          <p:cNvSpPr>
+            <a:spLocks noGrp="1"/>
+          </p:cNvSpPr>
+          <p:nvPr>
+            <p:ph type="title"/>
+          </p:nvPr>
+        </p:nvSpPr>
+        <p:spPr/>
+        <p:txBody>
+          <a:bodyPr/>
+          <a:lstStyle/>
+          <a:p>
+            <a:r>
+              <a:rPr lang="en-US" altLang="ko-KR" dirty="0"/>
+              <a:t>MVP</a:t>
+            </a:r>
+            <a:endParaRPr lang="ko-KR" altLang="en-US" dirty="0"/>
+          </a:p>
+        </p:txBody>
+      </p:sp>
+      <p:sp>
+        <p:nvSpPr>
+          <p:cNvPr id="3" name="내용 개체 틀 2">
+            <a:extLst>
+              <a:ext uri="{FF2B5EF4-FFF2-40B4-BE49-F238E27FC236}">
+                <a16:creationId xmlns:a16="http://schemas.microsoft.com/office/drawing/2014/main" id="{0CC277F9-9745-4960-8BF7-1D4C12AB7DFA}"/>
+              </a:ext>
+            </a:extLst>
+          </p:cNvPr>
+          <p:cNvSpPr>
+            <a:spLocks noGrp="1"/>
+          </p:cNvSpPr>
+          <p:nvPr>
+            <p:ph idx="1"/>
+          </p:nvPr>
+        </p:nvSpPr>
+        <p:spPr>
+          <a:xfrm>
+            <a:off x="635000" y="1927859"/>
+            <a:ext cx="5257800" cy="3925057"/>
+          </a:xfrm>
+        </p:spPr>
+        <p:txBody>
+          <a:bodyPr>
+            <a:normAutofit/>
+          </a:bodyPr>
+          <a:lstStyle/>
+          <a:p>
+            <a:pPr marL="0" indent="0">
+              <a:buNone/>
+            </a:pPr>
+            <a:r>
+              <a:rPr lang="en-US" altLang="ko-KR" sz="2000" dirty="0"/>
+              <a:t>View</a:t>
+            </a:r>
+            <a:r>
+              <a:rPr lang="ko-KR" altLang="en-US" sz="2000" dirty="0"/>
+              <a:t>가 </a:t>
+            </a:r>
+            <a:r>
+              <a:rPr lang="en-US" altLang="ko-KR" sz="2000" dirty="0"/>
+              <a:t>input</a:t>
+            </a:r>
+            <a:r>
+              <a:rPr lang="ko-KR" altLang="en-US" sz="2000" dirty="0"/>
+              <a:t>도 받고 </a:t>
+            </a:r>
+            <a:r>
+              <a:rPr lang="en-US" altLang="ko-KR" sz="2000" dirty="0"/>
+              <a:t>output</a:t>
+            </a:r>
+            <a:r>
+              <a:rPr lang="ko-KR" altLang="en-US" sz="2000" dirty="0"/>
+              <a:t>도 한다</a:t>
+            </a:r>
+            <a:r>
+              <a:rPr lang="en-US" altLang="ko-KR" sz="2000" dirty="0"/>
+              <a:t>.</a:t>
+            </a:r>
+          </a:p>
+          <a:p>
+            <a:pPr marL="0" indent="0">
+              <a:buNone/>
+            </a:pPr>
+            <a:r>
+              <a:rPr lang="ko-KR" altLang="en-US" sz="2000" dirty="0"/>
+              <a:t>하지만 </a:t>
+            </a:r>
+            <a:r>
+              <a:rPr lang="en-US" altLang="ko-KR" sz="2000" dirty="0"/>
+              <a:t>input</a:t>
+            </a:r>
+            <a:r>
+              <a:rPr lang="ko-KR" altLang="en-US" sz="2000" dirty="0"/>
+              <a:t>이 들어오면 </a:t>
+            </a:r>
+            <a:r>
+              <a:rPr lang="en-US" altLang="ko-KR" sz="2000" dirty="0"/>
+              <a:t>Presenter</a:t>
+            </a:r>
+            <a:r>
+              <a:rPr lang="ko-KR" altLang="en-US" sz="2000" dirty="0"/>
+              <a:t>에게 알려준다</a:t>
+            </a:r>
+            <a:r>
+              <a:rPr lang="en-US" altLang="ko-KR" sz="2000" dirty="0"/>
+              <a:t>. Input</a:t>
+            </a:r>
+            <a:r>
+              <a:rPr lang="ko-KR" altLang="en-US" sz="2000" dirty="0"/>
+              <a:t>이 들어오면 로직을 처리해서 </a:t>
+            </a:r>
+            <a:r>
+              <a:rPr lang="ko-KR" altLang="en-US" sz="2000" dirty="0" err="1"/>
+              <a:t>알려줄께</a:t>
+            </a:r>
+            <a:r>
+              <a:rPr lang="ko-KR" altLang="en-US" sz="2000" dirty="0"/>
+              <a:t> </a:t>
+            </a:r>
+            <a:r>
+              <a:rPr lang="en-US" altLang="ko-KR" sz="2000" dirty="0"/>
+              <a:t>View</a:t>
+            </a:r>
+            <a:r>
+              <a:rPr lang="ko-KR" altLang="en-US" sz="2000" dirty="0" err="1"/>
+              <a:t>니가</a:t>
+            </a:r>
+            <a:r>
+              <a:rPr lang="ko-KR" altLang="en-US" sz="2000" dirty="0"/>
+              <a:t> 화면에 갱신할 요소는 </a:t>
+            </a:r>
+            <a:r>
+              <a:rPr lang="ko-KR" altLang="en-US" sz="2000" dirty="0" err="1"/>
+              <a:t>이거야</a:t>
+            </a:r>
+            <a:r>
+              <a:rPr lang="ko-KR" altLang="en-US" sz="2000" dirty="0"/>
+              <a:t> 이거 그려</a:t>
+            </a:r>
+            <a:r>
+              <a:rPr lang="en-US" altLang="ko-KR" sz="2000" dirty="0"/>
+              <a:t>! </a:t>
+            </a:r>
+            <a:r>
+              <a:rPr lang="ko-KR" altLang="en-US" sz="2000" dirty="0"/>
+              <a:t>하고 </a:t>
+            </a:r>
+            <a:r>
+              <a:rPr lang="en-US" altLang="ko-KR" sz="2000" dirty="0"/>
+              <a:t>Presenter</a:t>
+            </a:r>
+            <a:r>
+              <a:rPr lang="ko-KR" altLang="en-US" sz="2000" dirty="0"/>
+              <a:t>가 알려줌</a:t>
+            </a:r>
+            <a:endParaRPr lang="en-US" altLang="ko-KR" sz="2000" dirty="0"/>
+          </a:p>
+          <a:p>
+            <a:pPr marL="0" indent="0">
+              <a:buNone/>
+            </a:pPr>
+            <a:r>
+              <a:rPr lang="en-US" altLang="ko-KR" sz="2000" dirty="0"/>
+              <a:t>Presenter</a:t>
+            </a:r>
+            <a:r>
+              <a:rPr lang="ko-KR" altLang="en-US" sz="2000" dirty="0"/>
+              <a:t>는 </a:t>
+            </a:r>
+            <a:r>
+              <a:rPr lang="en-US" altLang="ko-KR" sz="2000" dirty="0"/>
+              <a:t>input output</a:t>
+            </a:r>
+            <a:r>
+              <a:rPr lang="ko-KR" altLang="en-US" sz="2000" dirty="0"/>
+              <a:t>에 대한 처리는 하지만 화면이랑 상관없음 화면에 </a:t>
+            </a:r>
+            <a:r>
+              <a:rPr lang="ko-KR" altLang="en-US" sz="2000" dirty="0" err="1"/>
+              <a:t>보이는것들만</a:t>
+            </a:r>
+            <a:r>
+              <a:rPr lang="ko-KR" altLang="en-US" sz="2000" dirty="0"/>
+              <a:t> 관리</a:t>
+            </a:r>
+            <a:endParaRPr lang="en-US" altLang="ko-KR" sz="2000" dirty="0"/>
+          </a:p>
+          <a:p>
+            <a:pPr marL="0" indent="0">
+              <a:buNone/>
+            </a:pPr>
+            <a:r>
+              <a:rPr lang="ko-KR" altLang="en-US" sz="2000" dirty="0" err="1"/>
+              <a:t>뷰하나만들때마다</a:t>
+            </a:r>
+            <a:r>
+              <a:rPr lang="ko-KR" altLang="en-US" sz="2000" dirty="0"/>
+              <a:t> </a:t>
+            </a:r>
+            <a:r>
+              <a:rPr lang="en-US" altLang="ko-KR" sz="2000" dirty="0"/>
+              <a:t>Presenter</a:t>
+            </a:r>
+            <a:r>
+              <a:rPr lang="ko-KR" altLang="en-US" sz="2000" dirty="0"/>
+              <a:t>를 </a:t>
+            </a:r>
+            <a:r>
+              <a:rPr lang="ko-KR" altLang="en-US" sz="2000" dirty="0" err="1"/>
+              <a:t>만들어야하는</a:t>
+            </a:r>
+            <a:r>
+              <a:rPr lang="ko-KR" altLang="en-US" sz="2000" dirty="0"/>
+              <a:t> 단점이 있다</a:t>
+            </a:r>
+            <a:r>
+              <a:rPr lang="en-US" altLang="ko-KR" sz="2000" dirty="0"/>
+              <a:t>.</a:t>
+            </a:r>
+            <a:endParaRPr lang="ko-KR" altLang="en-US" sz="2000" dirty="0"/>
+          </a:p>
+        </p:txBody>
+      </p:sp>
+      <p:pic>
+        <p:nvPicPr>
+          <p:cNvPr id="5" name="그림 4">
+            <a:extLst>
+              <a:ext uri="{FF2B5EF4-FFF2-40B4-BE49-F238E27FC236}">
+                <a16:creationId xmlns:a16="http://schemas.microsoft.com/office/drawing/2014/main" id="{A6DA4992-BC6E-46F2-A6C7-0DAEF4B2B71B}"/>
+              </a:ext>
+            </a:extLst>
+          </p:cNvPr>
+          <p:cNvPicPr>
+            <a:picLocks noChangeAspect="1"/>
+          </p:cNvPicPr>
+          <p:nvPr/>
+        </p:nvPicPr>
+        <p:blipFill>
+          <a:blip r:embed="rId2"/>
+          <a:stretch>
+            <a:fillRect/>
+          </a:stretch>
+        </p:blipFill>
+        <p:spPr>
+          <a:xfrm>
+            <a:off x="6337300" y="1328737"/>
+            <a:ext cx="4572000" cy="4200525"/>
+          </a:xfrm>
+          <a:prstGeom prst="rect">
+            <a:avLst/>
+          </a:prstGeom>
+        </p:spPr>
+      </p:pic>
+    </p:spTree>
+    <p:extLst>
+      <p:ext uri="{BB962C8B-B14F-4D97-AF65-F5344CB8AC3E}">
+        <p14:creationId xmlns:p14="http://schemas.microsoft.com/office/powerpoint/2010/main" val="2271584245"/>
       </p:ext>
     </p:extLst>
   </p:cSld>
@@ -20072,6 +20974,1131 @@
     <p:extLst>
       <p:ext uri="{BB962C8B-B14F-4D97-AF65-F5344CB8AC3E}">
         <p14:creationId xmlns:p14="http://schemas.microsoft.com/office/powerpoint/2010/main" val="1172381815"/>
+      </p:ext>
+    </p:extLst>
+  </p:cSld>
+  <p:clrMapOvr>
+    <a:masterClrMapping/>
+  </p:clrMapOvr>
+</p:sld>
+</file>
+
+<file path=ppt/slides/slide30.xml><?xml version="1.0" encoding="utf-8"?>
+<p:sld xmlns:a="http://schemas.openxmlformats.org/drawingml/2006/main" xmlns:r="http://schemas.openxmlformats.org/officeDocument/2006/relationships" xmlns:p="http://schemas.openxmlformats.org/presentationml/2006/main">
+  <p:cSld>
+    <p:spTree>
+      <p:nvGrpSpPr>
+        <p:cNvPr id="1" name=""/>
+        <p:cNvGrpSpPr/>
+        <p:nvPr/>
+      </p:nvGrpSpPr>
+      <p:grpSpPr>
+        <a:xfrm>
+          <a:off x="0" y="0"/>
+          <a:ext cx="0" cy="0"/>
+          <a:chOff x="0" y="0"/>
+          <a:chExt cx="0" cy="0"/>
+        </a:xfrm>
+      </p:grpSpPr>
+      <p:sp>
+        <p:nvSpPr>
+          <p:cNvPr id="2" name="제목 1">
+            <a:extLst>
+              <a:ext uri="{FF2B5EF4-FFF2-40B4-BE49-F238E27FC236}">
+                <a16:creationId xmlns:a16="http://schemas.microsoft.com/office/drawing/2014/main" id="{7279F586-8090-4B93-97B9-4807E9DFAFEF}"/>
+              </a:ext>
+            </a:extLst>
+          </p:cNvPr>
+          <p:cNvSpPr>
+            <a:spLocks noGrp="1"/>
+          </p:cNvSpPr>
+          <p:nvPr>
+            <p:ph type="title"/>
+          </p:nvPr>
+        </p:nvSpPr>
+        <p:spPr/>
+        <p:txBody>
+          <a:bodyPr/>
+          <a:lstStyle/>
+          <a:p>
+            <a:r>
+              <a:rPr lang="en-US" altLang="ko-KR" dirty="0"/>
+              <a:t>MVVM</a:t>
+            </a:r>
+            <a:endParaRPr lang="ko-KR" altLang="en-US" dirty="0"/>
+          </a:p>
+        </p:txBody>
+      </p:sp>
+      <p:pic>
+        <p:nvPicPr>
+          <p:cNvPr id="5" name="내용 개체 틀 4">
+            <a:extLst>
+              <a:ext uri="{FF2B5EF4-FFF2-40B4-BE49-F238E27FC236}">
+                <a16:creationId xmlns:a16="http://schemas.microsoft.com/office/drawing/2014/main" id="{413E76E3-803D-4976-9F01-6849680B5469}"/>
+              </a:ext>
+            </a:extLst>
+          </p:cNvPr>
+          <p:cNvPicPr>
+            <a:picLocks noGrp="1" noChangeAspect="1"/>
+          </p:cNvPicPr>
+          <p:nvPr>
+            <p:ph idx="1"/>
+          </p:nvPr>
+        </p:nvPicPr>
+        <p:blipFill>
+          <a:blip r:embed="rId2"/>
+          <a:stretch>
+            <a:fillRect/>
+          </a:stretch>
+        </p:blipFill>
+        <p:spPr>
+          <a:xfrm>
+            <a:off x="5810463" y="1690688"/>
+            <a:ext cx="5324475" cy="3933825"/>
+          </a:xfrm>
+        </p:spPr>
+      </p:pic>
+      <p:sp>
+        <p:nvSpPr>
+          <p:cNvPr id="7" name="내용 개체 틀 2">
+            <a:extLst>
+              <a:ext uri="{FF2B5EF4-FFF2-40B4-BE49-F238E27FC236}">
+                <a16:creationId xmlns:a16="http://schemas.microsoft.com/office/drawing/2014/main" id="{FF419AF1-98A4-4798-ADBF-BA4EFB61C9AC}"/>
+              </a:ext>
+            </a:extLst>
+          </p:cNvPr>
+          <p:cNvSpPr txBox="1">
+            <a:spLocks/>
+          </p:cNvSpPr>
+          <p:nvPr/>
+        </p:nvSpPr>
+        <p:spPr>
+          <a:xfrm>
+            <a:off x="619338" y="1703972"/>
+            <a:ext cx="4972263" cy="3979585"/>
+          </a:xfrm>
+          <a:prstGeom prst="rect">
+            <a:avLst/>
+          </a:prstGeom>
+        </p:spPr>
+        <p:txBody>
+          <a:bodyPr vert="horz" lIns="91440" tIns="45720" rIns="91440" bIns="45720" rtlCol="0">
+            <a:normAutofit/>
+          </a:bodyPr>
+          <a:lstStyle>
+            <a:lvl1pPr marL="228600" indent="-228600" algn="l" defTabSz="914400" rtl="0" eaLnBrk="1" latinLnBrk="1" hangingPunct="1">
+              <a:lnSpc>
+                <a:spcPct val="90000"/>
+              </a:lnSpc>
+              <a:spcBef>
+                <a:spcPts val="1000"/>
+              </a:spcBef>
+              <a:buFont typeface="Arial" panose="020B0604020202020204" pitchFamily="34" charset="0"/>
+              <a:buChar char="•"/>
+              <a:defRPr sz="2800" kern="1200">
+                <a:solidFill>
+                  <a:schemeClr val="tx1"/>
+                </a:solidFill>
+                <a:latin typeface="+mn-lt"/>
+                <a:ea typeface="+mn-ea"/>
+                <a:cs typeface="+mn-cs"/>
+              </a:defRPr>
+            </a:lvl1pPr>
+            <a:lvl2pPr marL="685800" indent="-228600" algn="l" defTabSz="914400" rtl="0" eaLnBrk="1" latinLnBrk="1" hangingPunct="1">
+              <a:lnSpc>
+                <a:spcPct val="90000"/>
+              </a:lnSpc>
+              <a:spcBef>
+                <a:spcPts val="500"/>
+              </a:spcBef>
+              <a:buFont typeface="Arial" panose="020B0604020202020204" pitchFamily="34" charset="0"/>
+              <a:buChar char="•"/>
+              <a:defRPr sz="2400" kern="1200">
+                <a:solidFill>
+                  <a:schemeClr val="tx1"/>
+                </a:solidFill>
+                <a:latin typeface="+mn-lt"/>
+                <a:ea typeface="+mn-ea"/>
+                <a:cs typeface="+mn-cs"/>
+              </a:defRPr>
+            </a:lvl2pPr>
+            <a:lvl3pPr marL="1143000" indent="-228600" algn="l" defTabSz="914400" rtl="0" eaLnBrk="1" latinLnBrk="1" hangingPunct="1">
+              <a:lnSpc>
+                <a:spcPct val="90000"/>
+              </a:lnSpc>
+              <a:spcBef>
+                <a:spcPts val="500"/>
+              </a:spcBef>
+              <a:buFont typeface="Arial" panose="020B0604020202020204" pitchFamily="34" charset="0"/>
+              <a:buChar char="•"/>
+              <a:defRPr sz="2000" kern="1200">
+                <a:solidFill>
+                  <a:schemeClr val="tx1"/>
+                </a:solidFill>
+                <a:latin typeface="+mn-lt"/>
+                <a:ea typeface="+mn-ea"/>
+                <a:cs typeface="+mn-cs"/>
+              </a:defRPr>
+            </a:lvl3pPr>
+            <a:lvl4pPr marL="1600200" indent="-228600" algn="l" defTabSz="914400" rtl="0" eaLnBrk="1" latinLnBrk="1" hangingPunct="1">
+              <a:lnSpc>
+                <a:spcPct val="90000"/>
+              </a:lnSpc>
+              <a:spcBef>
+                <a:spcPts val="500"/>
+              </a:spcBef>
+              <a:buFont typeface="Arial" panose="020B0604020202020204" pitchFamily="34" charset="0"/>
+              <a:buChar char="•"/>
+              <a:defRPr sz="1800" kern="1200">
+                <a:solidFill>
+                  <a:schemeClr val="tx1"/>
+                </a:solidFill>
+                <a:latin typeface="+mn-lt"/>
+                <a:ea typeface="+mn-ea"/>
+                <a:cs typeface="+mn-cs"/>
+              </a:defRPr>
+            </a:lvl4pPr>
+            <a:lvl5pPr marL="2057400" indent="-228600" algn="l" defTabSz="914400" rtl="0" eaLnBrk="1" latinLnBrk="1" hangingPunct="1">
+              <a:lnSpc>
+                <a:spcPct val="90000"/>
+              </a:lnSpc>
+              <a:spcBef>
+                <a:spcPts val="500"/>
+              </a:spcBef>
+              <a:buFont typeface="Arial" panose="020B0604020202020204" pitchFamily="34" charset="0"/>
+              <a:buChar char="•"/>
+              <a:defRPr sz="1800" kern="1200">
+                <a:solidFill>
+                  <a:schemeClr val="tx1"/>
+                </a:solidFill>
+                <a:latin typeface="+mn-lt"/>
+                <a:ea typeface="+mn-ea"/>
+                <a:cs typeface="+mn-cs"/>
+              </a:defRPr>
+            </a:lvl5pPr>
+            <a:lvl6pPr marL="2514600" indent="-228600" algn="l" defTabSz="914400" rtl="0" eaLnBrk="1" latinLnBrk="1" hangingPunct="1">
+              <a:lnSpc>
+                <a:spcPct val="90000"/>
+              </a:lnSpc>
+              <a:spcBef>
+                <a:spcPts val="500"/>
+              </a:spcBef>
+              <a:buFont typeface="Arial" panose="020B0604020202020204" pitchFamily="34" charset="0"/>
+              <a:buChar char="•"/>
+              <a:defRPr sz="1800" kern="1200">
+                <a:solidFill>
+                  <a:schemeClr val="tx1"/>
+                </a:solidFill>
+                <a:latin typeface="+mn-lt"/>
+                <a:ea typeface="+mn-ea"/>
+                <a:cs typeface="+mn-cs"/>
+              </a:defRPr>
+            </a:lvl6pPr>
+            <a:lvl7pPr marL="2971800" indent="-228600" algn="l" defTabSz="914400" rtl="0" eaLnBrk="1" latinLnBrk="1" hangingPunct="1">
+              <a:lnSpc>
+                <a:spcPct val="90000"/>
+              </a:lnSpc>
+              <a:spcBef>
+                <a:spcPts val="500"/>
+              </a:spcBef>
+              <a:buFont typeface="Arial" panose="020B0604020202020204" pitchFamily="34" charset="0"/>
+              <a:buChar char="•"/>
+              <a:defRPr sz="1800" kern="1200">
+                <a:solidFill>
+                  <a:schemeClr val="tx1"/>
+                </a:solidFill>
+                <a:latin typeface="+mn-lt"/>
+                <a:ea typeface="+mn-ea"/>
+                <a:cs typeface="+mn-cs"/>
+              </a:defRPr>
+            </a:lvl7pPr>
+            <a:lvl8pPr marL="3429000" indent="-228600" algn="l" defTabSz="914400" rtl="0" eaLnBrk="1" latinLnBrk="1" hangingPunct="1">
+              <a:lnSpc>
+                <a:spcPct val="90000"/>
+              </a:lnSpc>
+              <a:spcBef>
+                <a:spcPts val="500"/>
+              </a:spcBef>
+              <a:buFont typeface="Arial" panose="020B0604020202020204" pitchFamily="34" charset="0"/>
+              <a:buChar char="•"/>
+              <a:defRPr sz="1800" kern="1200">
+                <a:solidFill>
+                  <a:schemeClr val="tx1"/>
+                </a:solidFill>
+                <a:latin typeface="+mn-lt"/>
+                <a:ea typeface="+mn-ea"/>
+                <a:cs typeface="+mn-cs"/>
+              </a:defRPr>
+            </a:lvl8pPr>
+            <a:lvl9pPr marL="3886200" indent="-228600" algn="l" defTabSz="914400" rtl="0" eaLnBrk="1" latinLnBrk="1" hangingPunct="1">
+              <a:lnSpc>
+                <a:spcPct val="90000"/>
+              </a:lnSpc>
+              <a:spcBef>
+                <a:spcPts val="500"/>
+              </a:spcBef>
+              <a:buFont typeface="Arial" panose="020B0604020202020204" pitchFamily="34" charset="0"/>
+              <a:buChar char="•"/>
+              <a:defRPr sz="1800" kern="1200">
+                <a:solidFill>
+                  <a:schemeClr val="tx1"/>
+                </a:solidFill>
+                <a:latin typeface="+mn-lt"/>
+                <a:ea typeface="+mn-ea"/>
+                <a:cs typeface="+mn-cs"/>
+              </a:defRPr>
+            </a:lvl9pPr>
+          </a:lstStyle>
+          <a:p>
+            <a:endParaRPr lang="en-US" altLang="ko-KR" dirty="0"/>
+          </a:p>
+        </p:txBody>
+      </p:sp>
+      <p:sp>
+        <p:nvSpPr>
+          <p:cNvPr id="8" name="내용 개체 틀 8">
+            <a:extLst>
+              <a:ext uri="{FF2B5EF4-FFF2-40B4-BE49-F238E27FC236}">
+                <a16:creationId xmlns:a16="http://schemas.microsoft.com/office/drawing/2014/main" id="{63103256-5C28-4D5E-BCCA-EB15D8D45CA9}"/>
+              </a:ext>
+            </a:extLst>
+          </p:cNvPr>
+          <p:cNvSpPr txBox="1">
+            <a:spLocks/>
+          </p:cNvSpPr>
+          <p:nvPr/>
+        </p:nvSpPr>
+        <p:spPr>
+          <a:xfrm>
+            <a:off x="619338" y="1644928"/>
+            <a:ext cx="4559425" cy="3979585"/>
+          </a:xfrm>
+          <a:prstGeom prst="rect">
+            <a:avLst/>
+          </a:prstGeom>
+        </p:spPr>
+        <p:txBody>
+          <a:bodyPr vert="horz" lIns="91440" tIns="45720" rIns="91440" bIns="45720" rtlCol="0" anchor="ctr">
+            <a:normAutofit fontScale="85000" lnSpcReduction="10000"/>
+          </a:bodyPr>
+          <a:lstStyle>
+            <a:lvl1pPr marL="228600" indent="-228600" algn="l" defTabSz="914400" rtl="0" eaLnBrk="1" latinLnBrk="1" hangingPunct="1">
+              <a:lnSpc>
+                <a:spcPct val="90000"/>
+              </a:lnSpc>
+              <a:spcBef>
+                <a:spcPts val="1000"/>
+              </a:spcBef>
+              <a:buFont typeface="Arial" panose="020B0604020202020204" pitchFamily="34" charset="0"/>
+              <a:buChar char="•"/>
+              <a:defRPr sz="2800" kern="1200">
+                <a:solidFill>
+                  <a:schemeClr val="tx1"/>
+                </a:solidFill>
+                <a:latin typeface="+mn-lt"/>
+                <a:ea typeface="+mn-ea"/>
+                <a:cs typeface="+mn-cs"/>
+              </a:defRPr>
+            </a:lvl1pPr>
+            <a:lvl2pPr marL="685800" indent="-228600" algn="l" defTabSz="914400" rtl="0" eaLnBrk="1" latinLnBrk="1" hangingPunct="1">
+              <a:lnSpc>
+                <a:spcPct val="90000"/>
+              </a:lnSpc>
+              <a:spcBef>
+                <a:spcPts val="500"/>
+              </a:spcBef>
+              <a:buFont typeface="Arial" panose="020B0604020202020204" pitchFamily="34" charset="0"/>
+              <a:buChar char="•"/>
+              <a:defRPr sz="2400" kern="1200">
+                <a:solidFill>
+                  <a:schemeClr val="tx1"/>
+                </a:solidFill>
+                <a:latin typeface="+mn-lt"/>
+                <a:ea typeface="+mn-ea"/>
+                <a:cs typeface="+mn-cs"/>
+              </a:defRPr>
+            </a:lvl2pPr>
+            <a:lvl3pPr marL="1143000" indent="-228600" algn="l" defTabSz="914400" rtl="0" eaLnBrk="1" latinLnBrk="1" hangingPunct="1">
+              <a:lnSpc>
+                <a:spcPct val="90000"/>
+              </a:lnSpc>
+              <a:spcBef>
+                <a:spcPts val="500"/>
+              </a:spcBef>
+              <a:buFont typeface="Arial" panose="020B0604020202020204" pitchFamily="34" charset="0"/>
+              <a:buChar char="•"/>
+              <a:defRPr sz="2000" kern="1200">
+                <a:solidFill>
+                  <a:schemeClr val="tx1"/>
+                </a:solidFill>
+                <a:latin typeface="+mn-lt"/>
+                <a:ea typeface="+mn-ea"/>
+                <a:cs typeface="+mn-cs"/>
+              </a:defRPr>
+            </a:lvl3pPr>
+            <a:lvl4pPr marL="1600200" indent="-228600" algn="l" defTabSz="914400" rtl="0" eaLnBrk="1" latinLnBrk="1" hangingPunct="1">
+              <a:lnSpc>
+                <a:spcPct val="90000"/>
+              </a:lnSpc>
+              <a:spcBef>
+                <a:spcPts val="500"/>
+              </a:spcBef>
+              <a:buFont typeface="Arial" panose="020B0604020202020204" pitchFamily="34" charset="0"/>
+              <a:buChar char="•"/>
+              <a:defRPr sz="1800" kern="1200">
+                <a:solidFill>
+                  <a:schemeClr val="tx1"/>
+                </a:solidFill>
+                <a:latin typeface="+mn-lt"/>
+                <a:ea typeface="+mn-ea"/>
+                <a:cs typeface="+mn-cs"/>
+              </a:defRPr>
+            </a:lvl4pPr>
+            <a:lvl5pPr marL="2057400" indent="-228600" algn="l" defTabSz="914400" rtl="0" eaLnBrk="1" latinLnBrk="1" hangingPunct="1">
+              <a:lnSpc>
+                <a:spcPct val="90000"/>
+              </a:lnSpc>
+              <a:spcBef>
+                <a:spcPts val="500"/>
+              </a:spcBef>
+              <a:buFont typeface="Arial" panose="020B0604020202020204" pitchFamily="34" charset="0"/>
+              <a:buChar char="•"/>
+              <a:defRPr sz="1800" kern="1200">
+                <a:solidFill>
+                  <a:schemeClr val="tx1"/>
+                </a:solidFill>
+                <a:latin typeface="+mn-lt"/>
+                <a:ea typeface="+mn-ea"/>
+                <a:cs typeface="+mn-cs"/>
+              </a:defRPr>
+            </a:lvl5pPr>
+            <a:lvl6pPr marL="2514600" indent="-228600" algn="l" defTabSz="914400" rtl="0" eaLnBrk="1" latinLnBrk="1" hangingPunct="1">
+              <a:lnSpc>
+                <a:spcPct val="90000"/>
+              </a:lnSpc>
+              <a:spcBef>
+                <a:spcPts val="500"/>
+              </a:spcBef>
+              <a:buFont typeface="Arial" panose="020B0604020202020204" pitchFamily="34" charset="0"/>
+              <a:buChar char="•"/>
+              <a:defRPr sz="1800" kern="1200">
+                <a:solidFill>
+                  <a:schemeClr val="tx1"/>
+                </a:solidFill>
+                <a:latin typeface="+mn-lt"/>
+                <a:ea typeface="+mn-ea"/>
+                <a:cs typeface="+mn-cs"/>
+              </a:defRPr>
+            </a:lvl6pPr>
+            <a:lvl7pPr marL="2971800" indent="-228600" algn="l" defTabSz="914400" rtl="0" eaLnBrk="1" latinLnBrk="1" hangingPunct="1">
+              <a:lnSpc>
+                <a:spcPct val="90000"/>
+              </a:lnSpc>
+              <a:spcBef>
+                <a:spcPts val="500"/>
+              </a:spcBef>
+              <a:buFont typeface="Arial" panose="020B0604020202020204" pitchFamily="34" charset="0"/>
+              <a:buChar char="•"/>
+              <a:defRPr sz="1800" kern="1200">
+                <a:solidFill>
+                  <a:schemeClr val="tx1"/>
+                </a:solidFill>
+                <a:latin typeface="+mn-lt"/>
+                <a:ea typeface="+mn-ea"/>
+                <a:cs typeface="+mn-cs"/>
+              </a:defRPr>
+            </a:lvl7pPr>
+            <a:lvl8pPr marL="3429000" indent="-228600" algn="l" defTabSz="914400" rtl="0" eaLnBrk="1" latinLnBrk="1" hangingPunct="1">
+              <a:lnSpc>
+                <a:spcPct val="90000"/>
+              </a:lnSpc>
+              <a:spcBef>
+                <a:spcPts val="500"/>
+              </a:spcBef>
+              <a:buFont typeface="Arial" panose="020B0604020202020204" pitchFamily="34" charset="0"/>
+              <a:buChar char="•"/>
+              <a:defRPr sz="1800" kern="1200">
+                <a:solidFill>
+                  <a:schemeClr val="tx1"/>
+                </a:solidFill>
+                <a:latin typeface="+mn-lt"/>
+                <a:ea typeface="+mn-ea"/>
+                <a:cs typeface="+mn-cs"/>
+              </a:defRPr>
+            </a:lvl8pPr>
+            <a:lvl9pPr marL="3886200" indent="-228600" algn="l" defTabSz="914400" rtl="0" eaLnBrk="1" latinLnBrk="1" hangingPunct="1">
+              <a:lnSpc>
+                <a:spcPct val="90000"/>
+              </a:lnSpc>
+              <a:spcBef>
+                <a:spcPts val="500"/>
+              </a:spcBef>
+              <a:buFont typeface="Arial" panose="020B0604020202020204" pitchFamily="34" charset="0"/>
+              <a:buChar char="•"/>
+              <a:defRPr sz="1800" kern="1200">
+                <a:solidFill>
+                  <a:schemeClr val="tx1"/>
+                </a:solidFill>
+                <a:latin typeface="+mn-lt"/>
+                <a:ea typeface="+mn-ea"/>
+                <a:cs typeface="+mn-cs"/>
+              </a:defRPr>
+            </a:lvl9pPr>
+          </a:lstStyle>
+          <a:p>
+            <a:r>
+              <a:rPr lang="en-US" altLang="ko-KR" sz="2000" dirty="0"/>
+              <a:t>MVC</a:t>
+            </a:r>
+            <a:r>
+              <a:rPr lang="ko-KR" altLang="en-US" sz="2000" dirty="0"/>
+              <a:t>는 컨트롤러가 </a:t>
+            </a:r>
+            <a:r>
+              <a:rPr lang="ko-KR" altLang="en-US" sz="2000" dirty="0" err="1"/>
+              <a:t>모든것을</a:t>
+            </a:r>
+            <a:r>
+              <a:rPr lang="ko-KR" altLang="en-US" sz="2000" dirty="0"/>
+              <a:t> 관리</a:t>
+            </a:r>
+            <a:endParaRPr lang="en-US" altLang="ko-KR" sz="2000" dirty="0"/>
+          </a:p>
+          <a:p>
+            <a:r>
+              <a:rPr lang="en-US" altLang="ko-KR" sz="2000" dirty="0"/>
+              <a:t>MVP</a:t>
+            </a:r>
+            <a:r>
+              <a:rPr lang="ko-KR" altLang="en-US" sz="2000" dirty="0"/>
+              <a:t>는 </a:t>
+            </a:r>
+            <a:r>
+              <a:rPr lang="en-US" altLang="ko-KR" sz="2000" dirty="0"/>
+              <a:t>View</a:t>
+            </a:r>
+            <a:r>
+              <a:rPr lang="ko-KR" altLang="en-US" sz="2000" dirty="0"/>
+              <a:t>와 </a:t>
+            </a:r>
+            <a:r>
+              <a:rPr lang="en-US" altLang="ko-KR" sz="2000" dirty="0"/>
+              <a:t>Presenter</a:t>
+            </a:r>
+            <a:r>
+              <a:rPr lang="ko-KR" altLang="en-US" sz="2000" dirty="0"/>
+              <a:t>가 왔다갔다한다</a:t>
+            </a:r>
+            <a:r>
+              <a:rPr lang="en-US" altLang="ko-KR" sz="2000" dirty="0"/>
+              <a:t>.</a:t>
+            </a:r>
+          </a:p>
+          <a:p>
+            <a:r>
+              <a:rPr lang="en-US" altLang="ko-KR" sz="2000" dirty="0"/>
+              <a:t>MVVM</a:t>
+            </a:r>
+            <a:r>
+              <a:rPr lang="ko-KR" altLang="en-US" sz="2000" dirty="0"/>
+              <a:t>은 </a:t>
+            </a:r>
+            <a:r>
+              <a:rPr lang="en-US" altLang="ko-KR" sz="2000" dirty="0" err="1"/>
+              <a:t>ViewModel</a:t>
+            </a:r>
+            <a:r>
+              <a:rPr lang="ko-KR" altLang="en-US" sz="2000" dirty="0"/>
+              <a:t>이 </a:t>
+            </a:r>
+            <a:r>
+              <a:rPr lang="ko-KR" altLang="en-US" sz="2000" dirty="0" err="1"/>
+              <a:t>모델하고만</a:t>
+            </a:r>
+            <a:r>
+              <a:rPr lang="ko-KR" altLang="en-US" sz="2000" dirty="0"/>
+              <a:t> 논다</a:t>
+            </a:r>
+            <a:r>
+              <a:rPr lang="en-US" altLang="ko-KR" sz="2000" dirty="0"/>
+              <a:t>.</a:t>
+            </a:r>
+          </a:p>
+          <a:p>
+            <a:r>
+              <a:rPr lang="en-US" altLang="ko-KR" sz="2000" dirty="0"/>
+              <a:t>View</a:t>
+            </a:r>
+            <a:r>
+              <a:rPr lang="ko-KR" altLang="en-US" sz="2000" dirty="0"/>
+              <a:t>는 데이터를 가지고 가든 말든 신경 </a:t>
+            </a:r>
+            <a:r>
+              <a:rPr lang="ko-KR" altLang="en-US" sz="2000" dirty="0" err="1"/>
+              <a:t>안쓴다</a:t>
+            </a:r>
+            <a:r>
+              <a:rPr lang="en-US" altLang="ko-KR" sz="2000" dirty="0"/>
+              <a:t>.</a:t>
+            </a:r>
+          </a:p>
+          <a:p>
+            <a:r>
+              <a:rPr lang="en-US" altLang="ko-KR" sz="2000" dirty="0"/>
+              <a:t>View</a:t>
+            </a:r>
+            <a:r>
+              <a:rPr lang="ko-KR" altLang="en-US" sz="2000" dirty="0"/>
+              <a:t>가 나 이거 </a:t>
+            </a:r>
+            <a:r>
+              <a:rPr lang="ko-KR" altLang="en-US" sz="2000" dirty="0" err="1"/>
+              <a:t>그려야하는데</a:t>
+            </a:r>
+            <a:r>
+              <a:rPr lang="en-US" altLang="ko-KR" sz="2000" dirty="0"/>
+              <a:t>.. </a:t>
+            </a:r>
+            <a:r>
+              <a:rPr lang="en-US" altLang="ko-KR" sz="2000" dirty="0" err="1"/>
+              <a:t>ViewModel</a:t>
+            </a:r>
+            <a:r>
+              <a:rPr lang="ko-KR" altLang="en-US" sz="2000" dirty="0"/>
+              <a:t>아 </a:t>
+            </a:r>
+            <a:r>
+              <a:rPr lang="ko-KR" altLang="en-US" sz="2000" dirty="0" err="1"/>
+              <a:t>니가</a:t>
+            </a:r>
+            <a:r>
+              <a:rPr lang="ko-KR" altLang="en-US" sz="2000" dirty="0"/>
+              <a:t> 이거 가지고 있지</a:t>
+            </a:r>
+            <a:r>
+              <a:rPr lang="en-US" altLang="ko-KR" sz="2000" dirty="0"/>
+              <a:t>? </a:t>
+            </a:r>
+            <a:r>
+              <a:rPr lang="ko-KR" altLang="en-US" sz="2000" dirty="0"/>
+              <a:t>내가 너 </a:t>
+            </a:r>
+            <a:r>
+              <a:rPr lang="ko-KR" altLang="en-US" sz="2000" dirty="0" err="1"/>
+              <a:t>지켜볼께</a:t>
+            </a:r>
+            <a:r>
+              <a:rPr lang="en-US" altLang="ko-KR" sz="2000" dirty="0"/>
+              <a:t>.. </a:t>
+            </a:r>
+            <a:r>
+              <a:rPr lang="ko-KR" altLang="en-US" sz="2000" dirty="0"/>
+              <a:t>하면서 계속 </a:t>
+            </a:r>
+            <a:r>
+              <a:rPr lang="en-US" altLang="ko-KR" sz="2000" dirty="0" err="1"/>
+              <a:t>ViewModel</a:t>
+            </a:r>
+            <a:r>
+              <a:rPr lang="ko-KR" altLang="en-US" sz="2000" dirty="0"/>
+              <a:t>을 관찰함</a:t>
+            </a:r>
+            <a:r>
+              <a:rPr lang="en-US" altLang="ko-KR" sz="2000" dirty="0"/>
+              <a:t>. </a:t>
+            </a:r>
+            <a:r>
+              <a:rPr lang="en-US" altLang="ko-KR" sz="2000" dirty="0" err="1"/>
+              <a:t>ViewModel</a:t>
+            </a:r>
+            <a:r>
+              <a:rPr lang="ko-KR" altLang="en-US" sz="2000" dirty="0"/>
+              <a:t>에 데이터가 바뀌면 어 </a:t>
+            </a:r>
+            <a:r>
+              <a:rPr lang="ko-KR" altLang="en-US" sz="2000" dirty="0" err="1"/>
+              <a:t>바뀌었어</a:t>
+            </a:r>
+            <a:r>
+              <a:rPr lang="en-US" altLang="ko-KR" sz="2000" dirty="0"/>
+              <a:t>? </a:t>
+            </a:r>
+            <a:r>
+              <a:rPr lang="ko-KR" altLang="en-US" sz="2000" dirty="0"/>
+              <a:t>나도 </a:t>
+            </a:r>
+            <a:r>
+              <a:rPr lang="ko-KR" altLang="en-US" sz="2000" dirty="0" err="1"/>
+              <a:t>바꿀께하면서</a:t>
+            </a:r>
+            <a:r>
+              <a:rPr lang="ko-KR" altLang="en-US" sz="2000" dirty="0"/>
+              <a:t> 갱신함</a:t>
+            </a:r>
+            <a:r>
+              <a:rPr lang="en-US" altLang="ko-KR" sz="2000" dirty="0"/>
+              <a:t>.</a:t>
+            </a:r>
+          </a:p>
+          <a:p>
+            <a:r>
+              <a:rPr lang="ko-KR" altLang="en-US" sz="2000" dirty="0"/>
+              <a:t>만약 </a:t>
+            </a:r>
+            <a:r>
+              <a:rPr lang="en-US" altLang="ko-KR" sz="2000" dirty="0"/>
+              <a:t>View</a:t>
+            </a:r>
+            <a:r>
+              <a:rPr lang="ko-KR" altLang="en-US" sz="2000" dirty="0"/>
+              <a:t>에 데이터가 </a:t>
+            </a:r>
+            <a:r>
+              <a:rPr lang="en-US" altLang="ko-KR" sz="2000" dirty="0"/>
+              <a:t>input</a:t>
+            </a:r>
+            <a:r>
+              <a:rPr lang="ko-KR" altLang="en-US" sz="2000" dirty="0"/>
+              <a:t>되면  </a:t>
+            </a:r>
+            <a:r>
+              <a:rPr lang="en-US" altLang="ko-KR" sz="2000" dirty="0" err="1"/>
+              <a:t>ViewModel</a:t>
+            </a:r>
+            <a:r>
+              <a:rPr lang="ko-KR" altLang="en-US" sz="2000" dirty="0"/>
+              <a:t>에 갱신되었다고 알려주지만 </a:t>
+            </a:r>
+            <a:r>
+              <a:rPr lang="en-US" altLang="ko-KR" sz="2000" dirty="0" err="1"/>
+              <a:t>ViewModel</a:t>
+            </a:r>
+            <a:r>
+              <a:rPr lang="ko-KR" altLang="en-US" sz="2000" dirty="0"/>
+              <a:t>은 데이터만 바꾸고 </a:t>
+            </a:r>
+            <a:r>
+              <a:rPr lang="en-US" altLang="ko-KR" sz="2000" dirty="0"/>
+              <a:t>View</a:t>
+            </a:r>
+            <a:r>
+              <a:rPr lang="ko-KR" altLang="en-US" sz="2000" dirty="0"/>
+              <a:t>한테 </a:t>
+            </a:r>
+            <a:r>
+              <a:rPr lang="ko-KR" altLang="en-US" sz="2000" dirty="0" err="1"/>
+              <a:t>어떠한것도</a:t>
+            </a:r>
+            <a:r>
+              <a:rPr lang="ko-KR" altLang="en-US" sz="2000" dirty="0"/>
+              <a:t> 시키지 않음</a:t>
+            </a:r>
+            <a:r>
+              <a:rPr lang="en-US" altLang="ko-KR" sz="2000" dirty="0"/>
+              <a:t>.</a:t>
+            </a:r>
+          </a:p>
+        </p:txBody>
+      </p:sp>
+    </p:spTree>
+    <p:extLst>
+      <p:ext uri="{BB962C8B-B14F-4D97-AF65-F5344CB8AC3E}">
+        <p14:creationId xmlns:p14="http://schemas.microsoft.com/office/powerpoint/2010/main" val="2825339824"/>
+      </p:ext>
+    </p:extLst>
+  </p:cSld>
+  <p:clrMapOvr>
+    <a:masterClrMapping/>
+  </p:clrMapOvr>
+</p:sld>
+</file>
+
+<file path=ppt/slides/slide31.xml><?xml version="1.0" encoding="utf-8"?>
+<p:sld xmlns:a="http://schemas.openxmlformats.org/drawingml/2006/main" xmlns:r="http://schemas.openxmlformats.org/officeDocument/2006/relationships" xmlns:p="http://schemas.openxmlformats.org/presentationml/2006/main">
+  <p:cSld>
+    <p:spTree>
+      <p:nvGrpSpPr>
+        <p:cNvPr id="1" name=""/>
+        <p:cNvGrpSpPr/>
+        <p:nvPr/>
+      </p:nvGrpSpPr>
+      <p:grpSpPr>
+        <a:xfrm>
+          <a:off x="0" y="0"/>
+          <a:ext cx="0" cy="0"/>
+          <a:chOff x="0" y="0"/>
+          <a:chExt cx="0" cy="0"/>
+        </a:xfrm>
+      </p:grpSpPr>
+      <p:pic>
+        <p:nvPicPr>
+          <p:cNvPr id="5" name="그림 4">
+            <a:extLst>
+              <a:ext uri="{FF2B5EF4-FFF2-40B4-BE49-F238E27FC236}">
+                <a16:creationId xmlns:a16="http://schemas.microsoft.com/office/drawing/2014/main" id="{CA8BF03B-7911-4473-B219-772C2BAA6721}"/>
+              </a:ext>
+            </a:extLst>
+          </p:cNvPr>
+          <p:cNvPicPr>
+            <a:picLocks noChangeAspect="1"/>
+          </p:cNvPicPr>
+          <p:nvPr/>
+        </p:nvPicPr>
+        <p:blipFill>
+          <a:blip r:embed="rId2"/>
+          <a:stretch>
+            <a:fillRect/>
+          </a:stretch>
+        </p:blipFill>
+        <p:spPr>
+          <a:xfrm>
+            <a:off x="-1" y="0"/>
+            <a:ext cx="11769969" cy="7019241"/>
+          </a:xfrm>
+          <a:prstGeom prst="rect">
+            <a:avLst/>
+          </a:prstGeom>
+        </p:spPr>
+      </p:pic>
+    </p:spTree>
+    <p:extLst>
+      <p:ext uri="{BB962C8B-B14F-4D97-AF65-F5344CB8AC3E}">
+        <p14:creationId xmlns:p14="http://schemas.microsoft.com/office/powerpoint/2010/main" val="1803396370"/>
+      </p:ext>
+    </p:extLst>
+  </p:cSld>
+  <p:clrMapOvr>
+    <a:masterClrMapping/>
+  </p:clrMapOvr>
+</p:sld>
+</file>
+
+<file path=ppt/slides/slide32.xml><?xml version="1.0" encoding="utf-8"?>
+<p:sld xmlns:a="http://schemas.openxmlformats.org/drawingml/2006/main" xmlns:r="http://schemas.openxmlformats.org/officeDocument/2006/relationships" xmlns:p="http://schemas.openxmlformats.org/presentationml/2006/main">
+  <p:cSld>
+    <p:spTree>
+      <p:nvGrpSpPr>
+        <p:cNvPr id="1" name=""/>
+        <p:cNvGrpSpPr/>
+        <p:nvPr/>
+      </p:nvGrpSpPr>
+      <p:grpSpPr>
+        <a:xfrm>
+          <a:off x="0" y="0"/>
+          <a:ext cx="0" cy="0"/>
+          <a:chOff x="0" y="0"/>
+          <a:chExt cx="0" cy="0"/>
+        </a:xfrm>
+      </p:grpSpPr>
+      <p:pic>
+        <p:nvPicPr>
+          <p:cNvPr id="5" name="그림 4">
+            <a:extLst>
+              <a:ext uri="{FF2B5EF4-FFF2-40B4-BE49-F238E27FC236}">
+                <a16:creationId xmlns:a16="http://schemas.microsoft.com/office/drawing/2014/main" id="{619A8CB6-E22C-4846-873C-A559C29A7C90}"/>
+              </a:ext>
+            </a:extLst>
+          </p:cNvPr>
+          <p:cNvPicPr>
+            <a:picLocks noChangeAspect="1"/>
+          </p:cNvPicPr>
+          <p:nvPr/>
+        </p:nvPicPr>
+        <p:blipFill>
+          <a:blip r:embed="rId2"/>
+          <a:stretch>
+            <a:fillRect/>
+          </a:stretch>
+        </p:blipFill>
+        <p:spPr>
+          <a:xfrm>
+            <a:off x="169945" y="303045"/>
+            <a:ext cx="11825147" cy="6097755"/>
+          </a:xfrm>
+          <a:prstGeom prst="rect">
+            <a:avLst/>
+          </a:prstGeom>
+        </p:spPr>
+      </p:pic>
+    </p:spTree>
+    <p:extLst>
+      <p:ext uri="{BB962C8B-B14F-4D97-AF65-F5344CB8AC3E}">
+        <p14:creationId xmlns:p14="http://schemas.microsoft.com/office/powerpoint/2010/main" val="3598459401"/>
+      </p:ext>
+    </p:extLst>
+  </p:cSld>
+  <p:clrMapOvr>
+    <a:masterClrMapping/>
+  </p:clrMapOvr>
+</p:sld>
+</file>
+
+<file path=ppt/slides/slide33.xml><?xml version="1.0" encoding="utf-8"?>
+<p:sld xmlns:a="http://schemas.openxmlformats.org/drawingml/2006/main" xmlns:r="http://schemas.openxmlformats.org/officeDocument/2006/relationships" xmlns:p="http://schemas.openxmlformats.org/presentationml/2006/main">
+  <p:cSld>
+    <p:spTree>
+      <p:nvGrpSpPr>
+        <p:cNvPr id="1" name=""/>
+        <p:cNvGrpSpPr/>
+        <p:nvPr/>
+      </p:nvGrpSpPr>
+      <p:grpSpPr>
+        <a:xfrm>
+          <a:off x="0" y="0"/>
+          <a:ext cx="0" cy="0"/>
+          <a:chOff x="0" y="0"/>
+          <a:chExt cx="0" cy="0"/>
+        </a:xfrm>
+      </p:grpSpPr>
+      <p:pic>
+        <p:nvPicPr>
+          <p:cNvPr id="5" name="그림 4">
+            <a:extLst>
+              <a:ext uri="{FF2B5EF4-FFF2-40B4-BE49-F238E27FC236}">
+                <a16:creationId xmlns:a16="http://schemas.microsoft.com/office/drawing/2014/main" id="{4A5EE4DF-502B-486D-878D-E663E0CB9972}"/>
+              </a:ext>
+            </a:extLst>
+          </p:cNvPr>
+          <p:cNvPicPr>
+            <a:picLocks noChangeAspect="1"/>
+          </p:cNvPicPr>
+          <p:nvPr/>
+        </p:nvPicPr>
+        <p:blipFill>
+          <a:blip r:embed="rId2"/>
+          <a:stretch>
+            <a:fillRect/>
+          </a:stretch>
+        </p:blipFill>
+        <p:spPr>
+          <a:xfrm>
+            <a:off x="0" y="224840"/>
+            <a:ext cx="11793415" cy="5863165"/>
+          </a:xfrm>
+          <a:prstGeom prst="rect">
+            <a:avLst/>
+          </a:prstGeom>
+        </p:spPr>
+      </p:pic>
+    </p:spTree>
+    <p:extLst>
+      <p:ext uri="{BB962C8B-B14F-4D97-AF65-F5344CB8AC3E}">
+        <p14:creationId xmlns:p14="http://schemas.microsoft.com/office/powerpoint/2010/main" val="2851919491"/>
+      </p:ext>
+    </p:extLst>
+  </p:cSld>
+  <p:clrMapOvr>
+    <a:masterClrMapping/>
+  </p:clrMapOvr>
+</p:sld>
+</file>
+
+<file path=ppt/slides/slide34.xml><?xml version="1.0" encoding="utf-8"?>
+<p:sld xmlns:a="http://schemas.openxmlformats.org/drawingml/2006/main" xmlns:r="http://schemas.openxmlformats.org/officeDocument/2006/relationships" xmlns:p="http://schemas.openxmlformats.org/presentationml/2006/main">
+  <p:cSld>
+    <p:spTree>
+      <p:nvGrpSpPr>
+        <p:cNvPr id="1" name=""/>
+        <p:cNvGrpSpPr/>
+        <p:nvPr/>
+      </p:nvGrpSpPr>
+      <p:grpSpPr>
+        <a:xfrm>
+          <a:off x="0" y="0"/>
+          <a:ext cx="0" cy="0"/>
+          <a:chOff x="0" y="0"/>
+          <a:chExt cx="0" cy="0"/>
+        </a:xfrm>
+      </p:grpSpPr>
+      <p:pic>
+        <p:nvPicPr>
+          <p:cNvPr id="5" name="그림 4">
+            <a:extLst>
+              <a:ext uri="{FF2B5EF4-FFF2-40B4-BE49-F238E27FC236}">
+                <a16:creationId xmlns:a16="http://schemas.microsoft.com/office/drawing/2014/main" id="{2B57E9EA-289C-49C2-8331-5E9C5716650B}"/>
+              </a:ext>
+            </a:extLst>
+          </p:cNvPr>
+          <p:cNvPicPr>
+            <a:picLocks noChangeAspect="1"/>
+          </p:cNvPicPr>
+          <p:nvPr/>
+        </p:nvPicPr>
+        <p:blipFill>
+          <a:blip r:embed="rId2"/>
+          <a:stretch>
+            <a:fillRect/>
+          </a:stretch>
+        </p:blipFill>
+        <p:spPr>
+          <a:xfrm>
+            <a:off x="0" y="-1"/>
+            <a:ext cx="12192000" cy="6226875"/>
+          </a:xfrm>
+          <a:prstGeom prst="rect">
+            <a:avLst/>
+          </a:prstGeom>
+        </p:spPr>
+      </p:pic>
+    </p:spTree>
+    <p:extLst>
+      <p:ext uri="{BB962C8B-B14F-4D97-AF65-F5344CB8AC3E}">
+        <p14:creationId xmlns:p14="http://schemas.microsoft.com/office/powerpoint/2010/main" val="84430914"/>
+      </p:ext>
+    </p:extLst>
+  </p:cSld>
+  <p:clrMapOvr>
+    <a:masterClrMapping/>
+  </p:clrMapOvr>
+</p:sld>
+</file>
+
+<file path=ppt/slides/slide35.xml><?xml version="1.0" encoding="utf-8"?>
+<p:sld xmlns:a="http://schemas.openxmlformats.org/drawingml/2006/main" xmlns:r="http://schemas.openxmlformats.org/officeDocument/2006/relationships" xmlns:p="http://schemas.openxmlformats.org/presentationml/2006/main">
+  <p:cSld>
+    <p:spTree>
+      <p:nvGrpSpPr>
+        <p:cNvPr id="1" name=""/>
+        <p:cNvGrpSpPr/>
+        <p:nvPr/>
+      </p:nvGrpSpPr>
+      <p:grpSpPr>
+        <a:xfrm>
+          <a:off x="0" y="0"/>
+          <a:ext cx="0" cy="0"/>
+          <a:chOff x="0" y="0"/>
+          <a:chExt cx="0" cy="0"/>
+        </a:xfrm>
+      </p:grpSpPr>
+      <p:pic>
+        <p:nvPicPr>
+          <p:cNvPr id="5" name="그림 4">
+            <a:extLst>
+              <a:ext uri="{FF2B5EF4-FFF2-40B4-BE49-F238E27FC236}">
+                <a16:creationId xmlns:a16="http://schemas.microsoft.com/office/drawing/2014/main" id="{F9AB390B-2FDC-49AE-9631-DD326F546186}"/>
+              </a:ext>
+            </a:extLst>
+          </p:cNvPr>
+          <p:cNvPicPr>
+            <a:picLocks noChangeAspect="1"/>
+          </p:cNvPicPr>
+          <p:nvPr/>
+        </p:nvPicPr>
+        <p:blipFill>
+          <a:blip r:embed="rId2"/>
+          <a:stretch>
+            <a:fillRect/>
+          </a:stretch>
+        </p:blipFill>
+        <p:spPr>
+          <a:xfrm>
+            <a:off x="0" y="0"/>
+            <a:ext cx="12077705" cy="6240379"/>
+          </a:xfrm>
+          <a:prstGeom prst="rect">
+            <a:avLst/>
+          </a:prstGeom>
+        </p:spPr>
+      </p:pic>
+    </p:spTree>
+    <p:extLst>
+      <p:ext uri="{BB962C8B-B14F-4D97-AF65-F5344CB8AC3E}">
+        <p14:creationId xmlns:p14="http://schemas.microsoft.com/office/powerpoint/2010/main" val="1879780703"/>
+      </p:ext>
+    </p:extLst>
+  </p:cSld>
+  <p:clrMapOvr>
+    <a:masterClrMapping/>
+  </p:clrMapOvr>
+</p:sld>
+</file>
+
+<file path=ppt/slides/slide36.xml><?xml version="1.0" encoding="utf-8"?>
+<p:sld xmlns:a="http://schemas.openxmlformats.org/drawingml/2006/main" xmlns:r="http://schemas.openxmlformats.org/officeDocument/2006/relationships" xmlns:p="http://schemas.openxmlformats.org/presentationml/2006/main">
+  <p:cSld>
+    <p:spTree>
+      <p:nvGrpSpPr>
+        <p:cNvPr id="1" name=""/>
+        <p:cNvGrpSpPr/>
+        <p:nvPr/>
+      </p:nvGrpSpPr>
+      <p:grpSpPr>
+        <a:xfrm>
+          <a:off x="0" y="0"/>
+          <a:ext cx="0" cy="0"/>
+          <a:chOff x="0" y="0"/>
+          <a:chExt cx="0" cy="0"/>
+        </a:xfrm>
+      </p:grpSpPr>
+      <p:sp>
+        <p:nvSpPr>
+          <p:cNvPr id="5" name="TextBox 4">
+            <a:extLst>
+              <a:ext uri="{FF2B5EF4-FFF2-40B4-BE49-F238E27FC236}">
+                <a16:creationId xmlns:a16="http://schemas.microsoft.com/office/drawing/2014/main" id="{D8D8C690-14B6-42FF-A690-8F13DB2C51C7}"/>
+              </a:ext>
+            </a:extLst>
+          </p:cNvPr>
+          <p:cNvSpPr txBox="1"/>
+          <p:nvPr/>
+        </p:nvSpPr>
+        <p:spPr>
+          <a:xfrm>
+            <a:off x="1965960" y="2083415"/>
+            <a:ext cx="6096000" cy="1477328"/>
+          </a:xfrm>
+          <a:prstGeom prst="rect">
+            <a:avLst/>
+          </a:prstGeom>
+          <a:noFill/>
+        </p:spPr>
+        <p:txBody>
+          <a:bodyPr wrap="square">
+            <a:spAutoFit/>
+          </a:bodyPr>
+          <a:lstStyle/>
+          <a:p>
+            <a:r>
+              <a:rPr lang="en-US" altLang="ko-KR" dirty="0"/>
+              <a:t>MVC,</a:t>
+            </a:r>
+            <a:r>
+              <a:rPr lang="ko-KR" altLang="en-US" dirty="0"/>
+              <a:t> </a:t>
+            </a:r>
+            <a:r>
+              <a:rPr lang="en-US" altLang="ko-KR" dirty="0"/>
+              <a:t>MVP,</a:t>
+            </a:r>
+            <a:r>
+              <a:rPr lang="ko-KR" altLang="en-US" dirty="0"/>
+              <a:t> </a:t>
+            </a:r>
+            <a:r>
+              <a:rPr lang="en-US" altLang="ko-KR" dirty="0"/>
+              <a:t>MVVM</a:t>
+            </a:r>
+            <a:r>
+              <a:rPr lang="ko-KR" altLang="en-US" dirty="0"/>
+              <a:t> 패턴 정리</a:t>
+            </a:r>
+            <a:endParaRPr lang="en-US" altLang="ko-KR" dirty="0"/>
+          </a:p>
+          <a:p>
+            <a:endParaRPr lang="en-US" altLang="ko-KR" dirty="0"/>
+          </a:p>
+          <a:p>
+            <a:r>
+              <a:rPr lang="ko-KR" altLang="en-US" dirty="0"/>
+              <a:t>https://jcchu.medium.com/%EB%94%94%EC%9E%90%EC%9D%B8-%ED%8C%A8%ED%84%B4-mvc-mvp-mvvm-965e324742df</a:t>
+            </a:r>
+          </a:p>
+        </p:txBody>
+      </p:sp>
+    </p:spTree>
+    <p:extLst>
+      <p:ext uri="{BB962C8B-B14F-4D97-AF65-F5344CB8AC3E}">
+        <p14:creationId xmlns:p14="http://schemas.microsoft.com/office/powerpoint/2010/main" val="737338029"/>
       </p:ext>
     </p:extLst>
   </p:cSld>
